--- a/Relatorios-Progresso/FRIEND’S_3rdDelivery.pptx
+++ b/Relatorios-Progresso/FRIEND’S_3rdDelivery.pptx
@@ -6,15 +6,17 @@
   </p:sldMasterIdLst>
   <p:sldIdLst>
     <p:sldId id="256" r:id="rId2"/>
-    <p:sldId id="261" r:id="rId3"/>
+    <p:sldId id="270" r:id="rId3"/>
     <p:sldId id="267" r:id="rId4"/>
-    <p:sldId id="269" r:id="rId5"/>
-    <p:sldId id="268" r:id="rId6"/>
-    <p:sldId id="266" r:id="rId7"/>
-    <p:sldId id="263" r:id="rId8"/>
-    <p:sldId id="264" r:id="rId9"/>
-    <p:sldId id="265" r:id="rId10"/>
-    <p:sldId id="260" r:id="rId11"/>
+    <p:sldId id="261" r:id="rId5"/>
+    <p:sldId id="269" r:id="rId6"/>
+    <p:sldId id="268" r:id="rId7"/>
+    <p:sldId id="266" r:id="rId8"/>
+    <p:sldId id="271" r:id="rId9"/>
+    <p:sldId id="263" r:id="rId10"/>
+    <p:sldId id="264" r:id="rId11"/>
+    <p:sldId id="265" r:id="rId12"/>
+    <p:sldId id="260" r:id="rId13"/>
   </p:sldIdLst>
   <p:sldSz cx="12192000" cy="6858000"/>
   <p:notesSz cx="6858000" cy="9144000"/>
@@ -3280,7 +3282,7 @@
           <a:p>
             <a:fld id="{48A87A34-81AB-432B-8DAE-1953F412C126}" type="datetimeFigureOut">
               <a:rPr lang="en-US" smtClean="0"/>
-              <a:t>12/20/2021</a:t>
+              <a:t>1/11/2022</a:t>
             </a:fld>
             <a:endParaRPr lang="en-US" dirty="0"/>
           </a:p>
@@ -3610,7 +3612,7 @@
           <a:p>
             <a:fld id="{48A87A34-81AB-432B-8DAE-1953F412C126}" type="datetimeFigureOut">
               <a:rPr lang="en-US" smtClean="0"/>
-              <a:t>12/20/2021</a:t>
+              <a:t>1/11/2022</a:t>
             </a:fld>
             <a:endParaRPr lang="en-US" dirty="0"/>
           </a:p>
@@ -3790,7 +3792,7 @@
           <a:p>
             <a:fld id="{48A87A34-81AB-432B-8DAE-1953F412C126}" type="datetimeFigureOut">
               <a:rPr lang="en-US" smtClean="0"/>
-              <a:t>12/20/2021</a:t>
+              <a:t>1/11/2022</a:t>
             </a:fld>
             <a:endParaRPr lang="en-US" dirty="0"/>
           </a:p>
@@ -3960,7 +3962,7 @@
           <a:p>
             <a:fld id="{48A87A34-81AB-432B-8DAE-1953F412C126}" type="datetimeFigureOut">
               <a:rPr lang="en-US" smtClean="0"/>
-              <a:t>12/20/2021</a:t>
+              <a:t>1/11/2022</a:t>
             </a:fld>
             <a:endParaRPr lang="en-US" dirty="0"/>
           </a:p>
@@ -4237,7 +4239,7 @@
           <a:p>
             <a:fld id="{48A87A34-81AB-432B-8DAE-1953F412C126}" type="datetimeFigureOut">
               <a:rPr lang="en-US" smtClean="0"/>
-              <a:t>12/20/2021</a:t>
+              <a:t>1/11/2022</a:t>
             </a:fld>
             <a:endParaRPr lang="en-US" dirty="0"/>
           </a:p>
@@ -4631,7 +4633,7 @@
           <a:p>
             <a:fld id="{48A87A34-81AB-432B-8DAE-1953F412C126}" type="datetimeFigureOut">
               <a:rPr lang="en-US" smtClean="0"/>
-              <a:t>12/20/2021</a:t>
+              <a:t>1/11/2022</a:t>
             </a:fld>
             <a:endParaRPr lang="en-US" dirty="0"/>
           </a:p>
@@ -5108,7 +5110,7 @@
           <a:p>
             <a:fld id="{48A87A34-81AB-432B-8DAE-1953F412C126}" type="datetimeFigureOut">
               <a:rPr lang="en-US" smtClean="0"/>
-              <a:t>12/20/2021</a:t>
+              <a:t>1/11/2022</a:t>
             </a:fld>
             <a:endParaRPr lang="en-US" dirty="0"/>
           </a:p>
@@ -5226,7 +5228,7 @@
           <a:p>
             <a:fld id="{48A87A34-81AB-432B-8DAE-1953F412C126}" type="datetimeFigureOut">
               <a:rPr lang="en-US" smtClean="0"/>
-              <a:t>12/20/2021</a:t>
+              <a:t>1/11/2022</a:t>
             </a:fld>
             <a:endParaRPr lang="en-US" dirty="0"/>
           </a:p>
@@ -5321,7 +5323,7 @@
           <a:p>
             <a:fld id="{48A87A34-81AB-432B-8DAE-1953F412C126}" type="datetimeFigureOut">
               <a:rPr lang="en-US" smtClean="0"/>
-              <a:t>12/20/2021</a:t>
+              <a:t>1/11/2022</a:t>
             </a:fld>
             <a:endParaRPr lang="en-US" dirty="0"/>
           </a:p>
@@ -5667,7 +5669,7 @@
           <a:p>
             <a:fld id="{48A87A34-81AB-432B-8DAE-1953F412C126}" type="datetimeFigureOut">
               <a:rPr lang="en-US" smtClean="0"/>
-              <a:t>12/20/2021</a:t>
+              <a:t>1/11/2022</a:t>
             </a:fld>
             <a:endParaRPr lang="en-US" dirty="0"/>
           </a:p>
@@ -6056,7 +6058,7 @@
             <a:fld id="{48A87A34-81AB-432B-8DAE-1953F412C126}" type="datetimeFigureOut">
               <a:rPr lang="en-US" smtClean="0"/>
               <a:pPr/>
-              <a:t>12/20/2021</a:t>
+              <a:t>1/11/2022</a:t>
             </a:fld>
             <a:endParaRPr lang="en-US" dirty="0"/>
           </a:p>
@@ -6335,7 +6337,7 @@
             <a:fld id="{48A87A34-81AB-432B-8DAE-1953F412C126}" type="datetimeFigureOut">
               <a:rPr lang="en-US" smtClean="0"/>
               <a:pPr/>
-              <a:t>12/20/2021</a:t>
+              <a:t>1/11/2022</a:t>
             </a:fld>
             <a:endParaRPr lang="en-US" dirty="0"/>
           </a:p>
@@ -7546,6 +7548,264 @@
           <p:cNvPr id="2" name="Título 1">
             <a:extLst>
               <a:ext uri="{FF2B5EF4-FFF2-40B4-BE49-F238E27FC236}">
+                <a16:creationId xmlns:a16="http://schemas.microsoft.com/office/drawing/2014/main" id="{DFE134D2-1247-4CA3-B831-2F62056BD57E}"/>
+              </a:ext>
+            </a:extLst>
+          </p:cNvPr>
+          <p:cNvSpPr>
+            <a:spLocks noGrp="1"/>
+          </p:cNvSpPr>
+          <p:nvPr>
+            <p:ph type="title"/>
+          </p:nvPr>
+        </p:nvSpPr>
+        <p:spPr>
+          <a:xfrm>
+            <a:off x="666186" y="4080696"/>
+            <a:ext cx="5318979" cy="567197"/>
+          </a:xfrm>
+        </p:spPr>
+        <p:txBody>
+          <a:bodyPr vert="horz" lIns="91440" tIns="45720" rIns="91440" bIns="45720" rtlCol="0" anchor="t">
+            <a:normAutofit fontScale="90000"/>
+          </a:bodyPr>
+          <a:lstStyle/>
+          <a:p>
+            <a:r>
+              <a:rPr lang="en-US" sz="3600" b="1" dirty="0">
+                <a:solidFill>
+                  <a:schemeClr val="tx1"/>
+                </a:solidFill>
+              </a:rPr>
+              <a:t>Heroku – Custom Queries</a:t>
+            </a:r>
+          </a:p>
+        </p:txBody>
+      </p:sp>
+      <p:pic>
+        <p:nvPicPr>
+          <p:cNvPr id="4" name="Imagem 3" descr="Uma imagem com texto&#10;&#10;Descrição gerada automaticamente">
+            <a:extLst>
+              <a:ext uri="{FF2B5EF4-FFF2-40B4-BE49-F238E27FC236}">
+                <a16:creationId xmlns:a16="http://schemas.microsoft.com/office/drawing/2014/main" id="{2257A611-142D-4ACF-BF24-BE12A1DF8E6D}"/>
+              </a:ext>
+            </a:extLst>
+          </p:cNvPr>
+          <p:cNvPicPr>
+            <a:picLocks noChangeAspect="1"/>
+          </p:cNvPicPr>
+          <p:nvPr/>
+        </p:nvPicPr>
+        <p:blipFill>
+          <a:blip r:embed="rId2"/>
+          <a:stretch>
+            <a:fillRect/>
+          </a:stretch>
+        </p:blipFill>
+        <p:spPr>
+          <a:xfrm>
+            <a:off x="3602368" y="153076"/>
+            <a:ext cx="7811590" cy="2210108"/>
+          </a:xfrm>
+          <a:prstGeom prst="rect">
+            <a:avLst/>
+          </a:prstGeom>
+        </p:spPr>
+      </p:pic>
+      <p:pic>
+        <p:nvPicPr>
+          <p:cNvPr id="8" name="Imagem 7" descr="Uma imagem com texto&#10;&#10;Descrição gerada automaticamente">
+            <a:extLst>
+              <a:ext uri="{FF2B5EF4-FFF2-40B4-BE49-F238E27FC236}">
+                <a16:creationId xmlns:a16="http://schemas.microsoft.com/office/drawing/2014/main" id="{E4C4EAD5-DE4E-4B15-98A3-171C1B4826EA}"/>
+              </a:ext>
+            </a:extLst>
+          </p:cNvPr>
+          <p:cNvPicPr>
+            <a:picLocks noChangeAspect="1"/>
+          </p:cNvPicPr>
+          <p:nvPr/>
+        </p:nvPicPr>
+        <p:blipFill>
+          <a:blip r:embed="rId3"/>
+          <a:stretch>
+            <a:fillRect/>
+          </a:stretch>
+        </p:blipFill>
+        <p:spPr>
+          <a:xfrm>
+            <a:off x="7060425" y="2363184"/>
+            <a:ext cx="4353533" cy="3724795"/>
+          </a:xfrm>
+          <a:prstGeom prst="rect">
+            <a:avLst/>
+          </a:prstGeom>
+        </p:spPr>
+      </p:pic>
+    </p:spTree>
+    <p:extLst>
+      <p:ext uri="{BB962C8B-B14F-4D97-AF65-F5344CB8AC3E}">
+        <p14:creationId xmlns:p14="http://schemas.microsoft.com/office/powerpoint/2010/main" val="2060116962"/>
+      </p:ext>
+    </p:extLst>
+  </p:cSld>
+  <p:clrMapOvr>
+    <a:masterClrMapping/>
+  </p:clrMapOvr>
+</p:sld>
+</file>
+
+<file path=ppt/slides/slide11.xml><?xml version="1.0" encoding="utf-8"?>
+<p:sld xmlns:a="http://schemas.openxmlformats.org/drawingml/2006/main" xmlns:r="http://schemas.openxmlformats.org/officeDocument/2006/relationships" xmlns:p="http://schemas.openxmlformats.org/presentationml/2006/main">
+  <p:cSld>
+    <p:spTree>
+      <p:nvGrpSpPr>
+        <p:cNvPr id="1" name=""/>
+        <p:cNvGrpSpPr/>
+        <p:nvPr/>
+      </p:nvGrpSpPr>
+      <p:grpSpPr>
+        <a:xfrm>
+          <a:off x="0" y="0"/>
+          <a:ext cx="0" cy="0"/>
+          <a:chOff x="0" y="0"/>
+          <a:chExt cx="0" cy="0"/>
+        </a:xfrm>
+      </p:grpSpPr>
+      <p:sp>
+        <p:nvSpPr>
+          <p:cNvPr id="2" name="Título 1">
+            <a:extLst>
+              <a:ext uri="{FF2B5EF4-FFF2-40B4-BE49-F238E27FC236}">
+                <a16:creationId xmlns:a16="http://schemas.microsoft.com/office/drawing/2014/main" id="{DFE134D2-1247-4CA3-B831-2F62056BD57E}"/>
+              </a:ext>
+            </a:extLst>
+          </p:cNvPr>
+          <p:cNvSpPr>
+            <a:spLocks noGrp="1"/>
+          </p:cNvSpPr>
+          <p:nvPr>
+            <p:ph type="title"/>
+          </p:nvPr>
+        </p:nvSpPr>
+        <p:spPr>
+          <a:xfrm>
+            <a:off x="0" y="0"/>
+            <a:ext cx="5229526" cy="547318"/>
+          </a:xfrm>
+        </p:spPr>
+        <p:txBody>
+          <a:bodyPr vert="horz" lIns="91440" tIns="45720" rIns="91440" bIns="45720" rtlCol="0" anchor="t">
+            <a:normAutofit fontScale="90000"/>
+          </a:bodyPr>
+          <a:lstStyle/>
+          <a:p>
+            <a:r>
+              <a:rPr lang="en-US" sz="3600" b="1" dirty="0">
+                <a:solidFill>
+                  <a:schemeClr val="tx1"/>
+                </a:solidFill>
+              </a:rPr>
+              <a:t>Heroku – Custom Queries</a:t>
+            </a:r>
+          </a:p>
+        </p:txBody>
+      </p:sp>
+      <p:pic>
+        <p:nvPicPr>
+          <p:cNvPr id="6" name="Imagem 5">
+            <a:extLst>
+              <a:ext uri="{FF2B5EF4-FFF2-40B4-BE49-F238E27FC236}">
+                <a16:creationId xmlns:a16="http://schemas.microsoft.com/office/drawing/2014/main" id="{D4E3DF63-71A4-4DAA-B887-01C3B8DA309E}"/>
+              </a:ext>
+            </a:extLst>
+          </p:cNvPr>
+          <p:cNvPicPr>
+            <a:picLocks noChangeAspect="1"/>
+          </p:cNvPicPr>
+          <p:nvPr/>
+        </p:nvPicPr>
+        <p:blipFill>
+          <a:blip r:embed="rId2"/>
+          <a:stretch>
+            <a:fillRect/>
+          </a:stretch>
+        </p:blipFill>
+        <p:spPr>
+          <a:xfrm>
+            <a:off x="2009968" y="1673737"/>
+            <a:ext cx="9436963" cy="2063532"/>
+          </a:xfrm>
+          <a:prstGeom prst="rect">
+            <a:avLst/>
+          </a:prstGeom>
+        </p:spPr>
+      </p:pic>
+      <p:pic>
+        <p:nvPicPr>
+          <p:cNvPr id="5" name="Imagem 4" descr="Uma imagem com mesa&#10;&#10;Descrição gerada automaticamente">
+            <a:extLst>
+              <a:ext uri="{FF2B5EF4-FFF2-40B4-BE49-F238E27FC236}">
+                <a16:creationId xmlns:a16="http://schemas.microsoft.com/office/drawing/2014/main" id="{8C448779-847B-4F5D-8EB1-F198D96019EF}"/>
+              </a:ext>
+            </a:extLst>
+          </p:cNvPr>
+          <p:cNvPicPr>
+            <a:picLocks noChangeAspect="1"/>
+          </p:cNvPicPr>
+          <p:nvPr/>
+        </p:nvPicPr>
+        <p:blipFill>
+          <a:blip r:embed="rId3"/>
+          <a:stretch>
+            <a:fillRect/>
+          </a:stretch>
+        </p:blipFill>
+        <p:spPr>
+          <a:xfrm>
+            <a:off x="91546" y="2994783"/>
+            <a:ext cx="11355385" cy="3105583"/>
+          </a:xfrm>
+          <a:prstGeom prst="rect">
+            <a:avLst/>
+          </a:prstGeom>
+        </p:spPr>
+      </p:pic>
+    </p:spTree>
+    <p:extLst>
+      <p:ext uri="{BB962C8B-B14F-4D97-AF65-F5344CB8AC3E}">
+        <p14:creationId xmlns:p14="http://schemas.microsoft.com/office/powerpoint/2010/main" val="3122458714"/>
+      </p:ext>
+    </p:extLst>
+  </p:cSld>
+  <p:clrMapOvr>
+    <a:masterClrMapping/>
+  </p:clrMapOvr>
+</p:sld>
+</file>
+
+<file path=ppt/slides/slide12.xml><?xml version="1.0" encoding="utf-8"?>
+<p:sld xmlns:a="http://schemas.openxmlformats.org/drawingml/2006/main" xmlns:r="http://schemas.openxmlformats.org/officeDocument/2006/relationships" xmlns:p="http://schemas.openxmlformats.org/presentationml/2006/main">
+  <p:cSld>
+    <p:spTree>
+      <p:nvGrpSpPr>
+        <p:cNvPr id="1" name=""/>
+        <p:cNvGrpSpPr/>
+        <p:nvPr/>
+      </p:nvGrpSpPr>
+      <p:grpSpPr>
+        <a:xfrm>
+          <a:off x="0" y="0"/>
+          <a:ext cx="0" cy="0"/>
+          <a:chOff x="0" y="0"/>
+          <a:chExt cx="0" cy="0"/>
+        </a:xfrm>
+      </p:grpSpPr>
+      <p:sp>
+        <p:nvSpPr>
+          <p:cNvPr id="2" name="Título 1">
+            <a:extLst>
+              <a:ext uri="{FF2B5EF4-FFF2-40B4-BE49-F238E27FC236}">
                 <a16:creationId xmlns:a16="http://schemas.microsoft.com/office/drawing/2014/main" id="{90570629-D27C-4E3E-A600-CFA041A86729}"/>
               </a:ext>
             </a:extLst>
@@ -7629,6 +7889,629 @@
 </file>
 
 <file path=ppt/slides/slide2.xml><?xml version="1.0" encoding="utf-8"?>
+<p:sld xmlns:a="http://schemas.openxmlformats.org/drawingml/2006/main" xmlns:r="http://schemas.openxmlformats.org/officeDocument/2006/relationships" xmlns:p="http://schemas.openxmlformats.org/presentationml/2006/main">
+  <p:cSld>
+    <p:bg>
+      <p:bgPr>
+        <a:solidFill>
+          <a:schemeClr val="bg2"/>
+        </a:solidFill>
+        <a:effectLst/>
+      </p:bgPr>
+    </p:bg>
+    <p:spTree>
+      <p:nvGrpSpPr>
+        <p:cNvPr id="1" name=""/>
+        <p:cNvGrpSpPr/>
+        <p:nvPr/>
+      </p:nvGrpSpPr>
+      <p:grpSpPr>
+        <a:xfrm>
+          <a:off x="0" y="0"/>
+          <a:ext cx="0" cy="0"/>
+          <a:chOff x="0" y="0"/>
+          <a:chExt cx="0" cy="0"/>
+        </a:xfrm>
+      </p:grpSpPr>
+      <p:sp>
+        <p:nvSpPr>
+          <p:cNvPr id="14" name="Rectangle 13">
+            <a:extLst>
+              <a:ext uri="{FF2B5EF4-FFF2-40B4-BE49-F238E27FC236}">
+                <a16:creationId xmlns:a16="http://schemas.microsoft.com/office/drawing/2014/main" id="{9E8A3474-A3A2-4200-9E98-3433E3D193E2}"/>
+              </a:ext>
+              <a:ext uri="{C183D7F6-B498-43B3-948B-1728B52AA6E4}">
+                <adec:decorative xmlns:adec="http://schemas.microsoft.com/office/drawing/2017/decorative" val="1"/>
+              </a:ext>
+            </a:extLst>
+          </p:cNvPr>
+          <p:cNvSpPr>
+            <a:spLocks noGrp="1" noRot="1" noChangeAspect="1" noMove="1" noResize="1" noEditPoints="1" noAdjustHandles="1" noChangeArrowheads="1" noChangeShapeType="1" noTextEdit="1"/>
+          </p:cNvSpPr>
+          <p:nvPr>
+            <p:extLst>
+              <p:ext uri="{386F3935-93C4-4BCD-93E2-E3B085C9AB24}">
+                <p16:designElem xmlns:p16="http://schemas.microsoft.com/office/powerpoint/2015/main" val="1"/>
+              </p:ext>
+            </p:extLst>
+          </p:nvPr>
+        </p:nvSpPr>
+        <p:spPr>
+          <a:xfrm>
+            <a:off x="478095" y="376"/>
+            <a:ext cx="228600" cy="6858000"/>
+          </a:xfrm>
+          <a:prstGeom prst="rect">
+            <a:avLst/>
+          </a:prstGeom>
+          <a:solidFill>
+            <a:schemeClr val="tx2"/>
+          </a:solidFill>
+          <a:ln>
+            <a:noFill/>
+          </a:ln>
+        </p:spPr>
+        <p:style>
+          <a:lnRef idx="2">
+            <a:schemeClr val="accent1">
+              <a:shade val="50000"/>
+            </a:schemeClr>
+          </a:lnRef>
+          <a:fillRef idx="1">
+            <a:schemeClr val="accent1"/>
+          </a:fillRef>
+          <a:effectRef idx="0">
+            <a:schemeClr val="accent1"/>
+          </a:effectRef>
+          <a:fontRef idx="minor">
+            <a:schemeClr val="lt1"/>
+          </a:fontRef>
+        </p:style>
+      </p:sp>
+      <p:sp>
+        <p:nvSpPr>
+          <p:cNvPr id="16" name="Rectangle 15">
+            <a:extLst>
+              <a:ext uri="{FF2B5EF4-FFF2-40B4-BE49-F238E27FC236}">
+                <a16:creationId xmlns:a16="http://schemas.microsoft.com/office/drawing/2014/main" id="{9A5A698B-F644-41A9-BD67-6316EDB7A951}"/>
+              </a:ext>
+              <a:ext uri="{C183D7F6-B498-43B3-948B-1728B52AA6E4}">
+                <adec:decorative xmlns:adec="http://schemas.microsoft.com/office/drawing/2017/decorative" val="1"/>
+              </a:ext>
+            </a:extLst>
+          </p:cNvPr>
+          <p:cNvSpPr>
+            <a:spLocks noGrp="1" noRot="1" noChangeAspect="1" noMove="1" noResize="1" noEditPoints="1" noAdjustHandles="1" noChangeArrowheads="1" noChangeShapeType="1" noTextEdit="1"/>
+          </p:cNvSpPr>
+          <p:nvPr>
+            <p:extLst>
+              <p:ext uri="{386F3935-93C4-4BCD-93E2-E3B085C9AB24}">
+                <p16:designElem xmlns:p16="http://schemas.microsoft.com/office/powerpoint/2015/main" val="1"/>
+              </p:ext>
+            </p:extLst>
+          </p:nvPr>
+        </p:nvSpPr>
+        <p:spPr>
+          <a:xfrm>
+            <a:off x="0" y="0"/>
+            <a:ext cx="12192000" cy="6858000"/>
+          </a:xfrm>
+          <a:prstGeom prst="rect">
+            <a:avLst/>
+          </a:prstGeom>
+          <a:solidFill>
+            <a:schemeClr val="bg2"/>
+          </a:solidFill>
+          <a:ln>
+            <a:noFill/>
+          </a:ln>
+        </p:spPr>
+        <p:style>
+          <a:lnRef idx="2">
+            <a:schemeClr val="accent1">
+              <a:shade val="50000"/>
+            </a:schemeClr>
+          </a:lnRef>
+          <a:fillRef idx="1">
+            <a:schemeClr val="accent1"/>
+          </a:fillRef>
+          <a:effectRef idx="0">
+            <a:schemeClr val="accent1"/>
+          </a:effectRef>
+          <a:fontRef idx="minor">
+            <a:schemeClr val="lt1"/>
+          </a:fontRef>
+        </p:style>
+        <p:txBody>
+          <a:bodyPr rtlCol="0" anchor="ctr"/>
+          <a:lstStyle/>
+          <a:p>
+            <a:pPr algn="ctr"/>
+            <a:endParaRPr lang="en-US"/>
+          </a:p>
+        </p:txBody>
+      </p:sp>
+      <p:grpSp>
+        <p:nvGrpSpPr>
+          <p:cNvPr id="18" name="Group 17">
+            <a:extLst>
+              <a:ext uri="{FF2B5EF4-FFF2-40B4-BE49-F238E27FC236}">
+                <a16:creationId xmlns:a16="http://schemas.microsoft.com/office/drawing/2014/main" id="{BA916D8B-8E5E-442C-93D2-F10B324962F3}"/>
+              </a:ext>
+              <a:ext uri="{C183D7F6-B498-43B3-948B-1728B52AA6E4}">
+                <adec:decorative xmlns:adec="http://schemas.microsoft.com/office/drawing/2017/decorative" val="1"/>
+              </a:ext>
+            </a:extLst>
+          </p:cNvPr>
+          <p:cNvGrpSpPr>
+            <a:grpSpLocks noGrp="1" noUngrp="1" noRot="1" noChangeAspect="1" noMove="1" noResize="1"/>
+          </p:cNvGrpSpPr>
+          <p:nvPr>
+            <p:extLst>
+              <p:ext uri="{386F3935-93C4-4BCD-93E2-E3B085C9AB24}">
+                <p16:designElem xmlns:p16="http://schemas.microsoft.com/office/powerpoint/2015/main" val="1"/>
+              </p:ext>
+            </p:extLst>
+          </p:nvPr>
+        </p:nvGrpSpPr>
+        <p:grpSpPr>
+          <a:xfrm>
+            <a:off x="752858" y="744469"/>
+            <a:ext cx="10674117" cy="5349671"/>
+            <a:chOff x="752858" y="744469"/>
+            <a:chExt cx="10674117" cy="5349671"/>
+          </a:xfrm>
+        </p:grpSpPr>
+        <p:sp>
+          <p:nvSpPr>
+            <p:cNvPr id="19" name="Freeform 6">
+              <a:extLst>
+                <a:ext uri="{FF2B5EF4-FFF2-40B4-BE49-F238E27FC236}">
+                  <a16:creationId xmlns:a16="http://schemas.microsoft.com/office/drawing/2014/main" id="{E444B8DA-C76F-4B2F-AFC5-378726411B52}"/>
+                </a:ext>
+                <a:ext uri="{C183D7F6-B498-43B3-948B-1728B52AA6E4}">
+                  <adec:decorative xmlns:adec="http://schemas.microsoft.com/office/drawing/2017/decorative" val="1"/>
+                </a:ext>
+              </a:extLst>
+            </p:cNvPr>
+            <p:cNvSpPr/>
+            <p:nvPr>
+              <p:extLst>
+                <p:ext uri="{386F3935-93C4-4BCD-93E2-E3B085C9AB24}">
+                  <p16:designElem xmlns:p16="http://schemas.microsoft.com/office/powerpoint/2015/main" val="1"/>
+                </p:ext>
+              </p:extLst>
+            </p:nvPr>
+          </p:nvSpPr>
+          <p:spPr bwMode="auto">
+            <a:xfrm>
+              <a:off x="8151962" y="1685652"/>
+              <a:ext cx="3275013" cy="4408488"/>
+            </a:xfrm>
+            <a:custGeom>
+              <a:avLst/>
+              <a:gdLst/>
+              <a:ahLst/>
+              <a:cxnLst/>
+              <a:rect l="l" t="t" r="r" b="b"/>
+              <a:pathLst>
+                <a:path w="10000" h="10000">
+                  <a:moveTo>
+                    <a:pt x="8761" y="0"/>
+                  </a:moveTo>
+                  <a:lnTo>
+                    <a:pt x="10000" y="0"/>
+                  </a:lnTo>
+                  <a:lnTo>
+                    <a:pt x="10000" y="10000"/>
+                  </a:lnTo>
+                  <a:lnTo>
+                    <a:pt x="0" y="10000"/>
+                  </a:lnTo>
+                  <a:lnTo>
+                    <a:pt x="0" y="9126"/>
+                  </a:lnTo>
+                  <a:lnTo>
+                    <a:pt x="8761" y="9127"/>
+                  </a:lnTo>
+                  <a:lnTo>
+                    <a:pt x="8761" y="0"/>
+                  </a:lnTo>
+                  <a:close/>
+                </a:path>
+              </a:pathLst>
+            </a:custGeom>
+            <a:solidFill>
+              <a:schemeClr val="tx2"/>
+            </a:solidFill>
+            <a:ln w="0">
+              <a:noFill/>
+              <a:prstDash val="solid"/>
+              <a:round/>
+              <a:headEnd/>
+              <a:tailEnd/>
+            </a:ln>
+          </p:spPr>
+        </p:sp>
+        <p:sp>
+          <p:nvSpPr>
+            <p:cNvPr id="26" name="Freeform 6">
+              <a:extLst>
+                <a:ext uri="{FF2B5EF4-FFF2-40B4-BE49-F238E27FC236}">
+                  <a16:creationId xmlns:a16="http://schemas.microsoft.com/office/drawing/2014/main" id="{7E2B20CB-FF0A-40D4-9C62-172DA9BB9890}"/>
+                </a:ext>
+                <a:ext uri="{C183D7F6-B498-43B3-948B-1728B52AA6E4}">
+                  <adec:decorative xmlns:adec="http://schemas.microsoft.com/office/drawing/2017/decorative" val="1"/>
+                </a:ext>
+              </a:extLst>
+            </p:cNvPr>
+            <p:cNvSpPr/>
+            <p:nvPr>
+              <p:extLst>
+                <p:ext uri="{386F3935-93C4-4BCD-93E2-E3B085C9AB24}">
+                  <p16:designElem xmlns:p16="http://schemas.microsoft.com/office/powerpoint/2015/main" val="1"/>
+                </p:ext>
+              </p:extLst>
+            </p:nvPr>
+          </p:nvSpPr>
+          <p:spPr bwMode="auto">
+            <a:xfrm flipH="1" flipV="1">
+              <a:off x="752858" y="744469"/>
+              <a:ext cx="3275668" cy="4408488"/>
+            </a:xfrm>
+            <a:custGeom>
+              <a:avLst/>
+              <a:gdLst/>
+              <a:ahLst/>
+              <a:cxnLst/>
+              <a:rect l="l" t="t" r="r" b="b"/>
+              <a:pathLst>
+                <a:path w="10002" h="10000">
+                  <a:moveTo>
+                    <a:pt x="8763" y="0"/>
+                  </a:moveTo>
+                  <a:lnTo>
+                    <a:pt x="10002" y="0"/>
+                  </a:lnTo>
+                  <a:lnTo>
+                    <a:pt x="10002" y="10000"/>
+                  </a:lnTo>
+                  <a:lnTo>
+                    <a:pt x="2" y="10000"/>
+                  </a:lnTo>
+                  <a:cubicBezTo>
+                    <a:pt x="-2" y="9698"/>
+                    <a:pt x="4" y="9427"/>
+                    <a:pt x="0" y="9125"/>
+                  </a:cubicBezTo>
+                  <a:lnTo>
+                    <a:pt x="8763" y="9128"/>
+                  </a:lnTo>
+                  <a:lnTo>
+                    <a:pt x="8763" y="0"/>
+                  </a:lnTo>
+                  <a:close/>
+                </a:path>
+              </a:pathLst>
+            </a:custGeom>
+            <a:solidFill>
+              <a:schemeClr val="tx2"/>
+            </a:solidFill>
+            <a:ln w="0">
+              <a:noFill/>
+              <a:prstDash val="solid"/>
+              <a:round/>
+              <a:headEnd/>
+              <a:tailEnd/>
+            </a:ln>
+          </p:spPr>
+        </p:sp>
+      </p:grpSp>
+      <p:sp>
+        <p:nvSpPr>
+          <p:cNvPr id="27" name="Rectangle 21">
+            <a:extLst>
+              <a:ext uri="{FF2B5EF4-FFF2-40B4-BE49-F238E27FC236}">
+                <a16:creationId xmlns:a16="http://schemas.microsoft.com/office/drawing/2014/main" id="{35E7CCC3-B903-495C-835D-87A78FB05A01}"/>
+              </a:ext>
+              <a:ext uri="{C183D7F6-B498-43B3-948B-1728B52AA6E4}">
+                <adec:decorative xmlns:adec="http://schemas.microsoft.com/office/drawing/2017/decorative" val="1"/>
+              </a:ext>
+            </a:extLst>
+          </p:cNvPr>
+          <p:cNvSpPr>
+            <a:spLocks noGrp="1" noRot="1" noChangeAspect="1" noMove="1" noResize="1" noEditPoints="1" noAdjustHandles="1" noChangeArrowheads="1" noChangeShapeType="1" noTextEdit="1"/>
+          </p:cNvSpPr>
+          <p:nvPr>
+            <p:extLst>
+              <p:ext uri="{386F3935-93C4-4BCD-93E2-E3B085C9AB24}">
+                <p16:designElem xmlns:p16="http://schemas.microsoft.com/office/powerpoint/2015/main" val="1"/>
+              </p:ext>
+            </p:extLst>
+          </p:nvPr>
+        </p:nvSpPr>
+        <p:spPr>
+          <a:xfrm>
+            <a:off x="1000462" y="968188"/>
+            <a:ext cx="5048756" cy="4894232"/>
+          </a:xfrm>
+          <a:prstGeom prst="rect">
+            <a:avLst/>
+          </a:prstGeom>
+          <a:solidFill>
+            <a:srgbClr val="FFFFFF"/>
+          </a:solidFill>
+          <a:ln>
+            <a:noFill/>
+          </a:ln>
+        </p:spPr>
+        <p:style>
+          <a:lnRef idx="2">
+            <a:schemeClr val="accent1">
+              <a:shade val="50000"/>
+            </a:schemeClr>
+          </a:lnRef>
+          <a:fillRef idx="1">
+            <a:schemeClr val="accent1"/>
+          </a:fillRef>
+          <a:effectRef idx="0">
+            <a:schemeClr val="accent1"/>
+          </a:effectRef>
+          <a:fontRef idx="minor">
+            <a:schemeClr val="lt1"/>
+          </a:fontRef>
+        </p:style>
+        <p:txBody>
+          <a:bodyPr rtlCol="0" anchor="ctr"/>
+          <a:lstStyle/>
+          <a:p>
+            <a:pPr algn="ctr"/>
+            <a:endParaRPr lang="en-US"/>
+          </a:p>
+        </p:txBody>
+      </p:sp>
+      <p:pic>
+        <p:nvPicPr>
+          <p:cNvPr id="7" name="Imagem 6" descr="Uma imagem com texto, interior, fechar&#10;&#10;Descrição gerada automaticamente">
+            <a:extLst>
+              <a:ext uri="{FF2B5EF4-FFF2-40B4-BE49-F238E27FC236}">
+                <a16:creationId xmlns:a16="http://schemas.microsoft.com/office/drawing/2014/main" id="{49E81010-8480-418D-878C-B58E1E39DE4F}"/>
+              </a:ext>
+            </a:extLst>
+          </p:cNvPr>
+          <p:cNvPicPr>
+            <a:picLocks noChangeAspect="1"/>
+          </p:cNvPicPr>
+          <p:nvPr/>
+        </p:nvPicPr>
+        <p:blipFill>
+          <a:blip r:embed="rId2"/>
+          <a:stretch>
+            <a:fillRect/>
+          </a:stretch>
+        </p:blipFill>
+        <p:spPr>
+          <a:xfrm>
+            <a:off x="1322194" y="2176315"/>
+            <a:ext cx="4405291" cy="2477976"/>
+          </a:xfrm>
+          <a:prstGeom prst="rect">
+            <a:avLst/>
+          </a:prstGeom>
+        </p:spPr>
+      </p:pic>
+      <p:sp>
+        <p:nvSpPr>
+          <p:cNvPr id="28" name="Rectangle 23">
+            <a:extLst>
+              <a:ext uri="{FF2B5EF4-FFF2-40B4-BE49-F238E27FC236}">
+                <a16:creationId xmlns:a16="http://schemas.microsoft.com/office/drawing/2014/main" id="{584170D1-B32B-4D7D-AA30-9D84747A0574}"/>
+              </a:ext>
+              <a:ext uri="{C183D7F6-B498-43B3-948B-1728B52AA6E4}">
+                <adec:decorative xmlns:adec="http://schemas.microsoft.com/office/drawing/2017/decorative" val="1"/>
+              </a:ext>
+            </a:extLst>
+          </p:cNvPr>
+          <p:cNvSpPr>
+            <a:spLocks noGrp="1" noRot="1" noChangeAspect="1" noMove="1" noResize="1" noEditPoints="1" noAdjustHandles="1" noChangeArrowheads="1" noChangeShapeType="1" noTextEdit="1"/>
+          </p:cNvSpPr>
+          <p:nvPr>
+            <p:extLst>
+              <p:ext uri="{386F3935-93C4-4BCD-93E2-E3B085C9AB24}">
+                <p16:designElem xmlns:p16="http://schemas.microsoft.com/office/powerpoint/2015/main" val="1"/>
+              </p:ext>
+            </p:extLst>
+          </p:nvPr>
+        </p:nvSpPr>
+        <p:spPr>
+          <a:xfrm>
+            <a:off x="6131270" y="981884"/>
+            <a:ext cx="5048756" cy="4894232"/>
+          </a:xfrm>
+          <a:prstGeom prst="rect">
+            <a:avLst/>
+          </a:prstGeom>
+          <a:solidFill>
+            <a:srgbClr val="FFFFFF"/>
+          </a:solidFill>
+          <a:ln>
+            <a:noFill/>
+          </a:ln>
+        </p:spPr>
+        <p:style>
+          <a:lnRef idx="2">
+            <a:schemeClr val="accent1">
+              <a:shade val="50000"/>
+            </a:schemeClr>
+          </a:lnRef>
+          <a:fillRef idx="1">
+            <a:schemeClr val="accent1"/>
+          </a:fillRef>
+          <a:effectRef idx="0">
+            <a:schemeClr val="accent1"/>
+          </a:effectRef>
+          <a:fontRef idx="minor">
+            <a:schemeClr val="lt1"/>
+          </a:fontRef>
+        </p:style>
+        <p:txBody>
+          <a:bodyPr rtlCol="0" anchor="ctr"/>
+          <a:lstStyle/>
+          <a:p>
+            <a:pPr algn="ctr"/>
+            <a:endParaRPr lang="en-US"/>
+          </a:p>
+        </p:txBody>
+      </p:sp>
+      <p:pic>
+        <p:nvPicPr>
+          <p:cNvPr id="9" name="Imagem 8">
+            <a:extLst>
+              <a:ext uri="{FF2B5EF4-FFF2-40B4-BE49-F238E27FC236}">
+                <a16:creationId xmlns:a16="http://schemas.microsoft.com/office/drawing/2014/main" id="{AA6F302A-FCA5-4214-97A1-335364DDFB80}"/>
+              </a:ext>
+            </a:extLst>
+          </p:cNvPr>
+          <p:cNvPicPr>
+            <a:picLocks noChangeAspect="1"/>
+          </p:cNvPicPr>
+          <p:nvPr/>
+        </p:nvPicPr>
+        <p:blipFill>
+          <a:blip r:embed="rId3"/>
+          <a:stretch>
+            <a:fillRect/>
+          </a:stretch>
+        </p:blipFill>
+        <p:spPr>
+          <a:xfrm>
+            <a:off x="6668414" y="1289920"/>
+            <a:ext cx="3974466" cy="4250767"/>
+          </a:xfrm>
+          <a:prstGeom prst="rect">
+            <a:avLst/>
+          </a:prstGeom>
+        </p:spPr>
+      </p:pic>
+    </p:spTree>
+    <p:extLst>
+      <p:ext uri="{BB962C8B-B14F-4D97-AF65-F5344CB8AC3E}">
+        <p14:creationId xmlns:p14="http://schemas.microsoft.com/office/powerpoint/2010/main" val="2656809601"/>
+      </p:ext>
+    </p:extLst>
+  </p:cSld>
+  <p:clrMapOvr>
+    <a:masterClrMapping/>
+  </p:clrMapOvr>
+</p:sld>
+</file>
+
+<file path=ppt/slides/slide3.xml><?xml version="1.0" encoding="utf-8"?>
+<p:sld xmlns:a="http://schemas.openxmlformats.org/drawingml/2006/main" xmlns:r="http://schemas.openxmlformats.org/officeDocument/2006/relationships" xmlns:p="http://schemas.openxmlformats.org/presentationml/2006/main">
+  <p:cSld>
+    <p:bg>
+      <p:bgPr>
+        <a:solidFill>
+          <a:schemeClr val="bg2"/>
+        </a:solidFill>
+        <a:effectLst/>
+      </p:bgPr>
+    </p:bg>
+    <p:spTree>
+      <p:nvGrpSpPr>
+        <p:cNvPr id="1" name=""/>
+        <p:cNvGrpSpPr/>
+        <p:nvPr/>
+      </p:nvGrpSpPr>
+      <p:grpSpPr>
+        <a:xfrm>
+          <a:off x="0" y="0"/>
+          <a:ext cx="0" cy="0"/>
+          <a:chOff x="0" y="0"/>
+          <a:chExt cx="0" cy="0"/>
+        </a:xfrm>
+      </p:grpSpPr>
+      <p:sp>
+        <p:nvSpPr>
+          <p:cNvPr id="2" name="Título 1">
+            <a:extLst>
+              <a:ext uri="{FF2B5EF4-FFF2-40B4-BE49-F238E27FC236}">
+                <a16:creationId xmlns:a16="http://schemas.microsoft.com/office/drawing/2014/main" id="{452108FF-E896-4BAC-B35A-290E874B5360}"/>
+              </a:ext>
+            </a:extLst>
+          </p:cNvPr>
+          <p:cNvSpPr>
+            <a:spLocks noGrp="1"/>
+          </p:cNvSpPr>
+          <p:nvPr>
+            <p:ph type="title"/>
+          </p:nvPr>
+        </p:nvSpPr>
+        <p:spPr>
+          <a:xfrm>
+            <a:off x="1371600" y="685800"/>
+            <a:ext cx="9601200" cy="1485900"/>
+          </a:xfrm>
+        </p:spPr>
+        <p:txBody>
+          <a:bodyPr>
+            <a:normAutofit/>
+          </a:bodyPr>
+          <a:lstStyle/>
+          <a:p>
+            <a:r>
+              <a:rPr lang="pt-PT"/>
+              <a:t>Objectivos e Funcionalidades </a:t>
+            </a:r>
+            <a:endParaRPr lang="pt-PT" dirty="0"/>
+          </a:p>
+        </p:txBody>
+      </p:sp>
+      <p:graphicFrame>
+        <p:nvGraphicFramePr>
+          <p:cNvPr id="15" name="Marcador de Posição de Conteúdo 2">
+            <a:extLst>
+              <a:ext uri="{FF2B5EF4-FFF2-40B4-BE49-F238E27FC236}">
+                <a16:creationId xmlns:a16="http://schemas.microsoft.com/office/drawing/2014/main" id="{81EE6FF2-E221-476E-9EA2-A23D4FD71D21}"/>
+              </a:ext>
+            </a:extLst>
+          </p:cNvPr>
+          <p:cNvGraphicFramePr>
+            <a:graphicFrameLocks noGrp="1"/>
+          </p:cNvGraphicFramePr>
+          <p:nvPr>
+            <p:ph idx="1"/>
+            <p:extLst>
+              <p:ext uri="{D42A27DB-BD31-4B8C-83A1-F6EECF244321}">
+                <p14:modId xmlns:p14="http://schemas.microsoft.com/office/powerpoint/2010/main" val="3026937610"/>
+              </p:ext>
+            </p:extLst>
+          </p:nvPr>
+        </p:nvGraphicFramePr>
+        <p:xfrm>
+          <a:off x="1371600" y="2286000"/>
+          <a:ext cx="9601200" cy="3581400"/>
+        </p:xfrm>
+        <a:graphic>
+          <a:graphicData uri="http://schemas.openxmlformats.org/drawingml/2006/diagram">
+            <dgm:relIds xmlns:dgm="http://schemas.openxmlformats.org/drawingml/2006/diagram" xmlns:r="http://schemas.openxmlformats.org/officeDocument/2006/relationships" r:dm="rId2" r:lo="rId3" r:qs="rId4" r:cs="rId5"/>
+          </a:graphicData>
+        </a:graphic>
+      </p:graphicFrame>
+    </p:spTree>
+    <p:extLst>
+      <p:ext uri="{BB962C8B-B14F-4D97-AF65-F5344CB8AC3E}">
+        <p14:creationId xmlns:p14="http://schemas.microsoft.com/office/powerpoint/2010/main" val="1360954549"/>
+      </p:ext>
+    </p:extLst>
+  </p:cSld>
+  <p:clrMapOvr>
+    <a:masterClrMapping/>
+  </p:clrMapOvr>
+</p:sld>
+</file>
+
+<file path=ppt/slides/slide4.xml><?xml version="1.0" encoding="utf-8"?>
 <p:sld xmlns:a="http://schemas.openxmlformats.org/drawingml/2006/main" xmlns:r="http://schemas.openxmlformats.org/officeDocument/2006/relationships" xmlns:p="http://schemas.openxmlformats.org/presentationml/2006/main">
   <p:cSld>
     <p:spTree>
@@ -7933,112 +8816,7 @@
 </p:sld>
 </file>
 
-<file path=ppt/slides/slide3.xml><?xml version="1.0" encoding="utf-8"?>
-<p:sld xmlns:a="http://schemas.openxmlformats.org/drawingml/2006/main" xmlns:r="http://schemas.openxmlformats.org/officeDocument/2006/relationships" xmlns:p="http://schemas.openxmlformats.org/presentationml/2006/main">
-  <p:cSld>
-    <p:bg>
-      <p:bgPr>
-        <a:solidFill>
-          <a:schemeClr val="bg2"/>
-        </a:solidFill>
-        <a:effectLst/>
-      </p:bgPr>
-    </p:bg>
-    <p:spTree>
-      <p:nvGrpSpPr>
-        <p:cNvPr id="1" name=""/>
-        <p:cNvGrpSpPr/>
-        <p:nvPr/>
-      </p:nvGrpSpPr>
-      <p:grpSpPr>
-        <a:xfrm>
-          <a:off x="0" y="0"/>
-          <a:ext cx="0" cy="0"/>
-          <a:chOff x="0" y="0"/>
-          <a:chExt cx="0" cy="0"/>
-        </a:xfrm>
-      </p:grpSpPr>
-      <p:sp>
-        <p:nvSpPr>
-          <p:cNvPr id="2" name="Título 1">
-            <a:extLst>
-              <a:ext uri="{FF2B5EF4-FFF2-40B4-BE49-F238E27FC236}">
-                <a16:creationId xmlns:a16="http://schemas.microsoft.com/office/drawing/2014/main" id="{452108FF-E896-4BAC-B35A-290E874B5360}"/>
-              </a:ext>
-            </a:extLst>
-          </p:cNvPr>
-          <p:cNvSpPr>
-            <a:spLocks noGrp="1"/>
-          </p:cNvSpPr>
-          <p:nvPr>
-            <p:ph type="title"/>
-          </p:nvPr>
-        </p:nvSpPr>
-        <p:spPr>
-          <a:xfrm>
-            <a:off x="1371600" y="685800"/>
-            <a:ext cx="9601200" cy="1485900"/>
-          </a:xfrm>
-        </p:spPr>
-        <p:txBody>
-          <a:bodyPr>
-            <a:normAutofit/>
-          </a:bodyPr>
-          <a:lstStyle/>
-          <a:p>
-            <a:r>
-              <a:rPr lang="pt-PT"/>
-              <a:t>Objectivos e Funcionalidades </a:t>
-            </a:r>
-            <a:endParaRPr lang="pt-PT" dirty="0"/>
-          </a:p>
-        </p:txBody>
-      </p:sp>
-      <p:graphicFrame>
-        <p:nvGraphicFramePr>
-          <p:cNvPr id="15" name="Marcador de Posição de Conteúdo 2">
-            <a:extLst>
-              <a:ext uri="{FF2B5EF4-FFF2-40B4-BE49-F238E27FC236}">
-                <a16:creationId xmlns:a16="http://schemas.microsoft.com/office/drawing/2014/main" id="{81EE6FF2-E221-476E-9EA2-A23D4FD71D21}"/>
-              </a:ext>
-            </a:extLst>
-          </p:cNvPr>
-          <p:cNvGraphicFramePr>
-            <a:graphicFrameLocks noGrp="1"/>
-          </p:cNvGraphicFramePr>
-          <p:nvPr>
-            <p:ph idx="1"/>
-            <p:extLst>
-              <p:ext uri="{D42A27DB-BD31-4B8C-83A1-F6EECF244321}">
-                <p14:modId xmlns:p14="http://schemas.microsoft.com/office/powerpoint/2010/main" val="3026937610"/>
-              </p:ext>
-            </p:extLst>
-          </p:nvPr>
-        </p:nvGraphicFramePr>
-        <p:xfrm>
-          <a:off x="1371600" y="2286000"/>
-          <a:ext cx="9601200" cy="3581400"/>
-        </p:xfrm>
-        <a:graphic>
-          <a:graphicData uri="http://schemas.openxmlformats.org/drawingml/2006/diagram">
-            <dgm:relIds xmlns:dgm="http://schemas.openxmlformats.org/drawingml/2006/diagram" xmlns:r="http://schemas.openxmlformats.org/officeDocument/2006/relationships" r:dm="rId2" r:lo="rId3" r:qs="rId4" r:cs="rId5"/>
-          </a:graphicData>
-        </a:graphic>
-      </p:graphicFrame>
-    </p:spTree>
-    <p:extLst>
-      <p:ext uri="{BB962C8B-B14F-4D97-AF65-F5344CB8AC3E}">
-        <p14:creationId xmlns:p14="http://schemas.microsoft.com/office/powerpoint/2010/main" val="1360954549"/>
-      </p:ext>
-    </p:extLst>
-  </p:cSld>
-  <p:clrMapOvr>
-    <a:masterClrMapping/>
-  </p:clrMapOvr>
-</p:sld>
-</file>
-
-<file path=ppt/slides/slide4.xml><?xml version="1.0" encoding="utf-8"?>
+<file path=ppt/slides/slide5.xml><?xml version="1.0" encoding="utf-8"?>
 <p:sld xmlns:a="http://schemas.openxmlformats.org/drawingml/2006/main" xmlns:r="http://schemas.openxmlformats.org/officeDocument/2006/relationships" xmlns:p="http://schemas.openxmlformats.org/presentationml/2006/main">
   <p:cSld>
     <p:bg>
@@ -8281,7 +9059,7 @@
 </p:sld>
 </file>
 
-<file path=ppt/slides/slide5.xml><?xml version="1.0" encoding="utf-8"?>
+<file path=ppt/slides/slide6.xml><?xml version="1.0" encoding="utf-8"?>
 <p:sld xmlns:a="http://schemas.openxmlformats.org/drawingml/2006/main" xmlns:r="http://schemas.openxmlformats.org/officeDocument/2006/relationships" xmlns:p="http://schemas.openxmlformats.org/presentationml/2006/main">
   <p:cSld>
     <p:bg>
@@ -8424,12 +9202,47 @@
           </a:p>
         </p:txBody>
       </p:sp>
+      <p:sp>
+        <p:nvSpPr>
+          <p:cNvPr id="7" name="CaixaDeTexto 6">
+            <a:extLst>
+              <a:ext uri="{FF2B5EF4-FFF2-40B4-BE49-F238E27FC236}">
+                <a16:creationId xmlns:a16="http://schemas.microsoft.com/office/drawing/2014/main" id="{D37291D1-CD2D-4B82-A327-3C9A8DDE5906}"/>
+              </a:ext>
+            </a:extLst>
+          </p:cNvPr>
+          <p:cNvSpPr txBox="1"/>
+          <p:nvPr/>
+        </p:nvSpPr>
+        <p:spPr>
+          <a:xfrm>
+            <a:off x="6553070" y="0"/>
+            <a:ext cx="7900737" cy="707886"/>
+          </a:xfrm>
+          <a:prstGeom prst="rect">
+            <a:avLst/>
+          </a:prstGeom>
+          <a:noFill/>
+        </p:spPr>
+        <p:txBody>
+          <a:bodyPr wrap="square" rtlCol="0">
+            <a:spAutoFit/>
+          </a:bodyPr>
+          <a:lstStyle/>
+          <a:p>
+            <a:r>
+              <a:rPr lang="pt-PT" sz="4000" dirty="0"/>
+              <a:t>DIAGRAMA ENT. RELAÇÃO </a:t>
+            </a:r>
+          </a:p>
+        </p:txBody>
+      </p:sp>
       <p:pic>
         <p:nvPicPr>
-          <p:cNvPr id="6" name="Imagem 5">
+          <p:cNvPr id="2" name="Imagem 1">
             <a:extLst>
               <a:ext uri="{FF2B5EF4-FFF2-40B4-BE49-F238E27FC236}">
-                <a16:creationId xmlns:a16="http://schemas.microsoft.com/office/drawing/2014/main" id="{BA7FC982-13B7-475E-BC06-68A154F12EB4}"/>
+                <a16:creationId xmlns:a16="http://schemas.microsoft.com/office/drawing/2014/main" id="{435CD240-1C89-4234-A4D4-229279746F08}"/>
               </a:ext>
             </a:extLst>
           </p:cNvPr>
@@ -8446,49 +9259,14 @@
         </p:blipFill>
         <p:spPr>
           <a:xfrm>
-            <a:off x="-117614" y="-376"/>
-            <a:ext cx="12427228" cy="6858000"/>
+            <a:off x="15740" y="0"/>
+            <a:ext cx="11698165" cy="6858000"/>
           </a:xfrm>
           <a:prstGeom prst="rect">
             <a:avLst/>
           </a:prstGeom>
         </p:spPr>
       </p:pic>
-      <p:sp>
-        <p:nvSpPr>
-          <p:cNvPr id="7" name="CaixaDeTexto 6">
-            <a:extLst>
-              <a:ext uri="{FF2B5EF4-FFF2-40B4-BE49-F238E27FC236}">
-                <a16:creationId xmlns:a16="http://schemas.microsoft.com/office/drawing/2014/main" id="{D37291D1-CD2D-4B82-A327-3C9A8DDE5906}"/>
-              </a:ext>
-            </a:extLst>
-          </p:cNvPr>
-          <p:cNvSpPr txBox="1"/>
-          <p:nvPr/>
-        </p:nvSpPr>
-        <p:spPr>
-          <a:xfrm>
-            <a:off x="1203158" y="120316"/>
-            <a:ext cx="7900737" cy="707886"/>
-          </a:xfrm>
-          <a:prstGeom prst="rect">
-            <a:avLst/>
-          </a:prstGeom>
-          <a:noFill/>
-        </p:spPr>
-        <p:txBody>
-          <a:bodyPr wrap="square" rtlCol="0">
-            <a:spAutoFit/>
-          </a:bodyPr>
-          <a:lstStyle/>
-          <a:p>
-            <a:r>
-              <a:rPr lang="pt-PT" sz="4000" dirty="0"/>
-              <a:t>DIAGRAMA ENT. RELAÇÃO </a:t>
-            </a:r>
-          </a:p>
-        </p:txBody>
-      </p:sp>
     </p:spTree>
     <p:extLst>
       <p:ext uri="{BB962C8B-B14F-4D97-AF65-F5344CB8AC3E}">
@@ -8502,7 +9280,7 @@
 </p:sld>
 </file>
 
-<file path=ppt/slides/slide6.xml><?xml version="1.0" encoding="utf-8"?>
+<file path=ppt/slides/slide7.xml><?xml version="1.0" encoding="utf-8"?>
 <p:sld xmlns:a="http://schemas.openxmlformats.org/drawingml/2006/main" xmlns:r="http://schemas.openxmlformats.org/officeDocument/2006/relationships" xmlns:p="http://schemas.openxmlformats.org/presentationml/2006/main">
   <p:cSld>
     <p:bg>
@@ -8797,7 +9575,7 @@
               </a:lnSpc>
             </a:pPr>
             <a:r>
-              <a:rPr lang="en-US" sz="3300" cap="all"/>
+              <a:rPr lang="en-US" sz="3300" cap="all" dirty="0"/>
               <a:t>Documentação Rest</a:t>
             </a:r>
           </a:p>
@@ -9407,10 +10185,10 @@
       </p:sp>
       <p:graphicFrame>
         <p:nvGraphicFramePr>
-          <p:cNvPr id="15" name="Tabela 14">
+          <p:cNvPr id="3" name="Tabela 2">
             <a:extLst>
               <a:ext uri="{FF2B5EF4-FFF2-40B4-BE49-F238E27FC236}">
-                <a16:creationId xmlns:a16="http://schemas.microsoft.com/office/drawing/2014/main" id="{40B4FA0B-B41A-48AB-BE68-ABA21F693338}"/>
+                <a16:creationId xmlns:a16="http://schemas.microsoft.com/office/drawing/2014/main" id="{B51CFBAB-307F-49F9-B763-5C0F3650C0CA}"/>
               </a:ext>
             </a:extLst>
           </p:cNvPr>
@@ -9420,29 +10198,29 @@
           <p:nvPr>
             <p:extLst>
               <p:ext uri="{D42A27DB-BD31-4B8C-83A1-F6EECF244321}">
-                <p14:modId xmlns:p14="http://schemas.microsoft.com/office/powerpoint/2010/main" val="927336565"/>
+                <p14:modId xmlns:p14="http://schemas.microsoft.com/office/powerpoint/2010/main" val="1754704837"/>
               </p:ext>
             </p:extLst>
           </p:nvPr>
         </p:nvGraphicFramePr>
         <p:xfrm>
-          <a:off x="1057941" y="1035913"/>
-          <a:ext cx="6323450" cy="4969566"/>
+          <a:off x="1056441" y="1028701"/>
+          <a:ext cx="6326449" cy="5020199"/>
         </p:xfrm>
         <a:graphic>
           <a:graphicData uri="http://schemas.openxmlformats.org/drawingml/2006/table">
             <a:tbl>
               <a:tblPr/>
               <a:tblGrid>
-                <a:gridCol w="6323450">
+                <a:gridCol w="6326449">
                   <a:extLst>
                     <a:ext uri="{9D8B030D-6E8A-4147-A177-3AD203B41FA5}">
-                      <a16:colId xmlns:a16="http://schemas.microsoft.com/office/drawing/2014/main" val="290246071"/>
+                      <a16:colId xmlns:a16="http://schemas.microsoft.com/office/drawing/2014/main" val="599278817"/>
                     </a:ext>
                   </a:extLst>
                 </a:gridCol>
               </a:tblGrid>
-              <a:tr h="983716">
+              <a:tr h="727838">
                 <a:tc>
                   <a:txBody>
                     <a:bodyPr/>
@@ -9457,44 +10235,31 @@
                         </a:spcAft>
                       </a:pPr>
                       <a:r>
-                        <a:rPr lang="pt-PT" sz="1400" b="1" i="0" u="none" strike="noStrike">
+                        <a:rPr lang="pt-PT" sz="1100" b="1" i="0" u="none" strike="noStrike" dirty="0">
                           <a:solidFill>
                             <a:srgbClr val="000000"/>
                           </a:solidFill>
                           <a:effectLst/>
                           <a:latin typeface="Merriweather" panose="00000500000000000000" pitchFamily="2" charset="0"/>
                         </a:rPr>
-                        <a:t>Ir buscar um user pelo nome e password</a:t>
+                        <a:t>Ir buscar os amigos  de um determinado </a:t>
                       </a:r>
-                      <a:endParaRPr lang="pt-PT" sz="2300">
-                        <a:effectLst/>
-                      </a:endParaRPr>
-                    </a:p>
-                    <a:p>
-                      <a:pPr rtl="0" fontAlgn="t">
-                        <a:spcBef>
-                          <a:spcPts val="0"/>
-                        </a:spcBef>
-                        <a:spcAft>
-                          <a:spcPts val="0"/>
-                        </a:spcAft>
-                      </a:pPr>
                       <a:r>
-                        <a:rPr lang="pt-PT" sz="1400" b="0" i="0" u="none" strike="noStrike">
+                        <a:rPr lang="pt-PT" sz="1100" b="1" i="0" u="none" strike="noStrike" dirty="0" err="1">
                           <a:solidFill>
                             <a:srgbClr val="000000"/>
                           </a:solidFill>
                           <a:effectLst/>
                           <a:latin typeface="Merriweather" panose="00000500000000000000" pitchFamily="2" charset="0"/>
                         </a:rPr>
-                        <a:t>Devolve o user correspondente ao nome e password com informação sobre o user</a:t>
+                        <a:t>user</a:t>
                       </a:r>
-                      <a:endParaRPr lang="pt-PT" sz="2300">
+                      <a:endParaRPr lang="pt-PT" dirty="0">
                         <a:effectLst/>
                       </a:endParaRPr>
                     </a:p>
                   </a:txBody>
-                  <a:tcPr marL="79478" marR="79478" marT="79478" marB="79478">
+                  <a:tcPr marL="63500" marR="63500" marT="63500" marB="63500">
                     <a:lnL w="12700" cap="flat" cmpd="sng" algn="ctr">
                       <a:solidFill>
                         <a:srgbClr val="000000"/>
@@ -9535,11 +10300,11 @@
                 </a:tc>
                 <a:extLst>
                   <a:ext uri="{0D108BD9-81ED-4DB2-BD59-A6C34878D82A}">
-                    <a16:rowId xmlns:a16="http://schemas.microsoft.com/office/drawing/2014/main" val="1919315164"/>
+                    <a16:rowId xmlns:a16="http://schemas.microsoft.com/office/drawing/2014/main" val="1664847196"/>
                   </a:ext>
                 </a:extLst>
               </a:tr>
-              <a:tr h="736289">
+              <a:tr h="1403065">
                 <a:tc>
                   <a:txBody>
                     <a:bodyPr/>
@@ -9554,62 +10319,44 @@
                         </a:spcAft>
                       </a:pPr>
                       <a:r>
-                        <a:rPr lang="en-US" sz="1400" b="0" i="0" u="none" strike="noStrike">
+                        <a:rPr lang="pt-PT" sz="1100" b="0" i="0" u="none" strike="noStrike">
                           <a:solidFill>
                             <a:srgbClr val="000000"/>
                           </a:solidFill>
                           <a:effectLst/>
                           <a:latin typeface="Merriweather" panose="00000500000000000000" pitchFamily="2" charset="0"/>
                         </a:rPr>
-                        <a:t>Url: </a:t>
+                        <a:t>Url: https://friends-mobile-app.herokuapp.com/api/friends/senderid/{senderId}</a:t>
                       </a:r>
+                      <a:endParaRPr lang="pt-PT">
+                        <a:effectLst/>
+                      </a:endParaRPr>
+                    </a:p>
+                    <a:p>
+                      <a:pPr rtl="0" fontAlgn="t">
+                        <a:spcBef>
+                          <a:spcPts val="0"/>
+                        </a:spcBef>
+                        <a:spcAft>
+                          <a:spcPts val="0"/>
+                        </a:spcAft>
+                      </a:pPr>
                       <a:r>
-                        <a:rPr lang="en-US" sz="1100" b="0" i="0" u="sng" strike="noStrike">
-                          <a:solidFill>
-                            <a:srgbClr val="1155CC"/>
-                          </a:solidFill>
-                          <a:effectLst/>
-                          <a:latin typeface="Roboto" panose="02000000000000000000" pitchFamily="2" charset="0"/>
-                          <a:hlinkClick r:id="rId2"/>
-                        </a:rPr>
-                        <a:t>https://friends-mobile-app.herokuapp.com/api/users/{user_nm}/{user_password</a:t>
-                      </a:r>
-                      <a:r>
-                        <a:rPr lang="en-US" sz="1100" b="0" i="0" u="none" strike="noStrike">
-                          <a:solidFill>
-                            <a:srgbClr val="212121"/>
-                          </a:solidFill>
-                          <a:effectLst/>
-                          <a:latin typeface="Roboto" panose="02000000000000000000" pitchFamily="2" charset="0"/>
-                        </a:rPr>
-                        <a:t>}  </a:t>
-                      </a:r>
-                      <a:r>
-                        <a:rPr lang="en-US" sz="1400" b="0" i="0" u="none" strike="noStrike">
+                        <a:rPr lang="pt-PT" sz="1100" b="1" i="0" u="none" strike="noStrike">
                           <a:solidFill>
                             <a:srgbClr val="000000"/>
                           </a:solidFill>
                           <a:effectLst/>
                           <a:latin typeface="Merriweather" panose="00000500000000000000" pitchFamily="2" charset="0"/>
                         </a:rPr>
-                        <a:t> </a:t>
+                        <a:t>(get)</a:t>
                       </a:r>
-                      <a:r>
-                        <a:rPr lang="en-US" sz="1400" b="1" i="0" u="none" strike="noStrike">
-                          <a:solidFill>
-                            <a:srgbClr val="000000"/>
-                          </a:solidFill>
-                          <a:effectLst/>
-                          <a:latin typeface="Merriweather" panose="00000500000000000000" pitchFamily="2" charset="0"/>
-                        </a:rPr>
-                        <a:t>(GET)</a:t>
-                      </a:r>
-                      <a:endParaRPr lang="en-US" sz="2300">
+                      <a:endParaRPr lang="pt-PT">
                         <a:effectLst/>
                       </a:endParaRPr>
                     </a:p>
                   </a:txBody>
-                  <a:tcPr marL="79478" marR="79478" marT="79478" marB="79478">
+                  <a:tcPr marL="63500" marR="63500" marT="63500" marB="63500">
                     <a:lnL w="12700" cap="flat" cmpd="sng" algn="ctr">
                       <a:solidFill>
                         <a:srgbClr val="000000"/>
@@ -9650,11 +10397,11 @@
                 </a:tc>
                 <a:extLst>
                   <a:ext uri="{0D108BD9-81ED-4DB2-BD59-A6C34878D82A}">
-                    <a16:rowId xmlns:a16="http://schemas.microsoft.com/office/drawing/2014/main" val="3213562704"/>
+                    <a16:rowId xmlns:a16="http://schemas.microsoft.com/office/drawing/2014/main" val="3962738960"/>
                   </a:ext>
                 </a:extLst>
               </a:tr>
-              <a:tr h="983716">
+              <a:tr h="1029669">
                 <a:tc>
                   <a:txBody>
                     <a:bodyPr/>
@@ -9669,7 +10416,7 @@
                         </a:spcAft>
                       </a:pPr>
                       <a:r>
-                        <a:rPr lang="pt-PT" sz="1400" b="0" i="0" u="none" strike="noStrike">
+                        <a:rPr lang="pt-PT" sz="1100" b="0" i="0" u="none" strike="noStrike">
                           <a:solidFill>
                             <a:srgbClr val="000000"/>
                           </a:solidFill>
@@ -9678,7 +10425,7 @@
                         </a:rPr>
                         <a:t>Parâmetros:</a:t>
                       </a:r>
-                      <a:endParaRPr lang="pt-PT" sz="2300">
+                      <a:endParaRPr lang="pt-PT">
                         <a:effectLst/>
                       </a:endParaRPr>
                     </a:p>
@@ -9692,44 +10439,21 @@
                         </a:spcAft>
                       </a:pPr>
                       <a:r>
-                        <a:rPr lang="pt-PT" sz="1400" b="0" i="0" u="none" strike="noStrike">
+                        <a:rPr lang="pt-PT" sz="1100" b="0" i="0" u="none" strike="noStrike">
                           <a:solidFill>
                             <a:srgbClr val="000000"/>
                           </a:solidFill>
                           <a:effectLst/>
                           <a:latin typeface="Merriweather" panose="00000500000000000000" pitchFamily="2" charset="0"/>
                         </a:rPr>
-                        <a:t>nm - string que corresponde ao nome do user a obter </a:t>
+                        <a:t>senderId - inteiro positivo que corresponde ao id do user  </a:t>
                       </a:r>
-                      <a:endParaRPr lang="pt-PT" sz="2300">
-                        <a:effectLst/>
-                      </a:endParaRPr>
-                    </a:p>
-                    <a:p>
-                      <a:pPr rtl="0" fontAlgn="t">
-                        <a:spcBef>
-                          <a:spcPts val="0"/>
-                        </a:spcBef>
-                        <a:spcAft>
-                          <a:spcPts val="0"/>
-                        </a:spcAft>
-                      </a:pPr>
-                      <a:r>
-                        <a:rPr lang="pt-PT" sz="1400" b="0" i="0" u="none" strike="noStrike">
-                          <a:solidFill>
-                            <a:srgbClr val="000000"/>
-                          </a:solidFill>
-                          <a:effectLst/>
-                          <a:latin typeface="Merriweather" panose="00000500000000000000" pitchFamily="2" charset="0"/>
-                        </a:rPr>
-                        <a:t>password - string que corresponde a password do user a obter </a:t>
-                      </a:r>
-                      <a:endParaRPr lang="pt-PT" sz="2300">
+                      <a:endParaRPr lang="pt-PT">
                         <a:effectLst/>
                       </a:endParaRPr>
                     </a:p>
                   </a:txBody>
-                  <a:tcPr marL="79478" marR="79478" marT="79478" marB="79478">
+                  <a:tcPr marL="63500" marR="63500" marT="63500" marB="63500">
                     <a:lnL w="12700" cap="flat" cmpd="sng" algn="ctr">
                       <a:solidFill>
                         <a:srgbClr val="000000"/>
@@ -9770,11 +10494,11 @@
                 </a:tc>
                 <a:extLst>
                   <a:ext uri="{0D108BD9-81ED-4DB2-BD59-A6C34878D82A}">
-                    <a16:rowId xmlns:a16="http://schemas.microsoft.com/office/drawing/2014/main" val="1435956364"/>
+                    <a16:rowId xmlns:a16="http://schemas.microsoft.com/office/drawing/2014/main" val="269822180"/>
                   </a:ext>
                 </a:extLst>
               </a:tr>
-              <a:tr h="2265845">
+              <a:tr h="1859627">
                 <a:tc>
                   <a:txBody>
                     <a:bodyPr/>
@@ -9798,7 +10522,35 @@
                         </a:rPr>
                         <a:t>Resultado:</a:t>
                       </a:r>
-                      <a:endParaRPr lang="pt-PT" sz="2300" dirty="0">
+                      <a:endParaRPr lang="pt-PT" dirty="0">
+                        <a:effectLst/>
+                      </a:endParaRPr>
+                    </a:p>
+                    <a:p>
+                      <a:pPr rtl="0" fontAlgn="t">
+                        <a:spcBef>
+                          <a:spcPts val="0"/>
+                        </a:spcBef>
+                        <a:spcAft>
+                          <a:spcPts val="0"/>
+                        </a:spcAft>
+                      </a:pPr>
+                      <a:br>
+                        <a:rPr lang="pt-PT" dirty="0">
+                          <a:effectLst/>
+                        </a:rPr>
+                      </a:br>
+                      <a:r>
+                        <a:rPr lang="pt-PT" sz="900" b="0" i="0" u="none" strike="noStrike" dirty="0">
+                          <a:solidFill>
+                            <a:srgbClr val="000000"/>
+                          </a:solidFill>
+                          <a:effectLst/>
+                          <a:latin typeface="Merriweather" panose="00000500000000000000" pitchFamily="2" charset="0"/>
+                        </a:rPr>
+                        <a:t>[{"status":"A","senderid":1,"receiverid":2,"actiontakerid":2,"receivernm":"Ana Maria Fonseca"},{"status":"A","senderid":1,"receiverid":3,"actiontakerid":3,"receivernm":"Paula Antunes"},{"status":"A","senderid":1,"receiverid":10,"actiontakerid":10,"receivernm":"Cristiano Ronaldo"}]</a:t>
+                      </a:r>
+                      <a:endParaRPr lang="pt-PT" dirty="0">
                         <a:effectLst/>
                       </a:endParaRPr>
                     </a:p>
@@ -9812,535 +10564,14 @@
                         </a:spcAft>
                       </a:pPr>
                       <a:r>
-                        <a:rPr lang="pt-PT" sz="1100" b="0" i="0" u="none" strike="noStrike" dirty="0">
-                          <a:solidFill>
-                            <a:srgbClr val="000000"/>
-                          </a:solidFill>
+                        <a:rPr lang="pt-PT" dirty="0">
                           <a:effectLst/>
-                          <a:latin typeface="Merriweather" panose="00000500000000000000" pitchFamily="2" charset="0"/>
                         </a:rPr>
-                        <a:t>{</a:t>
+                        <a:t> </a:t>
                       </a:r>
-                      <a:endParaRPr lang="pt-PT" sz="2300" dirty="0">
-                        <a:effectLst/>
-                      </a:endParaRPr>
-                    </a:p>
-                    <a:p>
-                      <a:pPr rtl="0" fontAlgn="t">
-                        <a:spcBef>
-                          <a:spcPts val="0"/>
-                        </a:spcBef>
-                        <a:spcAft>
-                          <a:spcPts val="0"/>
-                        </a:spcAft>
-                      </a:pPr>
-                      <a:r>
-                        <a:rPr lang="pt-PT" sz="1100" b="0" i="0" u="none" strike="noStrike" dirty="0">
-                          <a:solidFill>
-                            <a:srgbClr val="000000"/>
-                          </a:solidFill>
-                          <a:effectLst/>
-                          <a:latin typeface="Merriweather" panose="00000500000000000000" pitchFamily="2" charset="0"/>
-                        </a:rPr>
-                        <a:t>    </a:t>
-                      </a:r>
-                      <a:r>
-                        <a:rPr lang="pt-PT" sz="1100" b="0" i="0" u="none" strike="noStrike" dirty="0">
-                          <a:solidFill>
-                            <a:srgbClr val="A31515"/>
-                          </a:solidFill>
-                          <a:effectLst/>
-                          <a:latin typeface="Merriweather" panose="00000500000000000000" pitchFamily="2" charset="0"/>
-                        </a:rPr>
-                        <a:t>"email"</a:t>
-                      </a:r>
-                      <a:r>
-                        <a:rPr lang="pt-PT" sz="1100" b="0" i="0" u="none" strike="noStrike" dirty="0">
-                          <a:solidFill>
-                            <a:srgbClr val="000000"/>
-                          </a:solidFill>
-                          <a:effectLst/>
-                          <a:latin typeface="Merriweather" panose="00000500000000000000" pitchFamily="2" charset="0"/>
-                        </a:rPr>
-                        <a:t>: </a:t>
-                      </a:r>
-                      <a:r>
-                        <a:rPr lang="pt-PT" sz="1100" b="0" i="0" u="none" strike="noStrike" dirty="0">
-                          <a:solidFill>
-                            <a:srgbClr val="0451A5"/>
-                          </a:solidFill>
-                          <a:effectLst/>
-                          <a:latin typeface="Merriweather" panose="00000500000000000000" pitchFamily="2" charset="0"/>
-                        </a:rPr>
-                        <a:t>"jpl@gmail.com"</a:t>
-                      </a:r>
-                      <a:r>
-                        <a:rPr lang="pt-PT" sz="1100" b="0" i="0" u="none" strike="noStrike" dirty="0">
-                          <a:solidFill>
-                            <a:srgbClr val="000000"/>
-                          </a:solidFill>
-                          <a:effectLst/>
-                          <a:latin typeface="Merriweather" panose="00000500000000000000" pitchFamily="2" charset="0"/>
-                        </a:rPr>
-                        <a:t>,</a:t>
-                      </a:r>
-                      <a:endParaRPr lang="pt-PT" sz="2300" dirty="0">
-                        <a:effectLst/>
-                      </a:endParaRPr>
-                    </a:p>
-                    <a:p>
-                      <a:pPr rtl="0" fontAlgn="t">
-                        <a:spcBef>
-                          <a:spcPts val="0"/>
-                        </a:spcBef>
-                        <a:spcAft>
-                          <a:spcPts val="0"/>
-                        </a:spcAft>
-                      </a:pPr>
-                      <a:r>
-                        <a:rPr lang="pt-PT" sz="1100" b="0" i="0" u="none" strike="noStrike" dirty="0">
-                          <a:solidFill>
-                            <a:srgbClr val="000000"/>
-                          </a:solidFill>
-                          <a:effectLst/>
-                          <a:latin typeface="Merriweather" panose="00000500000000000000" pitchFamily="2" charset="0"/>
-                        </a:rPr>
-                        <a:t>    </a:t>
-                      </a:r>
-                      <a:r>
-                        <a:rPr lang="pt-PT" sz="1100" b="0" i="0" u="none" strike="noStrike" dirty="0">
-                          <a:solidFill>
-                            <a:srgbClr val="A31515"/>
-                          </a:solidFill>
-                          <a:effectLst/>
-                          <a:latin typeface="Merriweather" panose="00000500000000000000" pitchFamily="2" charset="0"/>
-                        </a:rPr>
-                        <a:t>"</a:t>
-                      </a:r>
-                      <a:r>
-                        <a:rPr lang="pt-PT" sz="1100" b="0" i="0" u="none" strike="noStrike" dirty="0" err="1">
-                          <a:solidFill>
-                            <a:srgbClr val="A31515"/>
-                          </a:solidFill>
-                          <a:effectLst/>
-                          <a:latin typeface="Merriweather" panose="00000500000000000000" pitchFamily="2" charset="0"/>
-                        </a:rPr>
-                        <a:t>phoneNumber</a:t>
-                      </a:r>
-                      <a:r>
-                        <a:rPr lang="pt-PT" sz="1100" b="0" i="0" u="none" strike="noStrike" dirty="0">
-                          <a:solidFill>
-                            <a:srgbClr val="A31515"/>
-                          </a:solidFill>
-                          <a:effectLst/>
-                          <a:latin typeface="Merriweather" panose="00000500000000000000" pitchFamily="2" charset="0"/>
-                        </a:rPr>
-                        <a:t>"</a:t>
-                      </a:r>
-                      <a:r>
-                        <a:rPr lang="pt-PT" sz="1100" b="0" i="0" u="none" strike="noStrike" dirty="0">
-                          <a:solidFill>
-                            <a:srgbClr val="000000"/>
-                          </a:solidFill>
-                          <a:effectLst/>
-                          <a:latin typeface="Merriweather" panose="00000500000000000000" pitchFamily="2" charset="0"/>
-                        </a:rPr>
-                        <a:t>: </a:t>
-                      </a:r>
-                      <a:r>
-                        <a:rPr lang="pt-PT" sz="1100" b="1" i="0" u="none" strike="noStrike" dirty="0">
-                          <a:solidFill>
-                            <a:srgbClr val="0451A5"/>
-                          </a:solidFill>
-                          <a:effectLst/>
-                          <a:latin typeface="Merriweather" panose="00000500000000000000" pitchFamily="2" charset="0"/>
-                        </a:rPr>
-                        <a:t>null</a:t>
-                      </a:r>
-                      <a:r>
-                        <a:rPr lang="pt-PT" sz="1100" b="0" i="0" u="none" strike="noStrike" dirty="0">
-                          <a:solidFill>
-                            <a:srgbClr val="000000"/>
-                          </a:solidFill>
-                          <a:effectLst/>
-                          <a:latin typeface="Merriweather" panose="00000500000000000000" pitchFamily="2" charset="0"/>
-                        </a:rPr>
-                        <a:t>,</a:t>
-                      </a:r>
-                      <a:endParaRPr lang="pt-PT" sz="2300" dirty="0">
-                        <a:effectLst/>
-                      </a:endParaRPr>
-                    </a:p>
-                    <a:p>
-                      <a:pPr rtl="0" fontAlgn="t">
-                        <a:spcBef>
-                          <a:spcPts val="0"/>
-                        </a:spcBef>
-                        <a:spcAft>
-                          <a:spcPts val="0"/>
-                        </a:spcAft>
-                      </a:pPr>
-                      <a:r>
-                        <a:rPr lang="pt-PT" sz="1100" b="0" i="0" u="none" strike="noStrike" dirty="0">
-                          <a:solidFill>
-                            <a:srgbClr val="000000"/>
-                          </a:solidFill>
-                          <a:effectLst/>
-                          <a:latin typeface="Merriweather" panose="00000500000000000000" pitchFamily="2" charset="0"/>
-                        </a:rPr>
-                        <a:t>    </a:t>
-                      </a:r>
-                      <a:r>
-                        <a:rPr lang="pt-PT" sz="1100" b="0" i="0" u="none" strike="noStrike" dirty="0">
-                          <a:solidFill>
-                            <a:srgbClr val="A31515"/>
-                          </a:solidFill>
-                          <a:effectLst/>
-                          <a:latin typeface="Merriweather" panose="00000500000000000000" pitchFamily="2" charset="0"/>
-                        </a:rPr>
-                        <a:t>"</a:t>
-                      </a:r>
-                      <a:r>
-                        <a:rPr lang="pt-PT" sz="1100" b="0" i="0" u="none" strike="noStrike" dirty="0" err="1">
-                          <a:solidFill>
-                            <a:srgbClr val="A31515"/>
-                          </a:solidFill>
-                          <a:effectLst/>
-                          <a:latin typeface="Merriweather" panose="00000500000000000000" pitchFamily="2" charset="0"/>
-                        </a:rPr>
-                        <a:t>publicId</a:t>
-                      </a:r>
-                      <a:r>
-                        <a:rPr lang="pt-PT" sz="1100" b="0" i="0" u="none" strike="noStrike" dirty="0">
-                          <a:solidFill>
-                            <a:srgbClr val="A31515"/>
-                          </a:solidFill>
-                          <a:effectLst/>
-                          <a:latin typeface="Merriweather" panose="00000500000000000000" pitchFamily="2" charset="0"/>
-                        </a:rPr>
-                        <a:t>"</a:t>
-                      </a:r>
-                      <a:r>
-                        <a:rPr lang="pt-PT" sz="1100" b="0" i="0" u="none" strike="noStrike" dirty="0">
-                          <a:solidFill>
-                            <a:srgbClr val="000000"/>
-                          </a:solidFill>
-                          <a:effectLst/>
-                          <a:latin typeface="Merriweather" panose="00000500000000000000" pitchFamily="2" charset="0"/>
-                        </a:rPr>
-                        <a:t>: </a:t>
-                      </a:r>
-                      <a:r>
-                        <a:rPr lang="pt-PT" sz="1100" b="0" i="0" u="none" strike="noStrike" dirty="0">
-                          <a:solidFill>
-                            <a:srgbClr val="098658"/>
-                          </a:solidFill>
-                          <a:effectLst/>
-                          <a:latin typeface="Merriweather" panose="00000500000000000000" pitchFamily="2" charset="0"/>
-                        </a:rPr>
-                        <a:t>1</a:t>
-                      </a:r>
-                      <a:r>
-                        <a:rPr lang="pt-PT" sz="1100" b="0" i="0" u="none" strike="noStrike" dirty="0">
-                          <a:solidFill>
-                            <a:srgbClr val="000000"/>
-                          </a:solidFill>
-                          <a:effectLst/>
-                          <a:latin typeface="Merriweather" panose="00000500000000000000" pitchFamily="2" charset="0"/>
-                        </a:rPr>
-                        <a:t>,</a:t>
-                      </a:r>
-                      <a:endParaRPr lang="pt-PT" sz="2300" dirty="0">
-                        <a:effectLst/>
-                      </a:endParaRPr>
-                    </a:p>
-                    <a:p>
-                      <a:pPr rtl="0" fontAlgn="t">
-                        <a:spcBef>
-                          <a:spcPts val="0"/>
-                        </a:spcBef>
-                        <a:spcAft>
-                          <a:spcPts val="0"/>
-                        </a:spcAft>
-                      </a:pPr>
-                      <a:r>
-                        <a:rPr lang="pt-PT" sz="1100" b="0" i="0" u="none" strike="noStrike" dirty="0">
-                          <a:solidFill>
-                            <a:srgbClr val="000000"/>
-                          </a:solidFill>
-                          <a:effectLst/>
-                          <a:latin typeface="Merriweather" panose="00000500000000000000" pitchFamily="2" charset="0"/>
-                        </a:rPr>
-                        <a:t>    </a:t>
-                      </a:r>
-                      <a:r>
-                        <a:rPr lang="pt-PT" sz="1100" b="0" i="0" u="none" strike="noStrike" dirty="0">
-                          <a:solidFill>
-                            <a:srgbClr val="A31515"/>
-                          </a:solidFill>
-                          <a:effectLst/>
-                          <a:latin typeface="Merriweather" panose="00000500000000000000" pitchFamily="2" charset="0"/>
-                        </a:rPr>
-                        <a:t>"</a:t>
-                      </a:r>
-                      <a:r>
-                        <a:rPr lang="pt-PT" sz="1100" b="0" i="0" u="none" strike="noStrike" dirty="0" err="1">
-                          <a:solidFill>
-                            <a:srgbClr val="A31515"/>
-                          </a:solidFill>
-                          <a:effectLst/>
-                          <a:latin typeface="Merriweather" panose="00000500000000000000" pitchFamily="2" charset="0"/>
-                        </a:rPr>
-                        <a:t>nm</a:t>
-                      </a:r>
-                      <a:r>
-                        <a:rPr lang="pt-PT" sz="1100" b="0" i="0" u="none" strike="noStrike" dirty="0">
-                          <a:solidFill>
-                            <a:srgbClr val="A31515"/>
-                          </a:solidFill>
-                          <a:effectLst/>
-                          <a:latin typeface="Merriweather" panose="00000500000000000000" pitchFamily="2" charset="0"/>
-                        </a:rPr>
-                        <a:t>"</a:t>
-                      </a:r>
-                      <a:r>
-                        <a:rPr lang="pt-PT" sz="1100" b="0" i="0" u="none" strike="noStrike" dirty="0">
-                          <a:solidFill>
-                            <a:srgbClr val="000000"/>
-                          </a:solidFill>
-                          <a:effectLst/>
-                          <a:latin typeface="Merriweather" panose="00000500000000000000" pitchFamily="2" charset="0"/>
-                        </a:rPr>
-                        <a:t>: </a:t>
-                      </a:r>
-                      <a:r>
-                        <a:rPr lang="pt-PT" sz="1100" b="0" i="0" u="none" strike="noStrike" dirty="0">
-                          <a:solidFill>
-                            <a:srgbClr val="0451A5"/>
-                          </a:solidFill>
-                          <a:effectLst/>
-                          <a:latin typeface="Merriweather" panose="00000500000000000000" pitchFamily="2" charset="0"/>
-                        </a:rPr>
-                        <a:t>"Joaquim Pires Lopes"</a:t>
-                      </a:r>
-                      <a:r>
-                        <a:rPr lang="pt-PT" sz="1100" b="0" i="0" u="none" strike="noStrike" dirty="0">
-                          <a:solidFill>
-                            <a:srgbClr val="000000"/>
-                          </a:solidFill>
-                          <a:effectLst/>
-                          <a:latin typeface="Merriweather" panose="00000500000000000000" pitchFamily="2" charset="0"/>
-                        </a:rPr>
-                        <a:t>,</a:t>
-                      </a:r>
-                      <a:endParaRPr lang="pt-PT" sz="2300" dirty="0">
-                        <a:effectLst/>
-                      </a:endParaRPr>
-                    </a:p>
-                    <a:p>
-                      <a:pPr rtl="0" fontAlgn="t">
-                        <a:spcBef>
-                          <a:spcPts val="0"/>
-                        </a:spcBef>
-                        <a:spcAft>
-                          <a:spcPts val="0"/>
-                        </a:spcAft>
-                      </a:pPr>
-                      <a:r>
-                        <a:rPr lang="pt-PT" sz="1100" b="0" i="0" u="none" strike="noStrike" dirty="0">
-                          <a:solidFill>
-                            <a:srgbClr val="000000"/>
-                          </a:solidFill>
-                          <a:effectLst/>
-                          <a:latin typeface="Merriweather" panose="00000500000000000000" pitchFamily="2" charset="0"/>
-                        </a:rPr>
-                        <a:t>    </a:t>
-                      </a:r>
-                      <a:r>
-                        <a:rPr lang="pt-PT" sz="1100" b="0" i="0" u="none" strike="noStrike" dirty="0">
-                          <a:solidFill>
-                            <a:srgbClr val="A31515"/>
-                          </a:solidFill>
-                          <a:effectLst/>
-                          <a:latin typeface="Merriweather" panose="00000500000000000000" pitchFamily="2" charset="0"/>
-                        </a:rPr>
-                        <a:t>"place"</a:t>
-                      </a:r>
-                      <a:r>
-                        <a:rPr lang="pt-PT" sz="1100" b="0" i="0" u="none" strike="noStrike" dirty="0">
-                          <a:solidFill>
-                            <a:srgbClr val="000000"/>
-                          </a:solidFill>
-                          <a:effectLst/>
-                          <a:latin typeface="Merriweather" panose="00000500000000000000" pitchFamily="2" charset="0"/>
-                        </a:rPr>
-                        <a:t>: </a:t>
-                      </a:r>
-                      <a:r>
-                        <a:rPr lang="pt-PT" sz="1100" b="0" i="0" u="none" strike="noStrike" dirty="0">
-                          <a:solidFill>
-                            <a:srgbClr val="0451A5"/>
-                          </a:solidFill>
-                          <a:effectLst/>
-                          <a:latin typeface="Merriweather" panose="00000500000000000000" pitchFamily="2" charset="0"/>
-                        </a:rPr>
-                        <a:t>"Lisboa"</a:t>
-                      </a:r>
-                      <a:r>
-                        <a:rPr lang="pt-PT" sz="1100" b="0" i="0" u="none" strike="noStrike" dirty="0">
-                          <a:solidFill>
-                            <a:srgbClr val="000000"/>
-                          </a:solidFill>
-                          <a:effectLst/>
-                          <a:latin typeface="Merriweather" panose="00000500000000000000" pitchFamily="2" charset="0"/>
-                        </a:rPr>
-                        <a:t>,</a:t>
-                      </a:r>
-                      <a:endParaRPr lang="pt-PT" sz="2300" dirty="0">
-                        <a:effectLst/>
-                      </a:endParaRPr>
-                    </a:p>
-                    <a:p>
-                      <a:pPr rtl="0" fontAlgn="t">
-                        <a:spcBef>
-                          <a:spcPts val="0"/>
-                        </a:spcBef>
-                        <a:spcAft>
-                          <a:spcPts val="0"/>
-                        </a:spcAft>
-                      </a:pPr>
-                      <a:r>
-                        <a:rPr lang="pt-PT" sz="1100" b="0" i="0" u="none" strike="noStrike" dirty="0">
-                          <a:solidFill>
-                            <a:srgbClr val="000000"/>
-                          </a:solidFill>
-                          <a:effectLst/>
-                          <a:latin typeface="Merriweather" panose="00000500000000000000" pitchFamily="2" charset="0"/>
-                        </a:rPr>
-                        <a:t>    </a:t>
-                      </a:r>
-                      <a:r>
-                        <a:rPr lang="pt-PT" sz="1100" b="0" i="0" u="none" strike="noStrike" dirty="0">
-                          <a:solidFill>
-                            <a:srgbClr val="A31515"/>
-                          </a:solidFill>
-                          <a:effectLst/>
-                          <a:latin typeface="Merriweather" panose="00000500000000000000" pitchFamily="2" charset="0"/>
-                        </a:rPr>
-                        <a:t>"password"</a:t>
-                      </a:r>
-                      <a:r>
-                        <a:rPr lang="pt-PT" sz="1100" b="0" i="0" u="none" strike="noStrike" dirty="0">
-                          <a:solidFill>
-                            <a:srgbClr val="000000"/>
-                          </a:solidFill>
-                          <a:effectLst/>
-                          <a:latin typeface="Merriweather" panose="00000500000000000000" pitchFamily="2" charset="0"/>
-                        </a:rPr>
-                        <a:t>: </a:t>
-                      </a:r>
-                      <a:r>
-                        <a:rPr lang="pt-PT" sz="1100" b="0" i="0" u="none" strike="noStrike" dirty="0">
-                          <a:solidFill>
-                            <a:srgbClr val="0451A5"/>
-                          </a:solidFill>
-                          <a:effectLst/>
-                          <a:latin typeface="Merriweather" panose="00000500000000000000" pitchFamily="2" charset="0"/>
-                        </a:rPr>
-                        <a:t>"123ghb@69fgi"</a:t>
-                      </a:r>
-                      <a:r>
-                        <a:rPr lang="pt-PT" sz="1100" b="0" i="0" u="none" strike="noStrike" dirty="0">
-                          <a:solidFill>
-                            <a:srgbClr val="000000"/>
-                          </a:solidFill>
-                          <a:effectLst/>
-                          <a:latin typeface="Merriweather" panose="00000500000000000000" pitchFamily="2" charset="0"/>
-                        </a:rPr>
-                        <a:t>,</a:t>
-                      </a:r>
-                      <a:endParaRPr lang="pt-PT" sz="2300" dirty="0">
-                        <a:effectLst/>
-                      </a:endParaRPr>
-                    </a:p>
-                    <a:p>
-                      <a:pPr rtl="0" fontAlgn="t">
-                        <a:spcBef>
-                          <a:spcPts val="0"/>
-                        </a:spcBef>
-                        <a:spcAft>
-                          <a:spcPts val="0"/>
-                        </a:spcAft>
-                      </a:pPr>
-                      <a:r>
-                        <a:rPr lang="pt-PT" sz="1100" b="0" i="0" u="none" strike="noStrike" dirty="0">
-                          <a:solidFill>
-                            <a:srgbClr val="000000"/>
-                          </a:solidFill>
-                          <a:effectLst/>
-                          <a:latin typeface="Merriweather" panose="00000500000000000000" pitchFamily="2" charset="0"/>
-                        </a:rPr>
-                        <a:t>    </a:t>
-                      </a:r>
-                      <a:r>
-                        <a:rPr lang="pt-PT" sz="1100" b="0" i="0" u="none" strike="noStrike" dirty="0">
-                          <a:solidFill>
-                            <a:srgbClr val="A31515"/>
-                          </a:solidFill>
-                          <a:effectLst/>
-                          <a:latin typeface="Merriweather" panose="00000500000000000000" pitchFamily="2" charset="0"/>
-                        </a:rPr>
-                        <a:t>"id"</a:t>
-                      </a:r>
-                      <a:r>
-                        <a:rPr lang="pt-PT" sz="1100" b="0" i="0" u="none" strike="noStrike" dirty="0">
-                          <a:solidFill>
-                            <a:srgbClr val="000000"/>
-                          </a:solidFill>
-                          <a:effectLst/>
-                          <a:latin typeface="Merriweather" panose="00000500000000000000" pitchFamily="2" charset="0"/>
-                        </a:rPr>
-                        <a:t>: </a:t>
-                      </a:r>
-                      <a:r>
-                        <a:rPr lang="pt-PT" sz="1100" b="0" i="0" u="none" strike="noStrike" dirty="0">
-                          <a:solidFill>
-                            <a:srgbClr val="098658"/>
-                          </a:solidFill>
-                          <a:effectLst/>
-                          <a:latin typeface="Merriweather" panose="00000500000000000000" pitchFamily="2" charset="0"/>
-                        </a:rPr>
-                        <a:t>1</a:t>
-                      </a:r>
-                      <a:endParaRPr lang="pt-PT" sz="2300" dirty="0">
-                        <a:effectLst/>
-                      </a:endParaRPr>
-                    </a:p>
-                    <a:p>
-                      <a:pPr rtl="0" fontAlgn="t">
-                        <a:spcBef>
-                          <a:spcPts val="0"/>
-                        </a:spcBef>
-                        <a:spcAft>
-                          <a:spcPts val="0"/>
-                        </a:spcAft>
-                      </a:pPr>
-                      <a:r>
-                        <a:rPr lang="pt-PT" sz="1100" b="0" i="0" u="none" strike="noStrike" dirty="0">
-                          <a:solidFill>
-                            <a:srgbClr val="000000"/>
-                          </a:solidFill>
-                          <a:effectLst/>
-                          <a:latin typeface="Merriweather" panose="00000500000000000000" pitchFamily="2" charset="0"/>
-                        </a:rPr>
-                        <a:t>}</a:t>
-                      </a:r>
-                      <a:endParaRPr lang="pt-PT" sz="2300" dirty="0">
-                        <a:effectLst/>
-                      </a:endParaRPr>
                     </a:p>
                   </a:txBody>
-                  <a:tcPr marL="79478" marR="79478" marT="79478" marB="79478">
+                  <a:tcPr marL="63500" marR="63500" marT="63500" marB="63500">
                     <a:lnL w="12700" cap="flat" cmpd="sng" algn="ctr">
                       <a:solidFill>
                         <a:srgbClr val="000000"/>
@@ -10381,7 +10612,7 @@
                 </a:tc>
                 <a:extLst>
                   <a:ext uri="{0D108BD9-81ED-4DB2-BD59-A6C34878D82A}">
-                    <a16:rowId xmlns:a16="http://schemas.microsoft.com/office/drawing/2014/main" val="841987923"/>
+                    <a16:rowId xmlns:a16="http://schemas.microsoft.com/office/drawing/2014/main" val="2674716442"/>
                   </a:ext>
                 </a:extLst>
               </a:tr>
@@ -10389,6 +10620,75 @@
           </a:graphicData>
         </a:graphic>
       </p:graphicFrame>
+      <p:sp>
+        <p:nvSpPr>
+          <p:cNvPr id="19" name="CaixaDeTexto 18">
+            <a:extLst>
+              <a:ext uri="{FF2B5EF4-FFF2-40B4-BE49-F238E27FC236}">
+                <a16:creationId xmlns:a16="http://schemas.microsoft.com/office/drawing/2014/main" id="{829A8A03-2841-456D-9E6E-B44CA692039D}"/>
+              </a:ext>
+            </a:extLst>
+          </p:cNvPr>
+          <p:cNvSpPr txBox="1"/>
+          <p:nvPr/>
+        </p:nvSpPr>
+        <p:spPr>
+          <a:xfrm>
+            <a:off x="3924831" y="634028"/>
+            <a:ext cx="8267169" cy="954107"/>
+          </a:xfrm>
+          <a:prstGeom prst="rect">
+            <a:avLst/>
+          </a:prstGeom>
+          <a:noFill/>
+        </p:spPr>
+        <p:txBody>
+          <a:bodyPr wrap="square">
+            <a:spAutoFit/>
+          </a:bodyPr>
+          <a:lstStyle/>
+          <a:p>
+            <a:pPr marL="0" marR="0" lvl="0" indent="0" algn="l" defTabSz="914400" rtl="0" eaLnBrk="0" fontAlgn="base" latinLnBrk="0" hangingPunct="0">
+              <a:lnSpc>
+                <a:spcPct val="100000"/>
+              </a:lnSpc>
+              <a:spcBef>
+                <a:spcPct val="0"/>
+              </a:spcBef>
+              <a:spcAft>
+                <a:spcPct val="0"/>
+              </a:spcAft>
+              <a:buClrTx/>
+              <a:buSzTx/>
+              <a:buFontTx/>
+              <a:buNone/>
+              <a:tabLst/>
+            </a:pPr>
+            <a:br>
+              <a:rPr kumimoji="0" lang="pt-PT" altLang="pt-PT" sz="2800" b="0" i="0" u="none" strike="noStrike" cap="none" normalizeH="0" baseline="0" dirty="0">
+                <a:ln>
+                  <a:noFill/>
+                </a:ln>
+                <a:solidFill>
+                  <a:schemeClr val="tx1"/>
+                </a:solidFill>
+                <a:effectLst/>
+                <a:latin typeface="Arial" panose="020B0604020202020204" pitchFamily="34" charset="0"/>
+              </a:rPr>
+            </a:br>
+            <a:endParaRPr kumimoji="0" lang="pt-PT" altLang="pt-PT" sz="2800" b="0" i="0" u="none" strike="noStrike" cap="none" normalizeH="0" baseline="0" dirty="0">
+              <a:ln>
+                <a:noFill/>
+              </a:ln>
+              <a:solidFill>
+                <a:schemeClr val="tx1"/>
+              </a:solidFill>
+              <a:effectLst/>
+              <a:latin typeface="Arial" panose="020B0604020202020204" pitchFamily="34" charset="0"/>
+            </a:endParaRPr>
+          </a:p>
+        </p:txBody>
+      </p:sp>
     </p:spTree>
     <p:extLst>
       <p:ext uri="{BB962C8B-B14F-4D97-AF65-F5344CB8AC3E}">
@@ -10402,7 +10702,936 @@
 </p:sld>
 </file>
 
-<file path=ppt/slides/slide7.xml><?xml version="1.0" encoding="utf-8"?>
+<file path=ppt/slides/slide8.xml><?xml version="1.0" encoding="utf-8"?>
+<p:sld xmlns:a="http://schemas.openxmlformats.org/drawingml/2006/main" xmlns:r="http://schemas.openxmlformats.org/officeDocument/2006/relationships" xmlns:p="http://schemas.openxmlformats.org/presentationml/2006/main">
+  <p:cSld>
+    <p:bg>
+      <p:bgPr>
+        <a:solidFill>
+          <a:schemeClr val="bg2"/>
+        </a:solidFill>
+        <a:effectLst/>
+      </p:bgPr>
+    </p:bg>
+    <p:spTree>
+      <p:nvGrpSpPr>
+        <p:cNvPr id="1" name=""/>
+        <p:cNvGrpSpPr/>
+        <p:nvPr/>
+      </p:nvGrpSpPr>
+      <p:grpSpPr>
+        <a:xfrm>
+          <a:off x="0" y="0"/>
+          <a:ext cx="0" cy="0"/>
+          <a:chOff x="0" y="0"/>
+          <a:chExt cx="0" cy="0"/>
+        </a:xfrm>
+      </p:grpSpPr>
+      <p:sp>
+        <p:nvSpPr>
+          <p:cNvPr id="18" name="Rectangle 11">
+            <a:extLst>
+              <a:ext uri="{FF2B5EF4-FFF2-40B4-BE49-F238E27FC236}">
+                <a16:creationId xmlns:a16="http://schemas.microsoft.com/office/drawing/2014/main" id="{2793B903-AB42-42A0-AE97-93D366679CA2}"/>
+              </a:ext>
+              <a:ext uri="{C183D7F6-B498-43B3-948B-1728B52AA6E4}">
+                <adec:decorative xmlns:adec="http://schemas.microsoft.com/office/drawing/2017/decorative" val="1"/>
+              </a:ext>
+            </a:extLst>
+          </p:cNvPr>
+          <p:cNvSpPr>
+            <a:spLocks noGrp="1" noRot="1" noChangeAspect="1" noMove="1" noResize="1" noEditPoints="1" noAdjustHandles="1" noChangeArrowheads="1" noChangeShapeType="1" noTextEdit="1"/>
+          </p:cNvSpPr>
+          <p:nvPr>
+            <p:extLst>
+              <p:ext uri="{386F3935-93C4-4BCD-93E2-E3B085C9AB24}">
+                <p16:designElem xmlns:p16="http://schemas.microsoft.com/office/powerpoint/2015/main" val="1"/>
+              </p:ext>
+            </p:extLst>
+          </p:nvPr>
+        </p:nvSpPr>
+        <p:spPr>
+          <a:xfrm>
+            <a:off x="478095" y="376"/>
+            <a:ext cx="228600" cy="6858000"/>
+          </a:xfrm>
+          <a:prstGeom prst="rect">
+            <a:avLst/>
+          </a:prstGeom>
+          <a:solidFill>
+            <a:schemeClr val="tx2"/>
+          </a:solidFill>
+          <a:ln>
+            <a:noFill/>
+          </a:ln>
+        </p:spPr>
+        <p:style>
+          <a:lnRef idx="2">
+            <a:schemeClr val="accent1">
+              <a:shade val="50000"/>
+            </a:schemeClr>
+          </a:lnRef>
+          <a:fillRef idx="1">
+            <a:schemeClr val="accent1"/>
+          </a:fillRef>
+          <a:effectRef idx="0">
+            <a:schemeClr val="accent1"/>
+          </a:effectRef>
+          <a:fontRef idx="minor">
+            <a:schemeClr val="lt1"/>
+          </a:fontRef>
+        </p:style>
+      </p:sp>
+      <p:sp useBgFill="1">
+        <p:nvSpPr>
+          <p:cNvPr id="19" name="Rectangle 13">
+            <a:extLst>
+              <a:ext uri="{FF2B5EF4-FFF2-40B4-BE49-F238E27FC236}">
+                <a16:creationId xmlns:a16="http://schemas.microsoft.com/office/drawing/2014/main" id="{1D868099-6145-4BC0-A5EA-74BEF1776BA9}"/>
+              </a:ext>
+              <a:ext uri="{C183D7F6-B498-43B3-948B-1728B52AA6E4}">
+                <adec:decorative xmlns:adec="http://schemas.microsoft.com/office/drawing/2017/decorative" val="1"/>
+              </a:ext>
+            </a:extLst>
+          </p:cNvPr>
+          <p:cNvSpPr>
+            <a:spLocks noGrp="1" noRot="1" noChangeAspect="1" noMove="1" noResize="1" noEditPoints="1" noAdjustHandles="1" noChangeArrowheads="1" noChangeShapeType="1" noTextEdit="1"/>
+          </p:cNvSpPr>
+          <p:nvPr>
+            <p:extLst>
+              <p:ext uri="{386F3935-93C4-4BCD-93E2-E3B085C9AB24}">
+                <p16:designElem xmlns:p16="http://schemas.microsoft.com/office/powerpoint/2015/main" val="1"/>
+              </p:ext>
+            </p:extLst>
+          </p:nvPr>
+        </p:nvSpPr>
+        <p:spPr>
+          <a:xfrm>
+            <a:off x="0" y="0"/>
+            <a:ext cx="12192000" cy="6858000"/>
+          </a:xfrm>
+          <a:prstGeom prst="rect">
+            <a:avLst/>
+          </a:prstGeom>
+          <a:ln>
+            <a:noFill/>
+          </a:ln>
+        </p:spPr>
+        <p:style>
+          <a:lnRef idx="2">
+            <a:schemeClr val="accent1">
+              <a:shade val="50000"/>
+            </a:schemeClr>
+          </a:lnRef>
+          <a:fillRef idx="1">
+            <a:schemeClr val="accent1"/>
+          </a:fillRef>
+          <a:effectRef idx="0">
+            <a:schemeClr val="accent1"/>
+          </a:effectRef>
+          <a:fontRef idx="minor">
+            <a:schemeClr val="lt1"/>
+          </a:fontRef>
+        </p:style>
+        <p:txBody>
+          <a:bodyPr rtlCol="0" anchor="ctr"/>
+          <a:lstStyle/>
+          <a:p>
+            <a:pPr algn="ctr"/>
+            <a:endParaRPr lang="en-US"/>
+          </a:p>
+        </p:txBody>
+      </p:sp>
+      <p:sp>
+        <p:nvSpPr>
+          <p:cNvPr id="2" name="Título 1">
+            <a:extLst>
+              <a:ext uri="{FF2B5EF4-FFF2-40B4-BE49-F238E27FC236}">
+                <a16:creationId xmlns:a16="http://schemas.microsoft.com/office/drawing/2014/main" id="{DFE134D2-1247-4CA3-B831-2F62056BD57E}"/>
+              </a:ext>
+            </a:extLst>
+          </p:cNvPr>
+          <p:cNvSpPr>
+            <a:spLocks noGrp="1"/>
+          </p:cNvSpPr>
+          <p:nvPr>
+            <p:ph type="title"/>
+          </p:nvPr>
+        </p:nvSpPr>
+        <p:spPr>
+          <a:xfrm>
+            <a:off x="8471424" y="1110882"/>
+            <a:ext cx="3053039" cy="1060817"/>
+          </a:xfrm>
+        </p:spPr>
+        <p:txBody>
+          <a:bodyPr vert="horz" lIns="91440" tIns="45720" rIns="91440" bIns="45720" rtlCol="0" anchor="b">
+            <a:normAutofit/>
+          </a:bodyPr>
+          <a:lstStyle/>
+          <a:p>
+            <a:pPr>
+              <a:lnSpc>
+                <a:spcPct val="89000"/>
+              </a:lnSpc>
+            </a:pPr>
+            <a:r>
+              <a:rPr lang="en-US" sz="2800" cap="all" dirty="0"/>
+              <a:t>Documentação Rest</a:t>
+            </a:r>
+          </a:p>
+        </p:txBody>
+      </p:sp>
+      <p:sp>
+        <p:nvSpPr>
+          <p:cNvPr id="20" name="Freeform 6">
+            <a:extLst>
+              <a:ext uri="{FF2B5EF4-FFF2-40B4-BE49-F238E27FC236}">
+                <a16:creationId xmlns:a16="http://schemas.microsoft.com/office/drawing/2014/main" id="{CC1026F7-DECB-49B4-A565-518BBA445471}"/>
+              </a:ext>
+              <a:ext uri="{C183D7F6-B498-43B3-948B-1728B52AA6E4}">
+                <adec:decorative xmlns:adec="http://schemas.microsoft.com/office/drawing/2017/decorative" val="1"/>
+              </a:ext>
+            </a:extLst>
+          </p:cNvPr>
+          <p:cNvSpPr>
+            <a:spLocks noGrp="1" noRot="1" noChangeAspect="1" noMove="1" noResize="1" noEditPoints="1" noAdjustHandles="1" noChangeArrowheads="1" noChangeShapeType="1" noTextEdit="1"/>
+          </p:cNvSpPr>
+          <p:nvPr>
+            <p:extLst>
+              <p:ext uri="{386F3935-93C4-4BCD-93E2-E3B085C9AB24}">
+                <p16:designElem xmlns:p16="http://schemas.microsoft.com/office/powerpoint/2015/main" val="1"/>
+              </p:ext>
+            </p:extLst>
+          </p:nvPr>
+        </p:nvSpPr>
+        <p:spPr bwMode="auto">
+          <a:xfrm flipH="1" flipV="1">
+            <a:off x="7983434" y="640080"/>
+            <a:ext cx="2296028" cy="3674981"/>
+          </a:xfrm>
+          <a:custGeom>
+            <a:avLst/>
+            <a:gdLst/>
+            <a:ahLst/>
+            <a:cxnLst/>
+            <a:rect l="l" t="t" r="r" b="b"/>
+            <a:pathLst>
+              <a:path w="10002" h="10000">
+                <a:moveTo>
+                  <a:pt x="8763" y="0"/>
+                </a:moveTo>
+                <a:lnTo>
+                  <a:pt x="10002" y="0"/>
+                </a:lnTo>
+                <a:lnTo>
+                  <a:pt x="10002" y="10000"/>
+                </a:lnTo>
+                <a:lnTo>
+                  <a:pt x="2" y="10000"/>
+                </a:lnTo>
+                <a:cubicBezTo>
+                  <a:pt x="-2" y="9698"/>
+                  <a:pt x="4" y="9427"/>
+                  <a:pt x="0" y="9125"/>
+                </a:cubicBezTo>
+                <a:lnTo>
+                  <a:pt x="8763" y="9128"/>
+                </a:lnTo>
+                <a:lnTo>
+                  <a:pt x="8763" y="0"/>
+                </a:lnTo>
+                <a:close/>
+              </a:path>
+            </a:pathLst>
+          </a:custGeom>
+          <a:solidFill>
+            <a:schemeClr val="tx2"/>
+          </a:solidFill>
+          <a:ln w="0">
+            <a:noFill/>
+            <a:prstDash val="solid"/>
+            <a:round/>
+            <a:headEnd/>
+            <a:tailEnd/>
+          </a:ln>
+        </p:spPr>
+      </p:sp>
+      <p:sp>
+        <p:nvSpPr>
+          <p:cNvPr id="7" name="Rectangle 1">
+            <a:hlinkClick r:id="rId2"/>
+            <a:extLst>
+              <a:ext uri="{FF2B5EF4-FFF2-40B4-BE49-F238E27FC236}">
+                <a16:creationId xmlns:a16="http://schemas.microsoft.com/office/drawing/2014/main" id="{11F9031A-F025-47CD-A86C-A115BAB84583}"/>
+              </a:ext>
+            </a:extLst>
+          </p:cNvPr>
+          <p:cNvSpPr>
+            <a:spLocks noChangeArrowheads="1"/>
+          </p:cNvSpPr>
+          <p:nvPr/>
+        </p:nvSpPr>
+        <p:spPr bwMode="auto">
+          <a:xfrm>
+            <a:off x="6096160" y="1510000"/>
+            <a:ext cx="12192000" cy="457200"/>
+          </a:xfrm>
+          <a:prstGeom prst="rect">
+            <a:avLst/>
+          </a:prstGeom>
+          <a:noFill/>
+          <a:ln>
+            <a:noFill/>
+          </a:ln>
+          <a:effectLst/>
+          <a:extLst>
+            <a:ext uri="{909E8E84-426E-40DD-AFC4-6F175D3DCCD1}">
+              <a14:hiddenFill xmlns:a14="http://schemas.microsoft.com/office/drawing/2010/main">
+                <a:solidFill>
+                  <a:schemeClr val="accent1"/>
+                </a:solidFill>
+              </a14:hiddenFill>
+            </a:ext>
+            <a:ext uri="{91240B29-F687-4F45-9708-019B960494DF}">
+              <a14:hiddenLine xmlns:a14="http://schemas.microsoft.com/office/drawing/2010/main" w="9525">
+                <a:solidFill>
+                  <a:schemeClr val="tx1"/>
+                </a:solidFill>
+                <a:miter lim="800000"/>
+                <a:headEnd/>
+                <a:tailEnd/>
+              </a14:hiddenLine>
+            </a:ext>
+            <a:ext uri="{AF507438-7753-43E0-B8FC-AC1667EBCBE1}">
+              <a14:hiddenEffects xmlns:a14="http://schemas.microsoft.com/office/drawing/2010/main">
+                <a:effectLst>
+                  <a:outerShdw dist="35921" dir="2700000" algn="ctr" rotWithShape="0">
+                    <a:schemeClr val="bg2"/>
+                  </a:outerShdw>
+                </a:effectLst>
+              </a14:hiddenEffects>
+            </a:ext>
+          </a:extLst>
+        </p:spPr>
+        <p:txBody>
+          <a:bodyPr vert="horz" wrap="none" lIns="91440" tIns="45720" rIns="91440" bIns="45720" numCol="1" anchor="ctr" anchorCtr="0" compatLnSpc="1">
+            <a:prstTxWarp prst="textNoShape">
+              <a:avLst/>
+            </a:prstTxWarp>
+            <a:spAutoFit/>
+          </a:bodyPr>
+          <a:lstStyle/>
+          <a:p>
+            <a:endParaRPr lang="pt-PT"/>
+          </a:p>
+        </p:txBody>
+      </p:sp>
+      <p:graphicFrame>
+        <p:nvGraphicFramePr>
+          <p:cNvPr id="4" name="Tabela 3">
+            <a:extLst>
+              <a:ext uri="{FF2B5EF4-FFF2-40B4-BE49-F238E27FC236}">
+                <a16:creationId xmlns:a16="http://schemas.microsoft.com/office/drawing/2014/main" id="{8669955D-6998-4E59-978B-72DFA95BFA18}"/>
+              </a:ext>
+            </a:extLst>
+          </p:cNvPr>
+          <p:cNvGraphicFramePr>
+            <a:graphicFrameLocks noGrp="1"/>
+          </p:cNvGraphicFramePr>
+          <p:nvPr>
+            <p:extLst>
+              <p:ext uri="{D42A27DB-BD31-4B8C-83A1-F6EECF244321}">
+                <p14:modId xmlns:p14="http://schemas.microsoft.com/office/powerpoint/2010/main" val="3978329632"/>
+              </p:ext>
+            </p:extLst>
+          </p:nvPr>
+        </p:nvGraphicFramePr>
+        <p:xfrm>
+          <a:off x="478095" y="640079"/>
+          <a:ext cx="6900380" cy="6217545"/>
+        </p:xfrm>
+        <a:graphic>
+          <a:graphicData uri="http://schemas.openxmlformats.org/drawingml/2006/table">
+            <a:tbl>
+              <a:tblPr/>
+              <a:tblGrid>
+                <a:gridCol w="6900380">
+                  <a:extLst>
+                    <a:ext uri="{9D8B030D-6E8A-4147-A177-3AD203B41FA5}">
+                      <a16:colId xmlns:a16="http://schemas.microsoft.com/office/drawing/2014/main" val="2032460048"/>
+                    </a:ext>
+                  </a:extLst>
+                </a:gridCol>
+              </a:tblGrid>
+              <a:tr h="738673">
+                <a:tc>
+                  <a:txBody>
+                    <a:bodyPr/>
+                    <a:lstStyle/>
+                    <a:p>
+                      <a:pPr rtl="0" fontAlgn="t">
+                        <a:spcBef>
+                          <a:spcPts val="0"/>
+                        </a:spcBef>
+                        <a:spcAft>
+                          <a:spcPts val="0"/>
+                        </a:spcAft>
+                      </a:pPr>
+                      <a:r>
+                        <a:rPr lang="pt-PT" sz="1900" b="1" i="0" u="none" strike="noStrike" dirty="0">
+                          <a:solidFill>
+                            <a:srgbClr val="000000"/>
+                          </a:solidFill>
+                          <a:effectLst/>
+                          <a:latin typeface="Merriweather" panose="00000500000000000000" pitchFamily="2" charset="0"/>
+                        </a:rPr>
+                        <a:t>Ir buscar os grupos  de um determinado </a:t>
+                      </a:r>
+                      <a:r>
+                        <a:rPr lang="pt-PT" sz="1900" b="1" i="0" u="none" strike="noStrike" dirty="0" err="1">
+                          <a:solidFill>
+                            <a:srgbClr val="000000"/>
+                          </a:solidFill>
+                          <a:effectLst/>
+                          <a:latin typeface="Merriweather" panose="00000500000000000000" pitchFamily="2" charset="0"/>
+                        </a:rPr>
+                        <a:t>user</a:t>
+                      </a:r>
+                      <a:endParaRPr lang="pt-PT" sz="3100" dirty="0">
+                        <a:effectLst/>
+                      </a:endParaRPr>
+                    </a:p>
+                  </a:txBody>
+                  <a:tcPr marL="108573" marR="108573" marT="108573" marB="108573">
+                    <a:lnL w="12700" cap="flat" cmpd="sng" algn="ctr">
+                      <a:solidFill>
+                        <a:srgbClr val="000000"/>
+                      </a:solidFill>
+                      <a:prstDash val="solid"/>
+                      <a:round/>
+                      <a:headEnd type="none" w="med" len="med"/>
+                      <a:tailEnd type="none" w="med" len="med"/>
+                    </a:lnL>
+                    <a:lnR w="12700" cap="flat" cmpd="sng" algn="ctr">
+                      <a:solidFill>
+                        <a:srgbClr val="000000"/>
+                      </a:solidFill>
+                      <a:prstDash val="solid"/>
+                      <a:round/>
+                      <a:headEnd type="none" w="med" len="med"/>
+                      <a:tailEnd type="none" w="med" len="med"/>
+                    </a:lnR>
+                    <a:lnT w="12700" cap="flat" cmpd="sng" algn="ctr">
+                      <a:solidFill>
+                        <a:srgbClr val="000000"/>
+                      </a:solidFill>
+                      <a:prstDash val="solid"/>
+                      <a:round/>
+                      <a:headEnd type="none" w="med" len="med"/>
+                      <a:tailEnd type="none" w="med" len="med"/>
+                    </a:lnT>
+                    <a:lnB w="12700" cap="flat" cmpd="sng" algn="ctr">
+                      <a:solidFill>
+                        <a:srgbClr val="000000"/>
+                      </a:solidFill>
+                      <a:prstDash val="solid"/>
+                      <a:round/>
+                      <a:headEnd type="none" w="med" len="med"/>
+                      <a:tailEnd type="none" w="med" len="med"/>
+                    </a:lnB>
+                  </a:tcPr>
+                </a:tc>
+                <a:extLst>
+                  <a:ext uri="{0D108BD9-81ED-4DB2-BD59-A6C34878D82A}">
+                    <a16:rowId xmlns:a16="http://schemas.microsoft.com/office/drawing/2014/main" val="3007651671"/>
+                  </a:ext>
+                </a:extLst>
+              </a:tr>
+              <a:tr h="1486410">
+                <a:tc>
+                  <a:txBody>
+                    <a:bodyPr/>
+                    <a:lstStyle/>
+                    <a:p>
+                      <a:pPr rtl="0" fontAlgn="t">
+                        <a:spcBef>
+                          <a:spcPts val="0"/>
+                        </a:spcBef>
+                        <a:spcAft>
+                          <a:spcPts val="0"/>
+                        </a:spcAft>
+                      </a:pPr>
+                      <a:r>
+                        <a:rPr lang="pt-PT" sz="1900" b="0" i="0" u="none" strike="noStrike">
+                          <a:solidFill>
+                            <a:srgbClr val="000000"/>
+                          </a:solidFill>
+                          <a:effectLst/>
+                          <a:latin typeface="Merriweather" panose="00000500000000000000" pitchFamily="2" charset="0"/>
+                        </a:rPr>
+                        <a:t>Url: https://friends-mobile-app.herokuapp.com/api/friendgroups/owners/{owner}</a:t>
+                      </a:r>
+                      <a:endParaRPr lang="pt-PT" sz="3100">
+                        <a:effectLst/>
+                      </a:endParaRPr>
+                    </a:p>
+                    <a:p>
+                      <a:pPr rtl="0" fontAlgn="t">
+                        <a:spcBef>
+                          <a:spcPts val="0"/>
+                        </a:spcBef>
+                        <a:spcAft>
+                          <a:spcPts val="0"/>
+                        </a:spcAft>
+                      </a:pPr>
+                      <a:r>
+                        <a:rPr lang="pt-PT" sz="1900" b="1" i="0" u="none" strike="noStrike">
+                          <a:solidFill>
+                            <a:srgbClr val="000000"/>
+                          </a:solidFill>
+                          <a:effectLst/>
+                          <a:latin typeface="Merriweather" panose="00000500000000000000" pitchFamily="2" charset="0"/>
+                        </a:rPr>
+                        <a:t>(get)</a:t>
+                      </a:r>
+                      <a:endParaRPr lang="pt-PT" sz="3100">
+                        <a:effectLst/>
+                      </a:endParaRPr>
+                    </a:p>
+                  </a:txBody>
+                  <a:tcPr marL="108573" marR="108573" marT="108573" marB="108573">
+                    <a:lnL w="12700" cap="flat" cmpd="sng" algn="ctr">
+                      <a:solidFill>
+                        <a:srgbClr val="000000"/>
+                      </a:solidFill>
+                      <a:prstDash val="solid"/>
+                      <a:round/>
+                      <a:headEnd type="none" w="med" len="med"/>
+                      <a:tailEnd type="none" w="med" len="med"/>
+                    </a:lnL>
+                    <a:lnR w="12700" cap="flat" cmpd="sng" algn="ctr">
+                      <a:solidFill>
+                        <a:srgbClr val="000000"/>
+                      </a:solidFill>
+                      <a:prstDash val="solid"/>
+                      <a:round/>
+                      <a:headEnd type="none" w="med" len="med"/>
+                      <a:tailEnd type="none" w="med" len="med"/>
+                    </a:lnR>
+                    <a:lnT w="12700" cap="flat" cmpd="sng" algn="ctr">
+                      <a:solidFill>
+                        <a:srgbClr val="000000"/>
+                      </a:solidFill>
+                      <a:prstDash val="solid"/>
+                      <a:round/>
+                      <a:headEnd type="none" w="med" len="med"/>
+                      <a:tailEnd type="none" w="med" len="med"/>
+                    </a:lnT>
+                    <a:lnB w="12700" cap="flat" cmpd="sng" algn="ctr">
+                      <a:solidFill>
+                        <a:srgbClr val="000000"/>
+                      </a:solidFill>
+                      <a:prstDash val="solid"/>
+                      <a:round/>
+                      <a:headEnd type="none" w="med" len="med"/>
+                      <a:tailEnd type="none" w="med" len="med"/>
+                    </a:lnB>
+                  </a:tcPr>
+                </a:tc>
+                <a:extLst>
+                  <a:ext uri="{0D108BD9-81ED-4DB2-BD59-A6C34878D82A}">
+                    <a16:rowId xmlns:a16="http://schemas.microsoft.com/office/drawing/2014/main" val="841849416"/>
+                  </a:ext>
+                </a:extLst>
+              </a:tr>
+              <a:tr h="1112543">
+                <a:tc>
+                  <a:txBody>
+                    <a:bodyPr/>
+                    <a:lstStyle/>
+                    <a:p>
+                      <a:pPr rtl="0" fontAlgn="t">
+                        <a:spcBef>
+                          <a:spcPts val="0"/>
+                        </a:spcBef>
+                        <a:spcAft>
+                          <a:spcPts val="0"/>
+                        </a:spcAft>
+                      </a:pPr>
+                      <a:r>
+                        <a:rPr lang="pt-PT" sz="1900" b="0" i="0" u="none" strike="noStrike" dirty="0">
+                          <a:solidFill>
+                            <a:srgbClr val="000000"/>
+                          </a:solidFill>
+                          <a:effectLst/>
+                          <a:latin typeface="Merriweather" panose="00000500000000000000" pitchFamily="2" charset="0"/>
+                        </a:rPr>
+                        <a:t>Parâmetros:</a:t>
+                      </a:r>
+                      <a:endParaRPr lang="pt-PT" sz="3100" dirty="0">
+                        <a:effectLst/>
+                      </a:endParaRPr>
+                    </a:p>
+                    <a:p>
+                      <a:pPr rtl="0" fontAlgn="t">
+                        <a:spcBef>
+                          <a:spcPts val="0"/>
+                        </a:spcBef>
+                        <a:spcAft>
+                          <a:spcPts val="0"/>
+                        </a:spcAft>
+                      </a:pPr>
+                      <a:r>
+                        <a:rPr lang="pt-PT" sz="1900" b="0" i="0" u="none" strike="noStrike" dirty="0" err="1">
+                          <a:solidFill>
+                            <a:srgbClr val="000000"/>
+                          </a:solidFill>
+                          <a:effectLst/>
+                          <a:latin typeface="Merriweather" panose="00000500000000000000" pitchFamily="2" charset="0"/>
+                        </a:rPr>
+                        <a:t>owner</a:t>
+                      </a:r>
+                      <a:r>
+                        <a:rPr lang="pt-PT" sz="1900" b="0" i="0" u="none" strike="noStrike" dirty="0">
+                          <a:solidFill>
+                            <a:srgbClr val="000000"/>
+                          </a:solidFill>
+                          <a:effectLst/>
+                          <a:latin typeface="Merriweather" panose="00000500000000000000" pitchFamily="2" charset="0"/>
+                        </a:rPr>
+                        <a:t> - inteiro positivo que corresponde ao id do </a:t>
+                      </a:r>
+                      <a:r>
+                        <a:rPr lang="pt-PT" sz="1900" b="0" i="0" u="none" strike="noStrike" dirty="0" err="1">
+                          <a:solidFill>
+                            <a:srgbClr val="000000"/>
+                          </a:solidFill>
+                          <a:effectLst/>
+                          <a:latin typeface="Merriweather" panose="00000500000000000000" pitchFamily="2" charset="0"/>
+                        </a:rPr>
+                        <a:t>user</a:t>
+                      </a:r>
+                      <a:r>
+                        <a:rPr lang="pt-PT" sz="1900" b="0" i="0" u="none" strike="noStrike" dirty="0">
+                          <a:solidFill>
+                            <a:srgbClr val="000000"/>
+                          </a:solidFill>
+                          <a:effectLst/>
+                          <a:latin typeface="Merriweather" panose="00000500000000000000" pitchFamily="2" charset="0"/>
+                        </a:rPr>
+                        <a:t>  </a:t>
+                      </a:r>
+                      <a:endParaRPr lang="pt-PT" sz="3100" dirty="0">
+                        <a:effectLst/>
+                      </a:endParaRPr>
+                    </a:p>
+                  </a:txBody>
+                  <a:tcPr marL="108573" marR="108573" marT="108573" marB="108573">
+                    <a:lnL w="12700" cap="flat" cmpd="sng" algn="ctr">
+                      <a:solidFill>
+                        <a:srgbClr val="000000"/>
+                      </a:solidFill>
+                      <a:prstDash val="solid"/>
+                      <a:round/>
+                      <a:headEnd type="none" w="med" len="med"/>
+                      <a:tailEnd type="none" w="med" len="med"/>
+                    </a:lnL>
+                    <a:lnR w="12700" cap="flat" cmpd="sng" algn="ctr">
+                      <a:solidFill>
+                        <a:srgbClr val="000000"/>
+                      </a:solidFill>
+                      <a:prstDash val="solid"/>
+                      <a:round/>
+                      <a:headEnd type="none" w="med" len="med"/>
+                      <a:tailEnd type="none" w="med" len="med"/>
+                    </a:lnR>
+                    <a:lnT w="12700" cap="flat" cmpd="sng" algn="ctr">
+                      <a:solidFill>
+                        <a:srgbClr val="000000"/>
+                      </a:solidFill>
+                      <a:prstDash val="solid"/>
+                      <a:round/>
+                      <a:headEnd type="none" w="med" len="med"/>
+                      <a:tailEnd type="none" w="med" len="med"/>
+                    </a:lnT>
+                    <a:lnB w="12700" cap="flat" cmpd="sng" algn="ctr">
+                      <a:solidFill>
+                        <a:srgbClr val="000000"/>
+                      </a:solidFill>
+                      <a:prstDash val="solid"/>
+                      <a:round/>
+                      <a:headEnd type="none" w="med" len="med"/>
+                      <a:tailEnd type="none" w="med" len="med"/>
+                    </a:lnB>
+                  </a:tcPr>
+                </a:tc>
+                <a:extLst>
+                  <a:ext uri="{0D108BD9-81ED-4DB2-BD59-A6C34878D82A}">
+                    <a16:rowId xmlns:a16="http://schemas.microsoft.com/office/drawing/2014/main" val="1164681319"/>
+                  </a:ext>
+                </a:extLst>
+              </a:tr>
+              <a:tr h="2879919">
+                <a:tc>
+                  <a:txBody>
+                    <a:bodyPr/>
+                    <a:lstStyle/>
+                    <a:p>
+                      <a:pPr rtl="0" fontAlgn="t">
+                        <a:spcBef>
+                          <a:spcPts val="0"/>
+                        </a:spcBef>
+                        <a:spcAft>
+                          <a:spcPts val="0"/>
+                        </a:spcAft>
+                      </a:pPr>
+                      <a:r>
+                        <a:rPr lang="pt-PT" sz="1900" b="0" i="0" u="none" strike="noStrike" dirty="0">
+                          <a:solidFill>
+                            <a:srgbClr val="000000"/>
+                          </a:solidFill>
+                          <a:effectLst/>
+                          <a:latin typeface="Merriweather" panose="00000500000000000000" pitchFamily="2" charset="0"/>
+                        </a:rPr>
+                        <a:t>Resultado:</a:t>
+                      </a:r>
+                      <a:endParaRPr lang="pt-PT" sz="3100" dirty="0">
+                        <a:effectLst/>
+                      </a:endParaRPr>
+                    </a:p>
+                    <a:p>
+                      <a:pPr rtl="0" fontAlgn="t">
+                        <a:spcBef>
+                          <a:spcPts val="0"/>
+                        </a:spcBef>
+                        <a:spcAft>
+                          <a:spcPts val="0"/>
+                        </a:spcAft>
+                      </a:pPr>
+                      <a:br>
+                        <a:rPr lang="pt-PT" sz="3100" dirty="0">
+                          <a:effectLst/>
+                        </a:rPr>
+                      </a:br>
+                      <a:r>
+                        <a:rPr lang="pt-PT" sz="1500" b="0" i="0" u="none" strike="noStrike" dirty="0">
+                          <a:solidFill>
+                            <a:srgbClr val="000000"/>
+                          </a:solidFill>
+                          <a:effectLst/>
+                          <a:latin typeface="Merriweather" panose="00000500000000000000" pitchFamily="2" charset="0"/>
+                        </a:rPr>
+                        <a:t>[{"</a:t>
+                      </a:r>
+                      <a:r>
+                        <a:rPr lang="pt-PT" sz="1500" b="0" i="0" u="none" strike="noStrike" dirty="0" err="1">
+                          <a:solidFill>
+                            <a:srgbClr val="000000"/>
+                          </a:solidFill>
+                          <a:effectLst/>
+                          <a:latin typeface="Merriweather" panose="00000500000000000000" pitchFamily="2" charset="0"/>
+                        </a:rPr>
+                        <a:t>gpName</a:t>
+                      </a:r>
+                      <a:r>
+                        <a:rPr lang="pt-PT" sz="1500" b="0" i="0" u="none" strike="noStrike" dirty="0">
+                          <a:solidFill>
+                            <a:srgbClr val="000000"/>
+                          </a:solidFill>
+                          <a:effectLst/>
+                          <a:latin typeface="Merriweather" panose="00000500000000000000" pitchFamily="2" charset="0"/>
+                        </a:rPr>
+                        <a:t>":"</a:t>
+                      </a:r>
+                      <a:r>
+                        <a:rPr lang="pt-PT" sz="1500" b="0" i="0" u="none" strike="noStrike" dirty="0" err="1">
+                          <a:solidFill>
+                            <a:srgbClr val="000000"/>
+                          </a:solidFill>
+                          <a:effectLst/>
+                          <a:latin typeface="Merriweather" panose="00000500000000000000" pitchFamily="2" charset="0"/>
+                        </a:rPr>
+                        <a:t>aniersario</a:t>
+                      </a:r>
+                      <a:r>
+                        <a:rPr lang="pt-PT" sz="1500" b="0" i="0" u="none" strike="noStrike" dirty="0">
+                          <a:solidFill>
+                            <a:srgbClr val="000000"/>
+                          </a:solidFill>
+                          <a:effectLst/>
+                          <a:latin typeface="Merriweather" panose="00000500000000000000" pitchFamily="2" charset="0"/>
+                        </a:rPr>
+                        <a:t> helio","</a:t>
+                      </a:r>
+                      <a:r>
+                        <a:rPr lang="pt-PT" sz="1500" b="0" i="0" u="none" strike="noStrike" dirty="0" err="1">
+                          <a:solidFill>
+                            <a:srgbClr val="000000"/>
+                          </a:solidFill>
+                          <a:effectLst/>
+                          <a:latin typeface="Merriweather" panose="00000500000000000000" pitchFamily="2" charset="0"/>
+                        </a:rPr>
+                        <a:t>friendsNm</a:t>
+                      </a:r>
+                      <a:r>
+                        <a:rPr lang="pt-PT" sz="1500" b="0" i="0" u="none" strike="noStrike" dirty="0">
+                          <a:solidFill>
+                            <a:srgbClr val="000000"/>
+                          </a:solidFill>
+                          <a:effectLst/>
+                          <a:latin typeface="Merriweather" panose="00000500000000000000" pitchFamily="2" charset="0"/>
+                        </a:rPr>
+                        <a:t>":"Ana Maria Fonseca","friends":2,"owner":1},{"</a:t>
+                      </a:r>
+                      <a:r>
+                        <a:rPr lang="pt-PT" sz="1500" b="0" i="0" u="none" strike="noStrike" dirty="0" err="1">
+                          <a:solidFill>
+                            <a:srgbClr val="000000"/>
+                          </a:solidFill>
+                          <a:effectLst/>
+                          <a:latin typeface="Merriweather" panose="00000500000000000000" pitchFamily="2" charset="0"/>
+                        </a:rPr>
+                        <a:t>gpName</a:t>
+                      </a:r>
+                      <a:r>
+                        <a:rPr lang="pt-PT" sz="1500" b="0" i="0" u="none" strike="noStrike" dirty="0">
+                          <a:solidFill>
+                            <a:srgbClr val="000000"/>
+                          </a:solidFill>
+                          <a:effectLst/>
+                          <a:latin typeface="Merriweather" panose="00000500000000000000" pitchFamily="2" charset="0"/>
+                        </a:rPr>
+                        <a:t>":"aniversario helio","</a:t>
+                      </a:r>
+                      <a:r>
+                        <a:rPr lang="pt-PT" sz="1500" b="0" i="0" u="none" strike="noStrike" dirty="0" err="1">
+                          <a:solidFill>
+                            <a:srgbClr val="000000"/>
+                          </a:solidFill>
+                          <a:effectLst/>
+                          <a:latin typeface="Merriweather" panose="00000500000000000000" pitchFamily="2" charset="0"/>
+                        </a:rPr>
+                        <a:t>friendsNm</a:t>
+                      </a:r>
+                      <a:r>
+                        <a:rPr lang="pt-PT" sz="1500" b="0" i="0" u="none" strike="noStrike" dirty="0">
+                          <a:solidFill>
+                            <a:srgbClr val="000000"/>
+                          </a:solidFill>
+                          <a:effectLst/>
+                          <a:latin typeface="Merriweather" panose="00000500000000000000" pitchFamily="2" charset="0"/>
+                        </a:rPr>
+                        <a:t>":"Paula Antunes","friends":3,"owner":1},{"</a:t>
+                      </a:r>
+                      <a:r>
+                        <a:rPr lang="pt-PT" sz="1500" b="0" i="0" u="none" strike="noStrike" dirty="0" err="1">
+                          <a:solidFill>
+                            <a:srgbClr val="000000"/>
+                          </a:solidFill>
+                          <a:effectLst/>
+                          <a:latin typeface="Merriweather" panose="00000500000000000000" pitchFamily="2" charset="0"/>
+                        </a:rPr>
+                        <a:t>gpName</a:t>
+                      </a:r>
+                      <a:r>
+                        <a:rPr lang="pt-PT" sz="1500" b="0" i="0" u="none" strike="noStrike" dirty="0">
+                          <a:solidFill>
+                            <a:srgbClr val="000000"/>
+                          </a:solidFill>
+                          <a:effectLst/>
+                          <a:latin typeface="Merriweather" panose="00000500000000000000" pitchFamily="2" charset="0"/>
+                        </a:rPr>
+                        <a:t>":"aniversario helio","</a:t>
+                      </a:r>
+                      <a:r>
+                        <a:rPr lang="pt-PT" sz="1500" b="0" i="0" u="none" strike="noStrike" dirty="0" err="1">
+                          <a:solidFill>
+                            <a:srgbClr val="000000"/>
+                          </a:solidFill>
+                          <a:effectLst/>
+                          <a:latin typeface="Merriweather" panose="00000500000000000000" pitchFamily="2" charset="0"/>
+                        </a:rPr>
+                        <a:t>friendsNm</a:t>
+                      </a:r>
+                      <a:r>
+                        <a:rPr lang="pt-PT" sz="1500" b="0" i="0" u="none" strike="noStrike" dirty="0">
+                          <a:solidFill>
+                            <a:srgbClr val="000000"/>
+                          </a:solidFill>
+                          <a:effectLst/>
+                          <a:latin typeface="Merriweather" panose="00000500000000000000" pitchFamily="2" charset="0"/>
+                        </a:rPr>
+                        <a:t>":"Cristiano Ronaldo","friends":10,"owner":1}]</a:t>
+                      </a:r>
+                      <a:endParaRPr lang="pt-PT" sz="3100" dirty="0">
+                        <a:effectLst/>
+                      </a:endParaRPr>
+                    </a:p>
+                  </a:txBody>
+                  <a:tcPr marL="108573" marR="108573" marT="108573" marB="108573">
+                    <a:lnL w="12700" cap="flat" cmpd="sng" algn="ctr">
+                      <a:solidFill>
+                        <a:srgbClr val="000000"/>
+                      </a:solidFill>
+                      <a:prstDash val="solid"/>
+                      <a:round/>
+                      <a:headEnd type="none" w="med" len="med"/>
+                      <a:tailEnd type="none" w="med" len="med"/>
+                    </a:lnL>
+                    <a:lnR w="12700" cap="flat" cmpd="sng" algn="ctr">
+                      <a:solidFill>
+                        <a:srgbClr val="000000"/>
+                      </a:solidFill>
+                      <a:prstDash val="solid"/>
+                      <a:round/>
+                      <a:headEnd type="none" w="med" len="med"/>
+                      <a:tailEnd type="none" w="med" len="med"/>
+                    </a:lnR>
+                    <a:lnT w="12700" cap="flat" cmpd="sng" algn="ctr">
+                      <a:solidFill>
+                        <a:srgbClr val="000000"/>
+                      </a:solidFill>
+                      <a:prstDash val="solid"/>
+                      <a:round/>
+                      <a:headEnd type="none" w="med" len="med"/>
+                      <a:tailEnd type="none" w="med" len="med"/>
+                    </a:lnT>
+                    <a:lnB w="12700" cap="flat" cmpd="sng" algn="ctr">
+                      <a:solidFill>
+                        <a:srgbClr val="000000"/>
+                      </a:solidFill>
+                      <a:prstDash val="solid"/>
+                      <a:round/>
+                      <a:headEnd type="none" w="med" len="med"/>
+                      <a:tailEnd type="none" w="med" len="med"/>
+                    </a:lnB>
+                  </a:tcPr>
+                </a:tc>
+                <a:extLst>
+                  <a:ext uri="{0D108BD9-81ED-4DB2-BD59-A6C34878D82A}">
+                    <a16:rowId xmlns:a16="http://schemas.microsoft.com/office/drawing/2014/main" val="556209745"/>
+                  </a:ext>
+                </a:extLst>
+              </a:tr>
+            </a:tbl>
+          </a:graphicData>
+        </a:graphic>
+      </p:graphicFrame>
+    </p:spTree>
+    <p:extLst>
+      <p:ext uri="{BB962C8B-B14F-4D97-AF65-F5344CB8AC3E}">
+        <p14:creationId xmlns:p14="http://schemas.microsoft.com/office/powerpoint/2010/main" val="3962392063"/>
+      </p:ext>
+    </p:extLst>
+  </p:cSld>
+  <p:clrMapOvr>
+    <a:masterClrMapping/>
+  </p:clrMapOvr>
+</p:sld>
+</file>
+
+<file path=ppt/slides/slide9.xml><?xml version="1.0" encoding="utf-8"?>
 <p:sld xmlns:a="http://schemas.openxmlformats.org/drawingml/2006/main" xmlns:r="http://schemas.openxmlformats.org/officeDocument/2006/relationships" xmlns:p="http://schemas.openxmlformats.org/presentationml/2006/main">
   <p:cSld>
     <p:spTree>
@@ -10657,264 +11886,6 @@
     <p:extLst>
       <p:ext uri="{BB962C8B-B14F-4D97-AF65-F5344CB8AC3E}">
         <p14:creationId xmlns:p14="http://schemas.microsoft.com/office/powerpoint/2010/main" val="2591545204"/>
-      </p:ext>
-    </p:extLst>
-  </p:cSld>
-  <p:clrMapOvr>
-    <a:masterClrMapping/>
-  </p:clrMapOvr>
-</p:sld>
-</file>
-
-<file path=ppt/slides/slide8.xml><?xml version="1.0" encoding="utf-8"?>
-<p:sld xmlns:a="http://schemas.openxmlformats.org/drawingml/2006/main" xmlns:r="http://schemas.openxmlformats.org/officeDocument/2006/relationships" xmlns:p="http://schemas.openxmlformats.org/presentationml/2006/main">
-  <p:cSld>
-    <p:spTree>
-      <p:nvGrpSpPr>
-        <p:cNvPr id="1" name=""/>
-        <p:cNvGrpSpPr/>
-        <p:nvPr/>
-      </p:nvGrpSpPr>
-      <p:grpSpPr>
-        <a:xfrm>
-          <a:off x="0" y="0"/>
-          <a:ext cx="0" cy="0"/>
-          <a:chOff x="0" y="0"/>
-          <a:chExt cx="0" cy="0"/>
-        </a:xfrm>
-      </p:grpSpPr>
-      <p:sp>
-        <p:nvSpPr>
-          <p:cNvPr id="2" name="Título 1">
-            <a:extLst>
-              <a:ext uri="{FF2B5EF4-FFF2-40B4-BE49-F238E27FC236}">
-                <a16:creationId xmlns:a16="http://schemas.microsoft.com/office/drawing/2014/main" id="{DFE134D2-1247-4CA3-B831-2F62056BD57E}"/>
-              </a:ext>
-            </a:extLst>
-          </p:cNvPr>
-          <p:cNvSpPr>
-            <a:spLocks noGrp="1"/>
-          </p:cNvSpPr>
-          <p:nvPr>
-            <p:ph type="title"/>
-          </p:nvPr>
-        </p:nvSpPr>
-        <p:spPr>
-          <a:xfrm>
-            <a:off x="666186" y="4080696"/>
-            <a:ext cx="5318979" cy="567197"/>
-          </a:xfrm>
-        </p:spPr>
-        <p:txBody>
-          <a:bodyPr vert="horz" lIns="91440" tIns="45720" rIns="91440" bIns="45720" rtlCol="0" anchor="t">
-            <a:normAutofit fontScale="90000"/>
-          </a:bodyPr>
-          <a:lstStyle/>
-          <a:p>
-            <a:r>
-              <a:rPr lang="en-US" sz="3600" b="1" dirty="0">
-                <a:solidFill>
-                  <a:schemeClr val="tx1"/>
-                </a:solidFill>
-              </a:rPr>
-              <a:t>Heroku – Custom Queries</a:t>
-            </a:r>
-          </a:p>
-        </p:txBody>
-      </p:sp>
-      <p:pic>
-        <p:nvPicPr>
-          <p:cNvPr id="4" name="Imagem 3" descr="Uma imagem com texto&#10;&#10;Descrição gerada automaticamente">
-            <a:extLst>
-              <a:ext uri="{FF2B5EF4-FFF2-40B4-BE49-F238E27FC236}">
-                <a16:creationId xmlns:a16="http://schemas.microsoft.com/office/drawing/2014/main" id="{2257A611-142D-4ACF-BF24-BE12A1DF8E6D}"/>
-              </a:ext>
-            </a:extLst>
-          </p:cNvPr>
-          <p:cNvPicPr>
-            <a:picLocks noChangeAspect="1"/>
-          </p:cNvPicPr>
-          <p:nvPr/>
-        </p:nvPicPr>
-        <p:blipFill>
-          <a:blip r:embed="rId2"/>
-          <a:stretch>
-            <a:fillRect/>
-          </a:stretch>
-        </p:blipFill>
-        <p:spPr>
-          <a:xfrm>
-            <a:off x="3602368" y="153076"/>
-            <a:ext cx="7811590" cy="2210108"/>
-          </a:xfrm>
-          <a:prstGeom prst="rect">
-            <a:avLst/>
-          </a:prstGeom>
-        </p:spPr>
-      </p:pic>
-      <p:pic>
-        <p:nvPicPr>
-          <p:cNvPr id="8" name="Imagem 7" descr="Uma imagem com texto&#10;&#10;Descrição gerada automaticamente">
-            <a:extLst>
-              <a:ext uri="{FF2B5EF4-FFF2-40B4-BE49-F238E27FC236}">
-                <a16:creationId xmlns:a16="http://schemas.microsoft.com/office/drawing/2014/main" id="{E4C4EAD5-DE4E-4B15-98A3-171C1B4826EA}"/>
-              </a:ext>
-            </a:extLst>
-          </p:cNvPr>
-          <p:cNvPicPr>
-            <a:picLocks noChangeAspect="1"/>
-          </p:cNvPicPr>
-          <p:nvPr/>
-        </p:nvPicPr>
-        <p:blipFill>
-          <a:blip r:embed="rId3"/>
-          <a:stretch>
-            <a:fillRect/>
-          </a:stretch>
-        </p:blipFill>
-        <p:spPr>
-          <a:xfrm>
-            <a:off x="7060425" y="2363184"/>
-            <a:ext cx="4353533" cy="3724795"/>
-          </a:xfrm>
-          <a:prstGeom prst="rect">
-            <a:avLst/>
-          </a:prstGeom>
-        </p:spPr>
-      </p:pic>
-    </p:spTree>
-    <p:extLst>
-      <p:ext uri="{BB962C8B-B14F-4D97-AF65-F5344CB8AC3E}">
-        <p14:creationId xmlns:p14="http://schemas.microsoft.com/office/powerpoint/2010/main" val="2060116962"/>
-      </p:ext>
-    </p:extLst>
-  </p:cSld>
-  <p:clrMapOvr>
-    <a:masterClrMapping/>
-  </p:clrMapOvr>
-</p:sld>
-</file>
-
-<file path=ppt/slides/slide9.xml><?xml version="1.0" encoding="utf-8"?>
-<p:sld xmlns:a="http://schemas.openxmlformats.org/drawingml/2006/main" xmlns:r="http://schemas.openxmlformats.org/officeDocument/2006/relationships" xmlns:p="http://schemas.openxmlformats.org/presentationml/2006/main">
-  <p:cSld>
-    <p:spTree>
-      <p:nvGrpSpPr>
-        <p:cNvPr id="1" name=""/>
-        <p:cNvGrpSpPr/>
-        <p:nvPr/>
-      </p:nvGrpSpPr>
-      <p:grpSpPr>
-        <a:xfrm>
-          <a:off x="0" y="0"/>
-          <a:ext cx="0" cy="0"/>
-          <a:chOff x="0" y="0"/>
-          <a:chExt cx="0" cy="0"/>
-        </a:xfrm>
-      </p:grpSpPr>
-      <p:sp>
-        <p:nvSpPr>
-          <p:cNvPr id="2" name="Título 1">
-            <a:extLst>
-              <a:ext uri="{FF2B5EF4-FFF2-40B4-BE49-F238E27FC236}">
-                <a16:creationId xmlns:a16="http://schemas.microsoft.com/office/drawing/2014/main" id="{DFE134D2-1247-4CA3-B831-2F62056BD57E}"/>
-              </a:ext>
-            </a:extLst>
-          </p:cNvPr>
-          <p:cNvSpPr>
-            <a:spLocks noGrp="1"/>
-          </p:cNvSpPr>
-          <p:nvPr>
-            <p:ph type="title"/>
-          </p:nvPr>
-        </p:nvSpPr>
-        <p:spPr>
-          <a:xfrm>
-            <a:off x="0" y="0"/>
-            <a:ext cx="5229526" cy="547318"/>
-          </a:xfrm>
-        </p:spPr>
-        <p:txBody>
-          <a:bodyPr vert="horz" lIns="91440" tIns="45720" rIns="91440" bIns="45720" rtlCol="0" anchor="t">
-            <a:normAutofit fontScale="90000"/>
-          </a:bodyPr>
-          <a:lstStyle/>
-          <a:p>
-            <a:r>
-              <a:rPr lang="en-US" sz="3600" b="1" dirty="0">
-                <a:solidFill>
-                  <a:schemeClr val="tx1"/>
-                </a:solidFill>
-              </a:rPr>
-              <a:t>Heroku – Custom Queries</a:t>
-            </a:r>
-          </a:p>
-        </p:txBody>
-      </p:sp>
-      <p:pic>
-        <p:nvPicPr>
-          <p:cNvPr id="6" name="Imagem 5">
-            <a:extLst>
-              <a:ext uri="{FF2B5EF4-FFF2-40B4-BE49-F238E27FC236}">
-                <a16:creationId xmlns:a16="http://schemas.microsoft.com/office/drawing/2014/main" id="{D4E3DF63-71A4-4DAA-B887-01C3B8DA309E}"/>
-              </a:ext>
-            </a:extLst>
-          </p:cNvPr>
-          <p:cNvPicPr>
-            <a:picLocks noChangeAspect="1"/>
-          </p:cNvPicPr>
-          <p:nvPr/>
-        </p:nvPicPr>
-        <p:blipFill>
-          <a:blip r:embed="rId2"/>
-          <a:stretch>
-            <a:fillRect/>
-          </a:stretch>
-        </p:blipFill>
-        <p:spPr>
-          <a:xfrm>
-            <a:off x="2009968" y="1673737"/>
-            <a:ext cx="9436963" cy="2063532"/>
-          </a:xfrm>
-          <a:prstGeom prst="rect">
-            <a:avLst/>
-          </a:prstGeom>
-        </p:spPr>
-      </p:pic>
-      <p:pic>
-        <p:nvPicPr>
-          <p:cNvPr id="5" name="Imagem 4" descr="Uma imagem com mesa&#10;&#10;Descrição gerada automaticamente">
-            <a:extLst>
-              <a:ext uri="{FF2B5EF4-FFF2-40B4-BE49-F238E27FC236}">
-                <a16:creationId xmlns:a16="http://schemas.microsoft.com/office/drawing/2014/main" id="{8C448779-847B-4F5D-8EB1-F198D96019EF}"/>
-              </a:ext>
-            </a:extLst>
-          </p:cNvPr>
-          <p:cNvPicPr>
-            <a:picLocks noChangeAspect="1"/>
-          </p:cNvPicPr>
-          <p:nvPr/>
-        </p:nvPicPr>
-        <p:blipFill>
-          <a:blip r:embed="rId3"/>
-          <a:stretch>
-            <a:fillRect/>
-          </a:stretch>
-        </p:blipFill>
-        <p:spPr>
-          <a:xfrm>
-            <a:off x="91546" y="2994783"/>
-            <a:ext cx="11355385" cy="3105583"/>
-          </a:xfrm>
-          <a:prstGeom prst="rect">
-            <a:avLst/>
-          </a:prstGeom>
-        </p:spPr>
-      </p:pic>
-    </p:spTree>
-    <p:extLst>
-      <p:ext uri="{BB962C8B-B14F-4D97-AF65-F5344CB8AC3E}">
-        <p14:creationId xmlns:p14="http://schemas.microsoft.com/office/powerpoint/2010/main" val="3122458714"/>
       </p:ext>
     </p:extLst>
   </p:cSld>

--- a/Relatorios-Progresso/FRIEND’S_3rdDelivery.pptx
+++ b/Relatorios-Progresso/FRIEND’S_3rdDelivery.pptx
@@ -7561,7 +7561,7 @@
         </p:nvSpPr>
         <p:spPr>
           <a:xfrm>
-            <a:off x="666186" y="4080696"/>
+            <a:off x="0" y="5606418"/>
             <a:ext cx="5318979" cy="567197"/>
           </a:xfrm>
         </p:spPr>
@@ -7582,12 +7582,388 @@
           </a:p>
         </p:txBody>
       </p:sp>
+      <p:sp>
+        <p:nvSpPr>
+          <p:cNvPr id="6" name="CaixaDeTexto 5">
+            <a:extLst>
+              <a:ext uri="{FF2B5EF4-FFF2-40B4-BE49-F238E27FC236}">
+                <a16:creationId xmlns:a16="http://schemas.microsoft.com/office/drawing/2014/main" id="{436B44CB-E9E5-4058-877C-AC4851D4EFD1}"/>
+              </a:ext>
+            </a:extLst>
+          </p:cNvPr>
+          <p:cNvSpPr txBox="1"/>
+          <p:nvPr/>
+        </p:nvSpPr>
+        <p:spPr>
+          <a:xfrm>
+            <a:off x="2772" y="0"/>
+            <a:ext cx="12189228" cy="5324535"/>
+          </a:xfrm>
+          <a:prstGeom prst="rect">
+            <a:avLst/>
+          </a:prstGeom>
+          <a:noFill/>
+        </p:spPr>
+        <p:txBody>
+          <a:bodyPr wrap="square">
+            <a:spAutoFit/>
+          </a:bodyPr>
+          <a:lstStyle/>
+          <a:p>
+            <a:r>
+              <a:rPr lang="pt-PT" sz="2000" b="1" dirty="0">
+                <a:effectLst/>
+                <a:latin typeface="Consolas" panose="020B0609020204030204" pitchFamily="49" charset="0"/>
+              </a:rPr>
+              <a:t>	SELECT </a:t>
+            </a:r>
+            <a:r>
+              <a:rPr lang="pt-PT" sz="2000" b="1" dirty="0" err="1">
+                <a:effectLst/>
+                <a:latin typeface="Consolas" panose="020B0609020204030204" pitchFamily="49" charset="0"/>
+              </a:rPr>
+              <a:t>infospot.spot_name</a:t>
+            </a:r>
+            <a:r>
+              <a:rPr lang="pt-PT" sz="2000" b="1" dirty="0">
+                <a:effectLst/>
+                <a:latin typeface="Consolas" panose="020B0609020204030204" pitchFamily="49" charset="0"/>
+              </a:rPr>
+              <a:t> AS </a:t>
+            </a:r>
+            <a:r>
+              <a:rPr lang="pt-PT" sz="2000" b="1" dirty="0" err="1">
+                <a:effectLst/>
+                <a:latin typeface="Consolas" panose="020B0609020204030204" pitchFamily="49" charset="0"/>
+              </a:rPr>
+              <a:t>sptName</a:t>
+            </a:r>
+            <a:r>
+              <a:rPr lang="pt-PT" sz="2000" b="1" dirty="0">
+                <a:effectLst/>
+                <a:latin typeface="Consolas" panose="020B0609020204030204" pitchFamily="49" charset="0"/>
+              </a:rPr>
+              <a:t>, </a:t>
+            </a:r>
+            <a:r>
+              <a:rPr lang="pt-PT" sz="2000" b="1" dirty="0" err="1">
+                <a:effectLst/>
+                <a:latin typeface="Consolas" panose="020B0609020204030204" pitchFamily="49" charset="0"/>
+              </a:rPr>
+              <a:t>infospot.spot_lat</a:t>
+            </a:r>
+            <a:r>
+              <a:rPr lang="pt-PT" sz="2000" b="1" dirty="0">
+                <a:effectLst/>
+                <a:latin typeface="Consolas" panose="020B0609020204030204" pitchFamily="49" charset="0"/>
+              </a:rPr>
+              <a:t> AS </a:t>
+            </a:r>
+            <a:r>
+              <a:rPr lang="pt-PT" sz="2000" b="1" dirty="0" err="1">
+                <a:effectLst/>
+                <a:latin typeface="Consolas" panose="020B0609020204030204" pitchFamily="49" charset="0"/>
+              </a:rPr>
+              <a:t>lat</a:t>
+            </a:r>
+            <a:r>
+              <a:rPr lang="pt-PT" sz="2000" b="1" dirty="0">
+                <a:effectLst/>
+                <a:latin typeface="Consolas" panose="020B0609020204030204" pitchFamily="49" charset="0"/>
+              </a:rPr>
+              <a:t>, </a:t>
+            </a:r>
+            <a:r>
+              <a:rPr lang="pt-PT" sz="2000" b="1" dirty="0" err="1">
+                <a:effectLst/>
+                <a:latin typeface="Consolas" panose="020B0609020204030204" pitchFamily="49" charset="0"/>
+              </a:rPr>
+              <a:t>infospot.spot_long</a:t>
+            </a:r>
+            <a:r>
+              <a:rPr lang="pt-PT" sz="2000" b="1" dirty="0">
+                <a:effectLst/>
+                <a:latin typeface="Consolas" panose="020B0609020204030204" pitchFamily="49" charset="0"/>
+              </a:rPr>
+              <a:t> AS </a:t>
+            </a:r>
+            <a:r>
+              <a:rPr lang="pt-PT" sz="2000" b="1" dirty="0" err="1">
+                <a:effectLst/>
+                <a:latin typeface="Consolas" panose="020B0609020204030204" pitchFamily="49" charset="0"/>
+              </a:rPr>
+              <a:t>long</a:t>
+            </a:r>
+            <a:r>
+              <a:rPr lang="pt-PT" sz="2000" b="1" dirty="0">
+                <a:effectLst/>
+                <a:latin typeface="Consolas" panose="020B0609020204030204" pitchFamily="49" charset="0"/>
+              </a:rPr>
+              <a:t> FROM </a:t>
+            </a:r>
+            <a:r>
+              <a:rPr lang="pt-PT" sz="2000" b="1" dirty="0" err="1">
+                <a:effectLst/>
+                <a:latin typeface="Consolas" panose="020B0609020204030204" pitchFamily="49" charset="0"/>
+              </a:rPr>
+              <a:t>infospot</a:t>
+            </a:r>
+            <a:endParaRPr lang="pt-PT" sz="2000" b="1" dirty="0">
+              <a:effectLst/>
+              <a:latin typeface="Consolas" panose="020B0609020204030204" pitchFamily="49" charset="0"/>
+            </a:endParaRPr>
+          </a:p>
+          <a:p>
+            <a:r>
+              <a:rPr lang="en-US" sz="2000" b="1" dirty="0">
+                <a:effectLst/>
+                <a:latin typeface="Consolas" panose="020B0609020204030204" pitchFamily="49" charset="0"/>
+              </a:rPr>
+              <a:t>WHERE </a:t>
+            </a:r>
+            <a:r>
+              <a:rPr lang="en-US" sz="2000" b="1" dirty="0" err="1">
+                <a:effectLst/>
+                <a:latin typeface="Consolas" panose="020B0609020204030204" pitchFamily="49" charset="0"/>
+              </a:rPr>
+              <a:t>infospot.spot_id</a:t>
+            </a:r>
+            <a:r>
+              <a:rPr lang="en-US" sz="2000" b="1" dirty="0">
+                <a:effectLst/>
+                <a:latin typeface="Consolas" panose="020B0609020204030204" pitchFamily="49" charset="0"/>
+              </a:rPr>
+              <a:t> = 4</a:t>
+            </a:r>
+            <a:endParaRPr lang="pt-PT" sz="2000" b="1" dirty="0">
+              <a:effectLst/>
+              <a:latin typeface="Consolas" panose="020B0609020204030204" pitchFamily="49" charset="0"/>
+            </a:endParaRPr>
+          </a:p>
+          <a:p>
+            <a:endParaRPr lang="pt-PT" sz="2000" b="1" dirty="0">
+              <a:effectLst/>
+              <a:latin typeface="Consolas" panose="020B0609020204030204" pitchFamily="49" charset="0"/>
+            </a:endParaRPr>
+          </a:p>
+          <a:p>
+            <a:endParaRPr lang="pt-PT" sz="2000" b="1" dirty="0">
+              <a:effectLst/>
+              <a:latin typeface="Consolas" panose="020B0609020204030204" pitchFamily="49" charset="0"/>
+            </a:endParaRPr>
+          </a:p>
+          <a:p>
+            <a:endParaRPr lang="pt-PT" sz="2000" b="1" dirty="0">
+              <a:latin typeface="Consolas" panose="020B0609020204030204" pitchFamily="49" charset="0"/>
+            </a:endParaRPr>
+          </a:p>
+          <a:p>
+            <a:r>
+              <a:rPr lang="pt-PT" sz="2000" b="1" dirty="0">
+                <a:latin typeface="Consolas" panose="020B0609020204030204" pitchFamily="49" charset="0"/>
+              </a:rPr>
+              <a:t>	</a:t>
+            </a:r>
+          </a:p>
+          <a:p>
+            <a:r>
+              <a:rPr lang="pt-PT" sz="2000" b="1" dirty="0">
+                <a:effectLst/>
+                <a:latin typeface="Consolas" panose="020B0609020204030204" pitchFamily="49" charset="0"/>
+              </a:rPr>
+              <a:t>SELECT </a:t>
+            </a:r>
+            <a:r>
+              <a:rPr lang="pt-PT" sz="2000" b="1" dirty="0" err="1">
+                <a:effectLst/>
+                <a:latin typeface="Consolas" panose="020B0609020204030204" pitchFamily="49" charset="0"/>
+              </a:rPr>
+              <a:t>spot_name</a:t>
+            </a:r>
+            <a:r>
+              <a:rPr lang="pt-PT" sz="2000" b="1" dirty="0">
+                <a:effectLst/>
+                <a:latin typeface="Consolas" panose="020B0609020204030204" pitchFamily="49" charset="0"/>
+              </a:rPr>
+              <a:t> AS </a:t>
+            </a:r>
+            <a:r>
+              <a:rPr lang="pt-PT" sz="2000" b="1" dirty="0" err="1">
+                <a:effectLst/>
+                <a:latin typeface="Consolas" panose="020B0609020204030204" pitchFamily="49" charset="0"/>
+              </a:rPr>
+              <a:t>sptName</a:t>
+            </a:r>
+            <a:r>
+              <a:rPr lang="pt-PT" sz="2000" b="1" dirty="0">
+                <a:effectLst/>
+                <a:latin typeface="Consolas" panose="020B0609020204030204" pitchFamily="49" charset="0"/>
+              </a:rPr>
+              <a:t>, </a:t>
+            </a:r>
+            <a:r>
+              <a:rPr lang="pt-PT" sz="2000" b="1" dirty="0" err="1">
+                <a:effectLst/>
+                <a:latin typeface="Consolas" panose="020B0609020204030204" pitchFamily="49" charset="0"/>
+              </a:rPr>
+              <a:t>spot_address</a:t>
+            </a:r>
+            <a:r>
+              <a:rPr lang="pt-PT" sz="2000" b="1" dirty="0">
+                <a:effectLst/>
+                <a:latin typeface="Consolas" panose="020B0609020204030204" pitchFamily="49" charset="0"/>
+              </a:rPr>
+              <a:t> AS </a:t>
+            </a:r>
+            <a:r>
+              <a:rPr lang="pt-PT" sz="2000" b="1" dirty="0" err="1">
+                <a:effectLst/>
+                <a:latin typeface="Consolas" panose="020B0609020204030204" pitchFamily="49" charset="0"/>
+              </a:rPr>
+              <a:t>sptAddress</a:t>
+            </a:r>
+            <a:r>
+              <a:rPr lang="pt-PT" sz="2000" b="1" dirty="0">
+                <a:effectLst/>
+                <a:latin typeface="Consolas" panose="020B0609020204030204" pitchFamily="49" charset="0"/>
+              </a:rPr>
+              <a:t>, </a:t>
+            </a:r>
+            <a:r>
+              <a:rPr lang="pt-PT" sz="2000" b="1" dirty="0" err="1">
+                <a:effectLst/>
+                <a:latin typeface="Consolas" panose="020B0609020204030204" pitchFamily="49" charset="0"/>
+              </a:rPr>
+              <a:t>contact_info</a:t>
+            </a:r>
+            <a:r>
+              <a:rPr lang="pt-PT" sz="2000" b="1" dirty="0">
+                <a:effectLst/>
+                <a:latin typeface="Consolas" panose="020B0609020204030204" pitchFamily="49" charset="0"/>
+              </a:rPr>
+              <a:t> AS </a:t>
+            </a:r>
+            <a:r>
+              <a:rPr lang="pt-PT" sz="2000" b="1" dirty="0" err="1">
+                <a:effectLst/>
+                <a:latin typeface="Consolas" panose="020B0609020204030204" pitchFamily="49" charset="0"/>
+              </a:rPr>
+              <a:t>sptContactInfo</a:t>
+            </a:r>
+            <a:r>
+              <a:rPr lang="pt-PT" sz="2000" b="1" dirty="0">
+                <a:effectLst/>
+                <a:latin typeface="Consolas" panose="020B0609020204030204" pitchFamily="49" charset="0"/>
+              </a:rPr>
+              <a:t> FROM </a:t>
+            </a:r>
+            <a:r>
+              <a:rPr lang="pt-PT" sz="2000" b="1" dirty="0" err="1">
+                <a:effectLst/>
+                <a:latin typeface="Consolas" panose="020B0609020204030204" pitchFamily="49" charset="0"/>
+              </a:rPr>
+              <a:t>infospot</a:t>
+            </a:r>
+            <a:endParaRPr lang="pt-PT" sz="2000" b="1" dirty="0">
+              <a:effectLst/>
+              <a:latin typeface="Consolas" panose="020B0609020204030204" pitchFamily="49" charset="0"/>
+            </a:endParaRPr>
+          </a:p>
+          <a:p>
+            <a:r>
+              <a:rPr lang="en-US" sz="2000" b="1" dirty="0">
+                <a:effectLst/>
+                <a:latin typeface="Consolas" panose="020B0609020204030204" pitchFamily="49" charset="0"/>
+              </a:rPr>
+              <a:t>WHERE </a:t>
+            </a:r>
+            <a:r>
+              <a:rPr lang="en-US" sz="2000" b="1" dirty="0" err="1">
+                <a:effectLst/>
+                <a:latin typeface="Consolas" panose="020B0609020204030204" pitchFamily="49" charset="0"/>
+              </a:rPr>
+              <a:t>infospot.spot_name</a:t>
+            </a:r>
+            <a:r>
+              <a:rPr lang="en-US" sz="2000" b="1" dirty="0">
+                <a:effectLst/>
+                <a:latin typeface="Consolas" panose="020B0609020204030204" pitchFamily="49" charset="0"/>
+              </a:rPr>
+              <a:t> ='</a:t>
+            </a:r>
+            <a:r>
+              <a:rPr lang="en-US" sz="2000" b="1" dirty="0" err="1">
+                <a:effectLst/>
+                <a:latin typeface="Consolas" panose="020B0609020204030204" pitchFamily="49" charset="0"/>
+              </a:rPr>
+              <a:t>Epur</a:t>
+            </a:r>
+            <a:r>
+              <a:rPr lang="en-US" sz="2000" b="1" dirty="0">
+                <a:effectLst/>
+                <a:latin typeface="Consolas" panose="020B0609020204030204" pitchFamily="49" charset="0"/>
+              </a:rPr>
+              <a:t>’</a:t>
+            </a:r>
+          </a:p>
+          <a:p>
+            <a:endParaRPr lang="en-US" sz="2000" b="1" dirty="0">
+              <a:effectLst/>
+              <a:latin typeface="Consolas" panose="020B0609020204030204" pitchFamily="49" charset="0"/>
+            </a:endParaRPr>
+          </a:p>
+          <a:p>
+            <a:endParaRPr lang="en-US" sz="2000" b="1" dirty="0">
+              <a:latin typeface="Consolas" panose="020B0609020204030204" pitchFamily="49" charset="0"/>
+            </a:endParaRPr>
+          </a:p>
+          <a:p>
+            <a:endParaRPr lang="en-US" sz="2000" b="1" dirty="0">
+              <a:effectLst/>
+              <a:latin typeface="Consolas" panose="020B0609020204030204" pitchFamily="49" charset="0"/>
+            </a:endParaRPr>
+          </a:p>
+          <a:p>
+            <a:endParaRPr lang="pt-PT" sz="2000" b="1" dirty="0">
+              <a:effectLst/>
+              <a:latin typeface="Consolas" panose="020B0609020204030204" pitchFamily="49" charset="0"/>
+            </a:endParaRPr>
+          </a:p>
+          <a:p>
+            <a:r>
+              <a:rPr lang="pt-PT" sz="2000" b="1" dirty="0">
+                <a:effectLst/>
+                <a:latin typeface="Consolas" panose="020B0609020204030204" pitchFamily="49" charset="0"/>
+              </a:rPr>
+              <a:t>	</a:t>
+            </a:r>
+          </a:p>
+          <a:p>
+            <a:endParaRPr lang="pt-PT" sz="2000" b="1" dirty="0">
+              <a:effectLst/>
+              <a:latin typeface="Consolas" panose="020B0609020204030204" pitchFamily="49" charset="0"/>
+            </a:endParaRPr>
+          </a:p>
+          <a:p>
+            <a:r>
+              <a:rPr lang="pt-PT" sz="2000" b="1" dirty="0">
+                <a:latin typeface="Consolas" panose="020B0609020204030204" pitchFamily="49" charset="0"/>
+              </a:rPr>
+              <a:t>	</a:t>
+            </a:r>
+            <a:endParaRPr lang="pt-PT" sz="2000" b="1" dirty="0">
+              <a:effectLst/>
+              <a:latin typeface="Consolas" panose="020B0609020204030204" pitchFamily="49" charset="0"/>
+            </a:endParaRPr>
+          </a:p>
+        </p:txBody>
+      </p:sp>
       <p:pic>
         <p:nvPicPr>
-          <p:cNvPr id="4" name="Imagem 3" descr="Uma imagem com texto&#10;&#10;Descrição gerada automaticamente">
+          <p:cNvPr id="7" name="Imagem 6">
             <a:extLst>
               <a:ext uri="{FF2B5EF4-FFF2-40B4-BE49-F238E27FC236}">
-                <a16:creationId xmlns:a16="http://schemas.microsoft.com/office/drawing/2014/main" id="{2257A611-142D-4ACF-BF24-BE12A1DF8E6D}"/>
+                <a16:creationId xmlns:a16="http://schemas.microsoft.com/office/drawing/2014/main" id="{9A629B18-06ED-467B-ACBA-6701E40451D3}"/>
               </a:ext>
             </a:extLst>
           </p:cNvPr>
@@ -7604,8 +7980,8 @@
         </p:blipFill>
         <p:spPr>
           <a:xfrm>
-            <a:off x="3602368" y="153076"/>
-            <a:ext cx="7811590" cy="2210108"/>
+            <a:off x="3890356" y="684385"/>
+            <a:ext cx="7564583" cy="1292511"/>
           </a:xfrm>
           <a:prstGeom prst="rect">
             <a:avLst/>
@@ -7614,10 +7990,10 @@
       </p:pic>
       <p:pic>
         <p:nvPicPr>
-          <p:cNvPr id="8" name="Imagem 7" descr="Uma imagem com texto&#10;&#10;Descrição gerada automaticamente">
+          <p:cNvPr id="10" name="Imagem 9">
             <a:extLst>
               <a:ext uri="{FF2B5EF4-FFF2-40B4-BE49-F238E27FC236}">
-                <a16:creationId xmlns:a16="http://schemas.microsoft.com/office/drawing/2014/main" id="{E4C4EAD5-DE4E-4B15-98A3-171C1B4826EA}"/>
+                <a16:creationId xmlns:a16="http://schemas.microsoft.com/office/drawing/2014/main" id="{6BF7231D-64F6-41C6-AC8D-9C9350B7906A}"/>
               </a:ext>
             </a:extLst>
           </p:cNvPr>
@@ -7634,8 +8010,8 @@
         </p:blipFill>
         <p:spPr>
           <a:xfrm>
-            <a:off x="7060425" y="2363184"/>
-            <a:ext cx="4353533" cy="3724795"/>
+            <a:off x="3890355" y="3429000"/>
+            <a:ext cx="7564583" cy="1237611"/>
           </a:xfrm>
           <a:prstGeom prst="rect">
             <a:avLst/>
@@ -7690,7 +8066,7 @@
         </p:nvSpPr>
         <p:spPr>
           <a:xfrm>
-            <a:off x="0" y="0"/>
+            <a:off x="0" y="6100365"/>
             <a:ext cx="5229526" cy="547318"/>
           </a:xfrm>
         </p:spPr>
@@ -7711,12 +8087,274 @@
           </a:p>
         </p:txBody>
       </p:sp>
+      <p:sp>
+        <p:nvSpPr>
+          <p:cNvPr id="7" name="CaixaDeTexto 6">
+            <a:extLst>
+              <a:ext uri="{FF2B5EF4-FFF2-40B4-BE49-F238E27FC236}">
+                <a16:creationId xmlns:a16="http://schemas.microsoft.com/office/drawing/2014/main" id="{C7C4A30B-8F1B-4076-83C8-14444735190F}"/>
+              </a:ext>
+            </a:extLst>
+          </p:cNvPr>
+          <p:cNvSpPr txBox="1"/>
+          <p:nvPr/>
+        </p:nvSpPr>
+        <p:spPr>
+          <a:xfrm>
+            <a:off x="0" y="210316"/>
+            <a:ext cx="11355385" cy="2246769"/>
+          </a:xfrm>
+          <a:prstGeom prst="rect">
+            <a:avLst/>
+          </a:prstGeom>
+          <a:noFill/>
+        </p:spPr>
+        <p:txBody>
+          <a:bodyPr wrap="square">
+            <a:spAutoFit/>
+          </a:bodyPr>
+          <a:lstStyle/>
+          <a:p>
+            <a:r>
+              <a:rPr lang="pt-PT" sz="2000" b="1" dirty="0"/>
+              <a:t>Select </a:t>
+            </a:r>
+            <a:r>
+              <a:rPr lang="pt-PT" sz="2000" b="1" dirty="0" err="1"/>
+              <a:t>price</a:t>
+            </a:r>
+            <a:r>
+              <a:rPr lang="pt-PT" sz="2000" b="1" dirty="0"/>
+              <a:t> AS </a:t>
+            </a:r>
+            <a:r>
+              <a:rPr lang="pt-PT" sz="2000" b="1" dirty="0" err="1"/>
+              <a:t>price</a:t>
+            </a:r>
+            <a:r>
+              <a:rPr lang="pt-PT" sz="2000" b="1" dirty="0"/>
+              <a:t>, </a:t>
+            </a:r>
+            <a:r>
+              <a:rPr lang="pt-PT" sz="2000" b="1" dirty="0" err="1"/>
+              <a:t>infospot.spot_name</a:t>
+            </a:r>
+            <a:r>
+              <a:rPr lang="pt-PT" sz="2000" b="1" dirty="0"/>
+              <a:t> AS </a:t>
+            </a:r>
+            <a:r>
+              <a:rPr lang="pt-PT" sz="2000" b="1" dirty="0" err="1"/>
+              <a:t>sptName</a:t>
+            </a:r>
+            <a:r>
+              <a:rPr lang="pt-PT" sz="2000" b="1" dirty="0"/>
+              <a:t>, </a:t>
+            </a:r>
+            <a:r>
+              <a:rPr lang="pt-PT" sz="2000" b="1" dirty="0" err="1"/>
+              <a:t>infospot.spot_address</a:t>
+            </a:r>
+            <a:r>
+              <a:rPr lang="pt-PT" sz="2000" b="1" dirty="0"/>
+              <a:t> AS </a:t>
+            </a:r>
+            <a:r>
+              <a:rPr lang="pt-PT" sz="2000" b="1" dirty="0" err="1"/>
+              <a:t>sptaddress</a:t>
+            </a:r>
+            <a:r>
+              <a:rPr lang="pt-PT" sz="2000" b="1" dirty="0"/>
+              <a:t>, </a:t>
+            </a:r>
+            <a:r>
+              <a:rPr lang="pt-PT" sz="2000" b="1" dirty="0" err="1"/>
+              <a:t>eventtype.evnt_type</a:t>
+            </a:r>
+            <a:r>
+              <a:rPr lang="pt-PT" sz="2000" b="1" dirty="0"/>
+              <a:t> AS </a:t>
+            </a:r>
+            <a:r>
+              <a:rPr lang="pt-PT" sz="2000" b="1" dirty="0" err="1"/>
+              <a:t>type</a:t>
+            </a:r>
+            <a:endParaRPr lang="pt-PT" sz="2000" b="1" dirty="0"/>
+          </a:p>
+          <a:p>
+            <a:r>
+              <a:rPr lang="pt-PT" sz="2000" b="1" dirty="0"/>
+              <a:t>From </a:t>
+            </a:r>
+            <a:r>
+              <a:rPr lang="pt-PT" sz="2000" b="1" dirty="0" err="1"/>
+              <a:t>pricing</a:t>
+            </a:r>
+            <a:endParaRPr lang="pt-PT" sz="2000" b="1" dirty="0"/>
+          </a:p>
+          <a:p>
+            <a:r>
+              <a:rPr lang="pt-PT" sz="2000" b="1" dirty="0" err="1"/>
+              <a:t>Inner</a:t>
+            </a:r>
+            <a:r>
+              <a:rPr lang="pt-PT" sz="2000" b="1" dirty="0"/>
+              <a:t> </a:t>
+            </a:r>
+            <a:r>
+              <a:rPr lang="pt-PT" sz="2000" b="1" dirty="0" err="1"/>
+              <a:t>Join</a:t>
+            </a:r>
+            <a:r>
+              <a:rPr lang="pt-PT" sz="2000" b="1" dirty="0"/>
+              <a:t> </a:t>
+            </a:r>
+            <a:r>
+              <a:rPr lang="pt-PT" sz="2000" b="1" dirty="0" err="1"/>
+              <a:t>infospot</a:t>
+            </a:r>
+            <a:r>
+              <a:rPr lang="pt-PT" sz="2000" b="1" dirty="0"/>
+              <a:t> </a:t>
+            </a:r>
+            <a:r>
+              <a:rPr lang="pt-PT" sz="2000" b="1" dirty="0" err="1"/>
+              <a:t>on</a:t>
+            </a:r>
+            <a:r>
+              <a:rPr lang="pt-PT" sz="2000" b="1" dirty="0"/>
+              <a:t> </a:t>
+            </a:r>
+            <a:r>
+              <a:rPr lang="pt-PT" sz="2000" b="1" dirty="0" err="1"/>
+              <a:t>pricing.spot_fk</a:t>
+            </a:r>
+            <a:r>
+              <a:rPr lang="pt-PT" sz="2000" b="1" dirty="0"/>
+              <a:t> = </a:t>
+            </a:r>
+            <a:r>
+              <a:rPr lang="pt-PT" sz="2000" b="1" dirty="0" err="1"/>
+              <a:t>infospot.spot_id</a:t>
+            </a:r>
+            <a:endParaRPr lang="pt-PT" sz="2000" b="1" dirty="0"/>
+          </a:p>
+          <a:p>
+            <a:r>
+              <a:rPr lang="pt-PT" sz="2000" b="1" dirty="0" err="1"/>
+              <a:t>Inner</a:t>
+            </a:r>
+            <a:r>
+              <a:rPr lang="pt-PT" sz="2000" b="1" dirty="0"/>
+              <a:t> </a:t>
+            </a:r>
+            <a:r>
+              <a:rPr lang="pt-PT" sz="2000" b="1" dirty="0" err="1"/>
+              <a:t>Join</a:t>
+            </a:r>
+            <a:r>
+              <a:rPr lang="pt-PT" sz="2000" b="1" dirty="0"/>
+              <a:t> </a:t>
+            </a:r>
+            <a:r>
+              <a:rPr lang="pt-PT" sz="2000" b="1" dirty="0" err="1"/>
+              <a:t>spotevents</a:t>
+            </a:r>
+            <a:r>
+              <a:rPr lang="pt-PT" sz="2000" b="1" dirty="0"/>
+              <a:t> </a:t>
+            </a:r>
+            <a:r>
+              <a:rPr lang="pt-PT" sz="2000" b="1" dirty="0" err="1"/>
+              <a:t>on</a:t>
+            </a:r>
+            <a:r>
+              <a:rPr lang="pt-PT" sz="2000" b="1" dirty="0"/>
+              <a:t> </a:t>
+            </a:r>
+            <a:r>
+              <a:rPr lang="pt-PT" sz="2000" b="1" dirty="0" err="1"/>
+              <a:t>infospot.spot_id</a:t>
+            </a:r>
+            <a:r>
+              <a:rPr lang="pt-PT" sz="2000" b="1" dirty="0"/>
+              <a:t>=</a:t>
+            </a:r>
+            <a:r>
+              <a:rPr lang="pt-PT" sz="2000" b="1" dirty="0" err="1"/>
+              <a:t>spotevents.spot_fk</a:t>
+            </a:r>
+            <a:endParaRPr lang="pt-PT" sz="2000" b="1" dirty="0"/>
+          </a:p>
+          <a:p>
+            <a:r>
+              <a:rPr lang="pt-PT" sz="2000" b="1" dirty="0" err="1"/>
+              <a:t>Inner</a:t>
+            </a:r>
+            <a:r>
+              <a:rPr lang="pt-PT" sz="2000" b="1" dirty="0"/>
+              <a:t> </a:t>
+            </a:r>
+            <a:r>
+              <a:rPr lang="pt-PT" sz="2000" b="1" dirty="0" err="1"/>
+              <a:t>Join</a:t>
+            </a:r>
+            <a:r>
+              <a:rPr lang="pt-PT" sz="2000" b="1" dirty="0"/>
+              <a:t> </a:t>
+            </a:r>
+            <a:r>
+              <a:rPr lang="pt-PT" sz="2000" b="1" dirty="0" err="1"/>
+              <a:t>eventtype</a:t>
+            </a:r>
+            <a:r>
+              <a:rPr lang="pt-PT" sz="2000" b="1" dirty="0"/>
+              <a:t> </a:t>
+            </a:r>
+            <a:r>
+              <a:rPr lang="pt-PT" sz="2000" b="1" dirty="0" err="1"/>
+              <a:t>on</a:t>
+            </a:r>
+            <a:r>
+              <a:rPr lang="pt-PT" sz="2000" b="1" dirty="0"/>
+              <a:t> </a:t>
+            </a:r>
+            <a:r>
+              <a:rPr lang="pt-PT" sz="2000" b="1" dirty="0" err="1"/>
+              <a:t>spotevents.evnttype_fk</a:t>
+            </a:r>
+            <a:r>
+              <a:rPr lang="pt-PT" sz="2000" b="1" dirty="0"/>
+              <a:t>=</a:t>
+            </a:r>
+            <a:r>
+              <a:rPr lang="pt-PT" sz="2000" b="1" dirty="0" err="1"/>
+              <a:t>eventtype.evnt_id</a:t>
+            </a:r>
+            <a:endParaRPr lang="pt-PT" sz="2000" b="1" dirty="0"/>
+          </a:p>
+          <a:p>
+            <a:r>
+              <a:rPr lang="pt-PT" sz="2000" b="1" dirty="0"/>
+              <a:t>WHERE </a:t>
+            </a:r>
+            <a:r>
+              <a:rPr lang="pt-PT" sz="2000" b="1" dirty="0" err="1"/>
+              <a:t>infospot.spot_id</a:t>
+            </a:r>
+            <a:r>
+              <a:rPr lang="pt-PT" sz="2000" b="1" dirty="0"/>
+              <a:t> = 5</a:t>
+            </a:r>
+          </a:p>
+        </p:txBody>
+      </p:sp>
       <p:pic>
         <p:nvPicPr>
-          <p:cNvPr id="6" name="Imagem 5">
+          <p:cNvPr id="8" name="Imagem 7">
             <a:extLst>
               <a:ext uri="{FF2B5EF4-FFF2-40B4-BE49-F238E27FC236}">
-                <a16:creationId xmlns:a16="http://schemas.microsoft.com/office/drawing/2014/main" id="{D4E3DF63-71A4-4DAA-B887-01C3B8DA309E}"/>
+                <a16:creationId xmlns:a16="http://schemas.microsoft.com/office/drawing/2014/main" id="{B7AC5D18-0652-4FCF-B4C6-437CCBC7BE61}"/>
               </a:ext>
             </a:extLst>
           </p:cNvPr>
@@ -7733,38 +8371,8 @@
         </p:blipFill>
         <p:spPr>
           <a:xfrm>
-            <a:off x="2009968" y="1673737"/>
-            <a:ext cx="9436963" cy="2063532"/>
-          </a:xfrm>
-          <a:prstGeom prst="rect">
-            <a:avLst/>
-          </a:prstGeom>
-        </p:spPr>
-      </p:pic>
-      <p:pic>
-        <p:nvPicPr>
-          <p:cNvPr id="5" name="Imagem 4" descr="Uma imagem com mesa&#10;&#10;Descrição gerada automaticamente">
-            <a:extLst>
-              <a:ext uri="{FF2B5EF4-FFF2-40B4-BE49-F238E27FC236}">
-                <a16:creationId xmlns:a16="http://schemas.microsoft.com/office/drawing/2014/main" id="{8C448779-847B-4F5D-8EB1-F198D96019EF}"/>
-              </a:ext>
-            </a:extLst>
-          </p:cNvPr>
-          <p:cNvPicPr>
-            <a:picLocks noChangeAspect="1"/>
-          </p:cNvPicPr>
-          <p:nvPr/>
-        </p:nvPicPr>
-        <p:blipFill>
-          <a:blip r:embed="rId3"/>
-          <a:stretch>
-            <a:fillRect/>
-          </a:stretch>
-        </p:blipFill>
-        <p:spPr>
-          <a:xfrm>
-            <a:off x="91546" y="2994783"/>
-            <a:ext cx="11355385" cy="3105583"/>
+            <a:off x="0" y="3429000"/>
+            <a:ext cx="11355385" cy="1699450"/>
           </a:xfrm>
           <a:prstGeom prst="rect">
             <a:avLst/>
@@ -7915,7 +8523,7 @@
       </p:grpSpPr>
       <p:sp>
         <p:nvSpPr>
-          <p:cNvPr id="14" name="Rectangle 13">
+          <p:cNvPr id="59" name="Rectangle 47">
             <a:extLst>
               <a:ext uri="{FF2B5EF4-FFF2-40B4-BE49-F238E27FC236}">
                 <a16:creationId xmlns:a16="http://schemas.microsoft.com/office/drawing/2014/main" id="{9E8A3474-A3A2-4200-9E98-3433E3D193E2}"/>
@@ -7970,7 +8578,7 @@
       </p:sp>
       <p:sp>
         <p:nvSpPr>
-          <p:cNvPr id="16" name="Rectangle 15">
+          <p:cNvPr id="60" name="Rectangle 49">
             <a:extLst>
               <a:ext uri="{FF2B5EF4-FFF2-40B4-BE49-F238E27FC236}">
                 <a16:creationId xmlns:a16="http://schemas.microsoft.com/office/drawing/2014/main" id="{9A5A698B-F644-41A9-BD67-6316EDB7A951}"/>
@@ -8033,7 +8641,7 @@
       </p:sp>
       <p:grpSp>
         <p:nvGrpSpPr>
-          <p:cNvPr id="18" name="Group 17">
+          <p:cNvPr id="61" name="Group 51">
             <a:extLst>
               <a:ext uri="{FF2B5EF4-FFF2-40B4-BE49-F238E27FC236}">
                 <a16:creationId xmlns:a16="http://schemas.microsoft.com/office/drawing/2014/main" id="{BA916D8B-8E5E-442C-93D2-F10B324962F3}"/>
@@ -8064,7 +8672,7 @@
         </p:grpSpPr>
         <p:sp>
           <p:nvSpPr>
-            <p:cNvPr id="19" name="Freeform 6">
+            <p:cNvPr id="53" name="Freeform 6">
               <a:extLst>
                 <a:ext uri="{FF2B5EF4-FFF2-40B4-BE49-F238E27FC236}">
                   <a16:creationId xmlns:a16="http://schemas.microsoft.com/office/drawing/2014/main" id="{E444B8DA-C76F-4B2F-AFC5-378726411B52}"/>
@@ -8135,7 +8743,7 @@
         </p:sp>
         <p:sp>
           <p:nvSpPr>
-            <p:cNvPr id="26" name="Freeform 6">
+            <p:cNvPr id="62" name="Freeform 6">
               <a:extLst>
                 <a:ext uri="{FF2B5EF4-FFF2-40B4-BE49-F238E27FC236}">
                   <a16:creationId xmlns:a16="http://schemas.microsoft.com/office/drawing/2014/main" id="{7E2B20CB-FF0A-40D4-9C62-172DA9BB9890}"/>
@@ -8209,7 +8817,7 @@
       </p:grpSp>
       <p:sp>
         <p:nvSpPr>
-          <p:cNvPr id="27" name="Rectangle 21">
+          <p:cNvPr id="63" name="Rectangle 55">
             <a:extLst>
               <a:ext uri="{FF2B5EF4-FFF2-40B4-BE49-F238E27FC236}">
                 <a16:creationId xmlns:a16="http://schemas.microsoft.com/office/drawing/2014/main" id="{35E7CCC3-B903-495C-835D-87A78FB05A01}"/>
@@ -8302,7 +8910,7 @@
       </p:pic>
       <p:sp>
         <p:nvSpPr>
-          <p:cNvPr id="28" name="Rectangle 23">
+          <p:cNvPr id="58" name="Rectangle 57">
             <a:extLst>
               <a:ext uri="{FF2B5EF4-FFF2-40B4-BE49-F238E27FC236}">
                 <a16:creationId xmlns:a16="http://schemas.microsoft.com/office/drawing/2014/main" id="{584170D1-B32B-4D7D-AA30-9D84747A0574}"/>
@@ -8365,10 +8973,10 @@
       </p:sp>
       <p:pic>
         <p:nvPicPr>
-          <p:cNvPr id="9" name="Imagem 8">
+          <p:cNvPr id="3" name="Imagem 2" descr="Uma imagem com Lego, brinquedo&#10;&#10;Descrição gerada automaticamente">
             <a:extLst>
               <a:ext uri="{FF2B5EF4-FFF2-40B4-BE49-F238E27FC236}">
-                <a16:creationId xmlns:a16="http://schemas.microsoft.com/office/drawing/2014/main" id="{AA6F302A-FCA5-4214-97A1-335364DDFB80}"/>
+                <a16:creationId xmlns:a16="http://schemas.microsoft.com/office/drawing/2014/main" id="{5DD4C8ED-366F-46EA-8420-634B84B78E94}"/>
               </a:ext>
             </a:extLst>
           </p:cNvPr>
@@ -8385,8 +8993,8 @@
         </p:blipFill>
         <p:spPr>
           <a:xfrm>
-            <a:off x="6668414" y="1289920"/>
-            <a:ext cx="3974466" cy="4250767"/>
+            <a:off x="6453003" y="1763320"/>
+            <a:ext cx="4405288" cy="3303966"/>
           </a:xfrm>
           <a:prstGeom prst="rect">
             <a:avLst/>
@@ -8460,10 +9068,9 @@
           <a:lstStyle/>
           <a:p>
             <a:r>
-              <a:rPr lang="pt-PT"/>
+              <a:rPr lang="pt-PT" b="1" dirty="0"/>
               <a:t>Objectivos e Funcionalidades </a:t>
             </a:r>
-            <a:endParaRPr lang="pt-PT" dirty="0"/>
           </a:p>
         </p:txBody>
       </p:sp>
@@ -8747,8 +9354,8 @@
         </p:nvSpPr>
         <p:spPr>
           <a:xfrm>
-            <a:off x="642259" y="1238570"/>
-            <a:ext cx="4948990" cy="2031325"/>
+            <a:off x="387497" y="1333968"/>
+            <a:ext cx="4948990" cy="2862322"/>
           </a:xfrm>
           <a:prstGeom prst="rect">
             <a:avLst/>
@@ -8762,8 +9369,8 @@
           <a:lstStyle/>
           <a:p>
             <a:r>
-              <a:rPr lang="pt-PT" dirty="0"/>
-              <a:t>Diogo Duarte, mestrado em design pela universidade europeia e Ceo da “Create” uma grande empresa da área de Design com um rendimento avaliado em 100.000€.Durante o seu tempo livre gosta de frequentar shows de jazz e blues e está conectado a todas as redes sociais.</a:t>
+              <a:rPr lang="pt-PT" b="1" dirty="0"/>
+              <a:t>O Diogo Duarte, é um Português com 45 anos de idade que reside na em Lisboa. Tem um mestrado em design e gere a sua própria empresa de publicidade. Tem como hábito frequentar eventos de jazz e blues e quando quer marcar encontros com amigos, gosta de ter tudo organizado e toda a informação acessível. Ai entra a FRIEND'S! Com poucos cliques o Diogo cria um grupo de amigos para ir ver o evento mais recente de Jazz em Lisboa.</a:t>
             </a:r>
           </a:p>
         </p:txBody>
@@ -8783,7 +9390,7 @@
         <p:spPr>
           <a:xfrm>
             <a:off x="6096000" y="3208421"/>
-            <a:ext cx="5935579" cy="2308324"/>
+            <a:ext cx="5935579" cy="2585323"/>
           </a:xfrm>
           <a:prstGeom prst="rect">
             <a:avLst/>
@@ -8797,8 +9404,8 @@
           <a:lstStyle/>
           <a:p>
             <a:r>
-              <a:rPr lang="pt-PT" dirty="0"/>
-              <a:t>A Ana Rita Começou o seu estágio numa empresa incubadora de start-ups mas gosta de ocupar o seu tempo livre a frequentar eventos ao vivo, como concertos e live-sets com o namorado e amigas. Como todos têm uma vida profissional muito ativa, a FRIEND'S facilita bastante encontrarem eventos que gostam e combinar encontros.</a:t>
+              <a:rPr lang="pt-PT" b="1" dirty="0"/>
+              <a:t>A Ana Rita tem 24 anos e acabou de se graduar em gestão empresarial na ULP. A Ana é de descendência lusa, mas nascida em cabo verde. Reside na cidade do Porto com o noivo. Começou o seu estágio numa empresa incubadora de start-ups mas gosta de ocupar o seu tempo livre a frequentar eventos ao vivo, como concertos e live-sets com o namorado e amigas. Como todos têm uma vida profissional muito ativa, a FRIEND'S facilita bastante encontrarem eventos que gostem e combinar encontros..</a:t>
             </a:r>
           </a:p>
         </p:txBody>
@@ -11687,36 +12294,6 @@
           </a:p>
         </p:txBody>
       </p:sp>
-      <p:pic>
-        <p:nvPicPr>
-          <p:cNvPr id="17" name="Imagem 16" descr="Uma imagem com texto&#10;&#10;Descrição gerada automaticamente">
-            <a:extLst>
-              <a:ext uri="{FF2B5EF4-FFF2-40B4-BE49-F238E27FC236}">
-                <a16:creationId xmlns:a16="http://schemas.microsoft.com/office/drawing/2014/main" id="{055B1E5D-3413-4CEE-BA58-7A7E40E29FC4}"/>
-              </a:ext>
-            </a:extLst>
-          </p:cNvPr>
-          <p:cNvPicPr>
-            <a:picLocks noChangeAspect="1"/>
-          </p:cNvPicPr>
-          <p:nvPr/>
-        </p:nvPicPr>
-        <p:blipFill>
-          <a:blip r:embed="rId2"/>
-          <a:stretch>
-            <a:fillRect/>
-          </a:stretch>
-        </p:blipFill>
-        <p:spPr>
-          <a:xfrm>
-            <a:off x="978275" y="1460783"/>
-            <a:ext cx="8161751" cy="876342"/>
-          </a:xfrm>
-          <a:prstGeom prst="rect">
-            <a:avLst/>
-          </a:prstGeom>
-        </p:spPr>
-      </p:pic>
       <p:sp>
         <p:nvSpPr>
           <p:cNvPr id="18" name="CaixaDeTexto 17">
@@ -11802,15 +12379,15 @@
           <p:nvPr/>
         </p:nvPicPr>
         <p:blipFill>
-          <a:blip r:embed="rId3"/>
+          <a:blip r:embed="rId2"/>
           <a:stretch>
             <a:fillRect/>
           </a:stretch>
         </p:blipFill>
         <p:spPr>
           <a:xfrm>
-            <a:off x="978275" y="3090009"/>
-            <a:ext cx="4835913" cy="902328"/>
+            <a:off x="978275" y="2898233"/>
+            <a:ext cx="5865089" cy="916548"/>
           </a:xfrm>
           <a:prstGeom prst="rect">
             <a:avLst/>
@@ -11854,10 +12431,40 @@
       </p:sp>
       <p:pic>
         <p:nvPicPr>
-          <p:cNvPr id="31" name="Imagem 30" descr="Uma imagem com texto&#10;&#10;Descrição gerada automaticamente">
+          <p:cNvPr id="4" name="Imagem 3">
             <a:extLst>
               <a:ext uri="{FF2B5EF4-FFF2-40B4-BE49-F238E27FC236}">
-                <a16:creationId xmlns:a16="http://schemas.microsoft.com/office/drawing/2014/main" id="{FF9C0198-C787-4687-9E4C-57FF0994B7E0}"/>
+                <a16:creationId xmlns:a16="http://schemas.microsoft.com/office/drawing/2014/main" id="{D36FB630-AF40-4ECB-8D39-A91173C41630}"/>
+              </a:ext>
+            </a:extLst>
+          </p:cNvPr>
+          <p:cNvPicPr>
+            <a:picLocks noChangeAspect="1"/>
+          </p:cNvPicPr>
+          <p:nvPr/>
+        </p:nvPicPr>
+        <p:blipFill>
+          <a:blip r:embed="rId3"/>
+          <a:stretch>
+            <a:fillRect/>
+          </a:stretch>
+        </p:blipFill>
+        <p:spPr>
+          <a:xfrm>
+            <a:off x="973554" y="1180229"/>
+            <a:ext cx="10240171" cy="979340"/>
+          </a:xfrm>
+          <a:prstGeom prst="rect">
+            <a:avLst/>
+          </a:prstGeom>
+        </p:spPr>
+      </p:pic>
+      <p:pic>
+        <p:nvPicPr>
+          <p:cNvPr id="6" name="Imagem 5">
+            <a:extLst>
+              <a:ext uri="{FF2B5EF4-FFF2-40B4-BE49-F238E27FC236}">
+                <a16:creationId xmlns:a16="http://schemas.microsoft.com/office/drawing/2014/main" id="{C7323D9D-C4F6-4192-8D64-D63056DBAA0E}"/>
               </a:ext>
             </a:extLst>
           </p:cNvPr>
@@ -11874,8 +12481,8 @@
         </p:blipFill>
         <p:spPr>
           <a:xfrm>
-            <a:off x="978275" y="4745221"/>
-            <a:ext cx="6523194" cy="759479"/>
+            <a:off x="973553" y="4553445"/>
+            <a:ext cx="10240171" cy="1493658"/>
           </a:xfrm>
           <a:prstGeom prst="rect">
             <a:avLst/>

--- a/Relatorios-Progresso/FRIEND’S_3rdDelivery.pptx
+++ b/Relatorios-Progresso/FRIEND’S_3rdDelivery.pptx
@@ -9,14 +9,13 @@
     <p:sldId id="270" r:id="rId3"/>
     <p:sldId id="267" r:id="rId4"/>
     <p:sldId id="261" r:id="rId5"/>
-    <p:sldId id="269" r:id="rId6"/>
-    <p:sldId id="268" r:id="rId7"/>
-    <p:sldId id="266" r:id="rId8"/>
-    <p:sldId id="271" r:id="rId9"/>
-    <p:sldId id="263" r:id="rId10"/>
-    <p:sldId id="264" r:id="rId11"/>
-    <p:sldId id="265" r:id="rId12"/>
-    <p:sldId id="260" r:id="rId13"/>
+    <p:sldId id="268" r:id="rId6"/>
+    <p:sldId id="266" r:id="rId7"/>
+    <p:sldId id="271" r:id="rId8"/>
+    <p:sldId id="263" r:id="rId9"/>
+    <p:sldId id="264" r:id="rId10"/>
+    <p:sldId id="265" r:id="rId11"/>
+    <p:sldId id="260" r:id="rId12"/>
   </p:sldIdLst>
   <p:sldSz cx="12192000" cy="6858000"/>
   <p:notesSz cx="6858000" cy="9144000"/>
@@ -3282,7 +3281,7 @@
           <a:p>
             <a:fld id="{48A87A34-81AB-432B-8DAE-1953F412C126}" type="datetimeFigureOut">
               <a:rPr lang="en-US" smtClean="0"/>
-              <a:t>1/11/2022</a:t>
+              <a:t>1/12/2022</a:t>
             </a:fld>
             <a:endParaRPr lang="en-US" dirty="0"/>
           </a:p>
@@ -3612,7 +3611,7 @@
           <a:p>
             <a:fld id="{48A87A34-81AB-432B-8DAE-1953F412C126}" type="datetimeFigureOut">
               <a:rPr lang="en-US" smtClean="0"/>
-              <a:t>1/11/2022</a:t>
+              <a:t>1/12/2022</a:t>
             </a:fld>
             <a:endParaRPr lang="en-US" dirty="0"/>
           </a:p>
@@ -3792,7 +3791,7 @@
           <a:p>
             <a:fld id="{48A87A34-81AB-432B-8DAE-1953F412C126}" type="datetimeFigureOut">
               <a:rPr lang="en-US" smtClean="0"/>
-              <a:t>1/11/2022</a:t>
+              <a:t>1/12/2022</a:t>
             </a:fld>
             <a:endParaRPr lang="en-US" dirty="0"/>
           </a:p>
@@ -3962,7 +3961,7 @@
           <a:p>
             <a:fld id="{48A87A34-81AB-432B-8DAE-1953F412C126}" type="datetimeFigureOut">
               <a:rPr lang="en-US" smtClean="0"/>
-              <a:t>1/11/2022</a:t>
+              <a:t>1/12/2022</a:t>
             </a:fld>
             <a:endParaRPr lang="en-US" dirty="0"/>
           </a:p>
@@ -4239,7 +4238,7 @@
           <a:p>
             <a:fld id="{48A87A34-81AB-432B-8DAE-1953F412C126}" type="datetimeFigureOut">
               <a:rPr lang="en-US" smtClean="0"/>
-              <a:t>1/11/2022</a:t>
+              <a:t>1/12/2022</a:t>
             </a:fld>
             <a:endParaRPr lang="en-US" dirty="0"/>
           </a:p>
@@ -4633,7 +4632,7 @@
           <a:p>
             <a:fld id="{48A87A34-81AB-432B-8DAE-1953F412C126}" type="datetimeFigureOut">
               <a:rPr lang="en-US" smtClean="0"/>
-              <a:t>1/11/2022</a:t>
+              <a:t>1/12/2022</a:t>
             </a:fld>
             <a:endParaRPr lang="en-US" dirty="0"/>
           </a:p>
@@ -5110,7 +5109,7 @@
           <a:p>
             <a:fld id="{48A87A34-81AB-432B-8DAE-1953F412C126}" type="datetimeFigureOut">
               <a:rPr lang="en-US" smtClean="0"/>
-              <a:t>1/11/2022</a:t>
+              <a:t>1/12/2022</a:t>
             </a:fld>
             <a:endParaRPr lang="en-US" dirty="0"/>
           </a:p>
@@ -5228,7 +5227,7 @@
           <a:p>
             <a:fld id="{48A87A34-81AB-432B-8DAE-1953F412C126}" type="datetimeFigureOut">
               <a:rPr lang="en-US" smtClean="0"/>
-              <a:t>1/11/2022</a:t>
+              <a:t>1/12/2022</a:t>
             </a:fld>
             <a:endParaRPr lang="en-US" dirty="0"/>
           </a:p>
@@ -5323,7 +5322,7 @@
           <a:p>
             <a:fld id="{48A87A34-81AB-432B-8DAE-1953F412C126}" type="datetimeFigureOut">
               <a:rPr lang="en-US" smtClean="0"/>
-              <a:t>1/11/2022</a:t>
+              <a:t>1/12/2022</a:t>
             </a:fld>
             <a:endParaRPr lang="en-US" dirty="0"/>
           </a:p>
@@ -5669,7 +5668,7 @@
           <a:p>
             <a:fld id="{48A87A34-81AB-432B-8DAE-1953F412C126}" type="datetimeFigureOut">
               <a:rPr lang="en-US" smtClean="0"/>
-              <a:t>1/11/2022</a:t>
+              <a:t>1/12/2022</a:t>
             </a:fld>
             <a:endParaRPr lang="en-US" dirty="0"/>
           </a:p>
@@ -6058,7 +6057,7 @@
             <a:fld id="{48A87A34-81AB-432B-8DAE-1953F412C126}" type="datetimeFigureOut">
               <a:rPr lang="en-US" smtClean="0"/>
               <a:pPr/>
-              <a:t>1/11/2022</a:t>
+              <a:t>1/12/2022</a:t>
             </a:fld>
             <a:endParaRPr lang="en-US" dirty="0"/>
           </a:p>
@@ -6337,7 +6336,7 @@
             <a:fld id="{48A87A34-81AB-432B-8DAE-1953F412C126}" type="datetimeFigureOut">
               <a:rPr lang="en-US" smtClean="0"/>
               <a:pPr/>
-              <a:t>1/11/2022</a:t>
+              <a:t>1/12/2022</a:t>
             </a:fld>
             <a:endParaRPr lang="en-US" dirty="0"/>
           </a:p>
@@ -6945,7 +6944,7 @@
         </p:nvSpPr>
         <p:spPr>
           <a:xfrm>
-            <a:off x="4527884" y="5055955"/>
+            <a:off x="4528585" y="3429000"/>
             <a:ext cx="3441023" cy="369332"/>
           </a:xfrm>
           <a:prstGeom prst="rect">
@@ -6961,7 +6960,7 @@
           <a:p>
             <a:r>
               <a:rPr lang="pt-PT" b="1" dirty="0"/>
-              <a:t>SAIDA! AMIGOS! EM SEGURANÇA!</a:t>
+              <a:t>SAIDA, AMIGOS, EM SEGURANÇA</a:t>
             </a:r>
           </a:p>
         </p:txBody>
@@ -7561,511 +7560,6 @@
         </p:nvSpPr>
         <p:spPr>
           <a:xfrm>
-            <a:off x="0" y="5606418"/>
-            <a:ext cx="5318979" cy="567197"/>
-          </a:xfrm>
-        </p:spPr>
-        <p:txBody>
-          <a:bodyPr vert="horz" lIns="91440" tIns="45720" rIns="91440" bIns="45720" rtlCol="0" anchor="t">
-            <a:normAutofit fontScale="90000"/>
-          </a:bodyPr>
-          <a:lstStyle/>
-          <a:p>
-            <a:r>
-              <a:rPr lang="en-US" sz="3600" b="1" dirty="0">
-                <a:solidFill>
-                  <a:schemeClr val="tx1"/>
-                </a:solidFill>
-              </a:rPr>
-              <a:t>Heroku – Custom Queries</a:t>
-            </a:r>
-          </a:p>
-        </p:txBody>
-      </p:sp>
-      <p:sp>
-        <p:nvSpPr>
-          <p:cNvPr id="6" name="CaixaDeTexto 5">
-            <a:extLst>
-              <a:ext uri="{FF2B5EF4-FFF2-40B4-BE49-F238E27FC236}">
-                <a16:creationId xmlns:a16="http://schemas.microsoft.com/office/drawing/2014/main" id="{436B44CB-E9E5-4058-877C-AC4851D4EFD1}"/>
-              </a:ext>
-            </a:extLst>
-          </p:cNvPr>
-          <p:cNvSpPr txBox="1"/>
-          <p:nvPr/>
-        </p:nvSpPr>
-        <p:spPr>
-          <a:xfrm>
-            <a:off x="2772" y="0"/>
-            <a:ext cx="12189228" cy="5324535"/>
-          </a:xfrm>
-          <a:prstGeom prst="rect">
-            <a:avLst/>
-          </a:prstGeom>
-          <a:noFill/>
-        </p:spPr>
-        <p:txBody>
-          <a:bodyPr wrap="square">
-            <a:spAutoFit/>
-          </a:bodyPr>
-          <a:lstStyle/>
-          <a:p>
-            <a:r>
-              <a:rPr lang="pt-PT" sz="2000" b="1" dirty="0">
-                <a:effectLst/>
-                <a:latin typeface="Consolas" panose="020B0609020204030204" pitchFamily="49" charset="0"/>
-              </a:rPr>
-              <a:t>	SELECT </a:t>
-            </a:r>
-            <a:r>
-              <a:rPr lang="pt-PT" sz="2000" b="1" dirty="0" err="1">
-                <a:effectLst/>
-                <a:latin typeface="Consolas" panose="020B0609020204030204" pitchFamily="49" charset="0"/>
-              </a:rPr>
-              <a:t>infospot.spot_name</a:t>
-            </a:r>
-            <a:r>
-              <a:rPr lang="pt-PT" sz="2000" b="1" dirty="0">
-                <a:effectLst/>
-                <a:latin typeface="Consolas" panose="020B0609020204030204" pitchFamily="49" charset="0"/>
-              </a:rPr>
-              <a:t> AS </a:t>
-            </a:r>
-            <a:r>
-              <a:rPr lang="pt-PT" sz="2000" b="1" dirty="0" err="1">
-                <a:effectLst/>
-                <a:latin typeface="Consolas" panose="020B0609020204030204" pitchFamily="49" charset="0"/>
-              </a:rPr>
-              <a:t>sptName</a:t>
-            </a:r>
-            <a:r>
-              <a:rPr lang="pt-PT" sz="2000" b="1" dirty="0">
-                <a:effectLst/>
-                <a:latin typeface="Consolas" panose="020B0609020204030204" pitchFamily="49" charset="0"/>
-              </a:rPr>
-              <a:t>, </a:t>
-            </a:r>
-            <a:r>
-              <a:rPr lang="pt-PT" sz="2000" b="1" dirty="0" err="1">
-                <a:effectLst/>
-                <a:latin typeface="Consolas" panose="020B0609020204030204" pitchFamily="49" charset="0"/>
-              </a:rPr>
-              <a:t>infospot.spot_lat</a:t>
-            </a:r>
-            <a:r>
-              <a:rPr lang="pt-PT" sz="2000" b="1" dirty="0">
-                <a:effectLst/>
-                <a:latin typeface="Consolas" panose="020B0609020204030204" pitchFamily="49" charset="0"/>
-              </a:rPr>
-              <a:t> AS </a:t>
-            </a:r>
-            <a:r>
-              <a:rPr lang="pt-PT" sz="2000" b="1" dirty="0" err="1">
-                <a:effectLst/>
-                <a:latin typeface="Consolas" panose="020B0609020204030204" pitchFamily="49" charset="0"/>
-              </a:rPr>
-              <a:t>lat</a:t>
-            </a:r>
-            <a:r>
-              <a:rPr lang="pt-PT" sz="2000" b="1" dirty="0">
-                <a:effectLst/>
-                <a:latin typeface="Consolas" panose="020B0609020204030204" pitchFamily="49" charset="0"/>
-              </a:rPr>
-              <a:t>, </a:t>
-            </a:r>
-            <a:r>
-              <a:rPr lang="pt-PT" sz="2000" b="1" dirty="0" err="1">
-                <a:effectLst/>
-                <a:latin typeface="Consolas" panose="020B0609020204030204" pitchFamily="49" charset="0"/>
-              </a:rPr>
-              <a:t>infospot.spot_long</a:t>
-            </a:r>
-            <a:r>
-              <a:rPr lang="pt-PT" sz="2000" b="1" dirty="0">
-                <a:effectLst/>
-                <a:latin typeface="Consolas" panose="020B0609020204030204" pitchFamily="49" charset="0"/>
-              </a:rPr>
-              <a:t> AS </a:t>
-            </a:r>
-            <a:r>
-              <a:rPr lang="pt-PT" sz="2000" b="1" dirty="0" err="1">
-                <a:effectLst/>
-                <a:latin typeface="Consolas" panose="020B0609020204030204" pitchFamily="49" charset="0"/>
-              </a:rPr>
-              <a:t>long</a:t>
-            </a:r>
-            <a:r>
-              <a:rPr lang="pt-PT" sz="2000" b="1" dirty="0">
-                <a:effectLst/>
-                <a:latin typeface="Consolas" panose="020B0609020204030204" pitchFamily="49" charset="0"/>
-              </a:rPr>
-              <a:t> FROM </a:t>
-            </a:r>
-            <a:r>
-              <a:rPr lang="pt-PT" sz="2000" b="1" dirty="0" err="1">
-                <a:effectLst/>
-                <a:latin typeface="Consolas" panose="020B0609020204030204" pitchFamily="49" charset="0"/>
-              </a:rPr>
-              <a:t>infospot</a:t>
-            </a:r>
-            <a:endParaRPr lang="pt-PT" sz="2000" b="1" dirty="0">
-              <a:effectLst/>
-              <a:latin typeface="Consolas" panose="020B0609020204030204" pitchFamily="49" charset="0"/>
-            </a:endParaRPr>
-          </a:p>
-          <a:p>
-            <a:r>
-              <a:rPr lang="en-US" sz="2000" b="1" dirty="0">
-                <a:effectLst/>
-                <a:latin typeface="Consolas" panose="020B0609020204030204" pitchFamily="49" charset="0"/>
-              </a:rPr>
-              <a:t>WHERE </a:t>
-            </a:r>
-            <a:r>
-              <a:rPr lang="en-US" sz="2000" b="1" dirty="0" err="1">
-                <a:effectLst/>
-                <a:latin typeface="Consolas" panose="020B0609020204030204" pitchFamily="49" charset="0"/>
-              </a:rPr>
-              <a:t>infospot.spot_id</a:t>
-            </a:r>
-            <a:r>
-              <a:rPr lang="en-US" sz="2000" b="1" dirty="0">
-                <a:effectLst/>
-                <a:latin typeface="Consolas" panose="020B0609020204030204" pitchFamily="49" charset="0"/>
-              </a:rPr>
-              <a:t> = 4</a:t>
-            </a:r>
-            <a:endParaRPr lang="pt-PT" sz="2000" b="1" dirty="0">
-              <a:effectLst/>
-              <a:latin typeface="Consolas" panose="020B0609020204030204" pitchFamily="49" charset="0"/>
-            </a:endParaRPr>
-          </a:p>
-          <a:p>
-            <a:endParaRPr lang="pt-PT" sz="2000" b="1" dirty="0">
-              <a:effectLst/>
-              <a:latin typeface="Consolas" panose="020B0609020204030204" pitchFamily="49" charset="0"/>
-            </a:endParaRPr>
-          </a:p>
-          <a:p>
-            <a:endParaRPr lang="pt-PT" sz="2000" b="1" dirty="0">
-              <a:effectLst/>
-              <a:latin typeface="Consolas" panose="020B0609020204030204" pitchFamily="49" charset="0"/>
-            </a:endParaRPr>
-          </a:p>
-          <a:p>
-            <a:endParaRPr lang="pt-PT" sz="2000" b="1" dirty="0">
-              <a:latin typeface="Consolas" panose="020B0609020204030204" pitchFamily="49" charset="0"/>
-            </a:endParaRPr>
-          </a:p>
-          <a:p>
-            <a:r>
-              <a:rPr lang="pt-PT" sz="2000" b="1" dirty="0">
-                <a:latin typeface="Consolas" panose="020B0609020204030204" pitchFamily="49" charset="0"/>
-              </a:rPr>
-              <a:t>	</a:t>
-            </a:r>
-          </a:p>
-          <a:p>
-            <a:r>
-              <a:rPr lang="pt-PT" sz="2000" b="1" dirty="0">
-                <a:effectLst/>
-                <a:latin typeface="Consolas" panose="020B0609020204030204" pitchFamily="49" charset="0"/>
-              </a:rPr>
-              <a:t>SELECT </a:t>
-            </a:r>
-            <a:r>
-              <a:rPr lang="pt-PT" sz="2000" b="1" dirty="0" err="1">
-                <a:effectLst/>
-                <a:latin typeface="Consolas" panose="020B0609020204030204" pitchFamily="49" charset="0"/>
-              </a:rPr>
-              <a:t>spot_name</a:t>
-            </a:r>
-            <a:r>
-              <a:rPr lang="pt-PT" sz="2000" b="1" dirty="0">
-                <a:effectLst/>
-                <a:latin typeface="Consolas" panose="020B0609020204030204" pitchFamily="49" charset="0"/>
-              </a:rPr>
-              <a:t> AS </a:t>
-            </a:r>
-            <a:r>
-              <a:rPr lang="pt-PT" sz="2000" b="1" dirty="0" err="1">
-                <a:effectLst/>
-                <a:latin typeface="Consolas" panose="020B0609020204030204" pitchFamily="49" charset="0"/>
-              </a:rPr>
-              <a:t>sptName</a:t>
-            </a:r>
-            <a:r>
-              <a:rPr lang="pt-PT" sz="2000" b="1" dirty="0">
-                <a:effectLst/>
-                <a:latin typeface="Consolas" panose="020B0609020204030204" pitchFamily="49" charset="0"/>
-              </a:rPr>
-              <a:t>, </a:t>
-            </a:r>
-            <a:r>
-              <a:rPr lang="pt-PT" sz="2000" b="1" dirty="0" err="1">
-                <a:effectLst/>
-                <a:latin typeface="Consolas" panose="020B0609020204030204" pitchFamily="49" charset="0"/>
-              </a:rPr>
-              <a:t>spot_address</a:t>
-            </a:r>
-            <a:r>
-              <a:rPr lang="pt-PT" sz="2000" b="1" dirty="0">
-                <a:effectLst/>
-                <a:latin typeface="Consolas" panose="020B0609020204030204" pitchFamily="49" charset="0"/>
-              </a:rPr>
-              <a:t> AS </a:t>
-            </a:r>
-            <a:r>
-              <a:rPr lang="pt-PT" sz="2000" b="1" dirty="0" err="1">
-                <a:effectLst/>
-                <a:latin typeface="Consolas" panose="020B0609020204030204" pitchFamily="49" charset="0"/>
-              </a:rPr>
-              <a:t>sptAddress</a:t>
-            </a:r>
-            <a:r>
-              <a:rPr lang="pt-PT" sz="2000" b="1" dirty="0">
-                <a:effectLst/>
-                <a:latin typeface="Consolas" panose="020B0609020204030204" pitchFamily="49" charset="0"/>
-              </a:rPr>
-              <a:t>, </a:t>
-            </a:r>
-            <a:r>
-              <a:rPr lang="pt-PT" sz="2000" b="1" dirty="0" err="1">
-                <a:effectLst/>
-                <a:latin typeface="Consolas" panose="020B0609020204030204" pitchFamily="49" charset="0"/>
-              </a:rPr>
-              <a:t>contact_info</a:t>
-            </a:r>
-            <a:r>
-              <a:rPr lang="pt-PT" sz="2000" b="1" dirty="0">
-                <a:effectLst/>
-                <a:latin typeface="Consolas" panose="020B0609020204030204" pitchFamily="49" charset="0"/>
-              </a:rPr>
-              <a:t> AS </a:t>
-            </a:r>
-            <a:r>
-              <a:rPr lang="pt-PT" sz="2000" b="1" dirty="0" err="1">
-                <a:effectLst/>
-                <a:latin typeface="Consolas" panose="020B0609020204030204" pitchFamily="49" charset="0"/>
-              </a:rPr>
-              <a:t>sptContactInfo</a:t>
-            </a:r>
-            <a:r>
-              <a:rPr lang="pt-PT" sz="2000" b="1" dirty="0">
-                <a:effectLst/>
-                <a:latin typeface="Consolas" panose="020B0609020204030204" pitchFamily="49" charset="0"/>
-              </a:rPr>
-              <a:t> FROM </a:t>
-            </a:r>
-            <a:r>
-              <a:rPr lang="pt-PT" sz="2000" b="1" dirty="0" err="1">
-                <a:effectLst/>
-                <a:latin typeface="Consolas" panose="020B0609020204030204" pitchFamily="49" charset="0"/>
-              </a:rPr>
-              <a:t>infospot</a:t>
-            </a:r>
-            <a:endParaRPr lang="pt-PT" sz="2000" b="1" dirty="0">
-              <a:effectLst/>
-              <a:latin typeface="Consolas" panose="020B0609020204030204" pitchFamily="49" charset="0"/>
-            </a:endParaRPr>
-          </a:p>
-          <a:p>
-            <a:r>
-              <a:rPr lang="en-US" sz="2000" b="1" dirty="0">
-                <a:effectLst/>
-                <a:latin typeface="Consolas" panose="020B0609020204030204" pitchFamily="49" charset="0"/>
-              </a:rPr>
-              <a:t>WHERE </a:t>
-            </a:r>
-            <a:r>
-              <a:rPr lang="en-US" sz="2000" b="1" dirty="0" err="1">
-                <a:effectLst/>
-                <a:latin typeface="Consolas" panose="020B0609020204030204" pitchFamily="49" charset="0"/>
-              </a:rPr>
-              <a:t>infospot.spot_name</a:t>
-            </a:r>
-            <a:r>
-              <a:rPr lang="en-US" sz="2000" b="1" dirty="0">
-                <a:effectLst/>
-                <a:latin typeface="Consolas" panose="020B0609020204030204" pitchFamily="49" charset="0"/>
-              </a:rPr>
-              <a:t> ='</a:t>
-            </a:r>
-            <a:r>
-              <a:rPr lang="en-US" sz="2000" b="1" dirty="0" err="1">
-                <a:effectLst/>
-                <a:latin typeface="Consolas" panose="020B0609020204030204" pitchFamily="49" charset="0"/>
-              </a:rPr>
-              <a:t>Epur</a:t>
-            </a:r>
-            <a:r>
-              <a:rPr lang="en-US" sz="2000" b="1" dirty="0">
-                <a:effectLst/>
-                <a:latin typeface="Consolas" panose="020B0609020204030204" pitchFamily="49" charset="0"/>
-              </a:rPr>
-              <a:t>’</a:t>
-            </a:r>
-          </a:p>
-          <a:p>
-            <a:endParaRPr lang="en-US" sz="2000" b="1" dirty="0">
-              <a:effectLst/>
-              <a:latin typeface="Consolas" panose="020B0609020204030204" pitchFamily="49" charset="0"/>
-            </a:endParaRPr>
-          </a:p>
-          <a:p>
-            <a:endParaRPr lang="en-US" sz="2000" b="1" dirty="0">
-              <a:latin typeface="Consolas" panose="020B0609020204030204" pitchFamily="49" charset="0"/>
-            </a:endParaRPr>
-          </a:p>
-          <a:p>
-            <a:endParaRPr lang="en-US" sz="2000" b="1" dirty="0">
-              <a:effectLst/>
-              <a:latin typeface="Consolas" panose="020B0609020204030204" pitchFamily="49" charset="0"/>
-            </a:endParaRPr>
-          </a:p>
-          <a:p>
-            <a:endParaRPr lang="pt-PT" sz="2000" b="1" dirty="0">
-              <a:effectLst/>
-              <a:latin typeface="Consolas" panose="020B0609020204030204" pitchFamily="49" charset="0"/>
-            </a:endParaRPr>
-          </a:p>
-          <a:p>
-            <a:r>
-              <a:rPr lang="pt-PT" sz="2000" b="1" dirty="0">
-                <a:effectLst/>
-                <a:latin typeface="Consolas" panose="020B0609020204030204" pitchFamily="49" charset="0"/>
-              </a:rPr>
-              <a:t>	</a:t>
-            </a:r>
-          </a:p>
-          <a:p>
-            <a:endParaRPr lang="pt-PT" sz="2000" b="1" dirty="0">
-              <a:effectLst/>
-              <a:latin typeface="Consolas" panose="020B0609020204030204" pitchFamily="49" charset="0"/>
-            </a:endParaRPr>
-          </a:p>
-          <a:p>
-            <a:r>
-              <a:rPr lang="pt-PT" sz="2000" b="1" dirty="0">
-                <a:latin typeface="Consolas" panose="020B0609020204030204" pitchFamily="49" charset="0"/>
-              </a:rPr>
-              <a:t>	</a:t>
-            </a:r>
-            <a:endParaRPr lang="pt-PT" sz="2000" b="1" dirty="0">
-              <a:effectLst/>
-              <a:latin typeface="Consolas" panose="020B0609020204030204" pitchFamily="49" charset="0"/>
-            </a:endParaRPr>
-          </a:p>
-        </p:txBody>
-      </p:sp>
-      <p:pic>
-        <p:nvPicPr>
-          <p:cNvPr id="7" name="Imagem 6">
-            <a:extLst>
-              <a:ext uri="{FF2B5EF4-FFF2-40B4-BE49-F238E27FC236}">
-                <a16:creationId xmlns:a16="http://schemas.microsoft.com/office/drawing/2014/main" id="{9A629B18-06ED-467B-ACBA-6701E40451D3}"/>
-              </a:ext>
-            </a:extLst>
-          </p:cNvPr>
-          <p:cNvPicPr>
-            <a:picLocks noChangeAspect="1"/>
-          </p:cNvPicPr>
-          <p:nvPr/>
-        </p:nvPicPr>
-        <p:blipFill>
-          <a:blip r:embed="rId2"/>
-          <a:stretch>
-            <a:fillRect/>
-          </a:stretch>
-        </p:blipFill>
-        <p:spPr>
-          <a:xfrm>
-            <a:off x="3890356" y="684385"/>
-            <a:ext cx="7564583" cy="1292511"/>
-          </a:xfrm>
-          <a:prstGeom prst="rect">
-            <a:avLst/>
-          </a:prstGeom>
-        </p:spPr>
-      </p:pic>
-      <p:pic>
-        <p:nvPicPr>
-          <p:cNvPr id="10" name="Imagem 9">
-            <a:extLst>
-              <a:ext uri="{FF2B5EF4-FFF2-40B4-BE49-F238E27FC236}">
-                <a16:creationId xmlns:a16="http://schemas.microsoft.com/office/drawing/2014/main" id="{6BF7231D-64F6-41C6-AC8D-9C9350B7906A}"/>
-              </a:ext>
-            </a:extLst>
-          </p:cNvPr>
-          <p:cNvPicPr>
-            <a:picLocks noChangeAspect="1"/>
-          </p:cNvPicPr>
-          <p:nvPr/>
-        </p:nvPicPr>
-        <p:blipFill>
-          <a:blip r:embed="rId3"/>
-          <a:stretch>
-            <a:fillRect/>
-          </a:stretch>
-        </p:blipFill>
-        <p:spPr>
-          <a:xfrm>
-            <a:off x="3890355" y="3429000"/>
-            <a:ext cx="7564583" cy="1237611"/>
-          </a:xfrm>
-          <a:prstGeom prst="rect">
-            <a:avLst/>
-          </a:prstGeom>
-        </p:spPr>
-      </p:pic>
-    </p:spTree>
-    <p:extLst>
-      <p:ext uri="{BB962C8B-B14F-4D97-AF65-F5344CB8AC3E}">
-        <p14:creationId xmlns:p14="http://schemas.microsoft.com/office/powerpoint/2010/main" val="2060116962"/>
-      </p:ext>
-    </p:extLst>
-  </p:cSld>
-  <p:clrMapOvr>
-    <a:masterClrMapping/>
-  </p:clrMapOvr>
-</p:sld>
-</file>
-
-<file path=ppt/slides/slide11.xml><?xml version="1.0" encoding="utf-8"?>
-<p:sld xmlns:a="http://schemas.openxmlformats.org/drawingml/2006/main" xmlns:r="http://schemas.openxmlformats.org/officeDocument/2006/relationships" xmlns:p="http://schemas.openxmlformats.org/presentationml/2006/main">
-  <p:cSld>
-    <p:spTree>
-      <p:nvGrpSpPr>
-        <p:cNvPr id="1" name=""/>
-        <p:cNvGrpSpPr/>
-        <p:nvPr/>
-      </p:nvGrpSpPr>
-      <p:grpSpPr>
-        <a:xfrm>
-          <a:off x="0" y="0"/>
-          <a:ext cx="0" cy="0"/>
-          <a:chOff x="0" y="0"/>
-          <a:chExt cx="0" cy="0"/>
-        </a:xfrm>
-      </p:grpSpPr>
-      <p:sp>
-        <p:nvSpPr>
-          <p:cNvPr id="2" name="Título 1">
-            <a:extLst>
-              <a:ext uri="{FF2B5EF4-FFF2-40B4-BE49-F238E27FC236}">
-                <a16:creationId xmlns:a16="http://schemas.microsoft.com/office/drawing/2014/main" id="{DFE134D2-1247-4CA3-B831-2F62056BD57E}"/>
-              </a:ext>
-            </a:extLst>
-          </p:cNvPr>
-          <p:cNvSpPr>
-            <a:spLocks noGrp="1"/>
-          </p:cNvSpPr>
-          <p:nvPr>
-            <p:ph type="title"/>
-          </p:nvPr>
-        </p:nvSpPr>
-        <p:spPr>
-          <a:xfrm>
             <a:off x="0" y="6100365"/>
             <a:ext cx="5229526" cy="547318"/>
           </a:xfrm>
@@ -8371,7 +7865,7 @@
         </p:blipFill>
         <p:spPr>
           <a:xfrm>
-            <a:off x="0" y="3429000"/>
+            <a:off x="84666" y="3429000"/>
             <a:ext cx="11355385" cy="1699450"/>
           </a:xfrm>
           <a:prstGeom prst="rect">
@@ -8392,7 +7886,7 @@
 </p:sld>
 </file>
 
-<file path=ppt/slides/slide12.xml><?xml version="1.0" encoding="utf-8"?>
+<file path=ppt/slides/slide11.xml><?xml version="1.0" encoding="utf-8"?>
 <p:sld xmlns:a="http://schemas.openxmlformats.org/drawingml/2006/main" xmlns:r="http://schemas.openxmlformats.org/officeDocument/2006/relationships" xmlns:p="http://schemas.openxmlformats.org/presentationml/2006/main">
   <p:cSld>
     <p:spTree>
@@ -8478,7 +7972,7 @@
           <a:p>
             <a:r>
               <a:rPr lang="pt-PT" sz="4000" b="1" dirty="0"/>
-              <a:t>SAIDA! AMIGOS! EM SEGURANÇA!</a:t>
+              <a:t>SAIDA, AMIGOS, EM SEGURANÇA</a:t>
             </a:r>
           </a:p>
         </p:txBody>
@@ -8523,7 +8017,7 @@
       </p:grpSpPr>
       <p:sp>
         <p:nvSpPr>
-          <p:cNvPr id="59" name="Rectangle 47">
+          <p:cNvPr id="68" name="Rectangle 67">
             <a:extLst>
               <a:ext uri="{FF2B5EF4-FFF2-40B4-BE49-F238E27FC236}">
                 <a16:creationId xmlns:a16="http://schemas.microsoft.com/office/drawing/2014/main" id="{9E8A3474-A3A2-4200-9E98-3433E3D193E2}"/>
@@ -8578,7 +8072,7 @@
       </p:sp>
       <p:sp>
         <p:nvSpPr>
-          <p:cNvPr id="60" name="Rectangle 49">
+          <p:cNvPr id="70" name="Rectangle 69">
             <a:extLst>
               <a:ext uri="{FF2B5EF4-FFF2-40B4-BE49-F238E27FC236}">
                 <a16:creationId xmlns:a16="http://schemas.microsoft.com/office/drawing/2014/main" id="{9A5A698B-F644-41A9-BD67-6316EDB7A951}"/>
@@ -8641,7 +8135,7 @@
       </p:sp>
       <p:grpSp>
         <p:nvGrpSpPr>
-          <p:cNvPr id="61" name="Group 51">
+          <p:cNvPr id="72" name="Group 71">
             <a:extLst>
               <a:ext uri="{FF2B5EF4-FFF2-40B4-BE49-F238E27FC236}">
                 <a16:creationId xmlns:a16="http://schemas.microsoft.com/office/drawing/2014/main" id="{BA916D8B-8E5E-442C-93D2-F10B324962F3}"/>
@@ -8672,7 +8166,7 @@
         </p:grpSpPr>
         <p:sp>
           <p:nvSpPr>
-            <p:cNvPr id="53" name="Freeform 6">
+            <p:cNvPr id="73" name="Freeform 6">
               <a:extLst>
                 <a:ext uri="{FF2B5EF4-FFF2-40B4-BE49-F238E27FC236}">
                   <a16:creationId xmlns:a16="http://schemas.microsoft.com/office/drawing/2014/main" id="{E444B8DA-C76F-4B2F-AFC5-378726411B52}"/>
@@ -8743,7 +8237,7 @@
         </p:sp>
         <p:sp>
           <p:nvSpPr>
-            <p:cNvPr id="62" name="Freeform 6">
+            <p:cNvPr id="74" name="Freeform 6">
               <a:extLst>
                 <a:ext uri="{FF2B5EF4-FFF2-40B4-BE49-F238E27FC236}">
                   <a16:creationId xmlns:a16="http://schemas.microsoft.com/office/drawing/2014/main" id="{7E2B20CB-FF0A-40D4-9C62-172DA9BB9890}"/>
@@ -8817,7 +8311,7 @@
       </p:grpSp>
       <p:sp>
         <p:nvSpPr>
-          <p:cNvPr id="63" name="Rectangle 55">
+          <p:cNvPr id="76" name="Rectangle 75">
             <a:extLst>
               <a:ext uri="{FF2B5EF4-FFF2-40B4-BE49-F238E27FC236}">
                 <a16:creationId xmlns:a16="http://schemas.microsoft.com/office/drawing/2014/main" id="{35E7CCC3-B903-495C-835D-87A78FB05A01}"/>
@@ -8880,10 +8374,10 @@
       </p:sp>
       <p:pic>
         <p:nvPicPr>
-          <p:cNvPr id="7" name="Imagem 6" descr="Uma imagem com texto, interior, fechar&#10;&#10;Descrição gerada automaticamente">
+          <p:cNvPr id="3" name="Imagem 2" descr="Uma imagem com Lego, brinquedo&#10;&#10;Descrição gerada automaticamente">
             <a:extLst>
               <a:ext uri="{FF2B5EF4-FFF2-40B4-BE49-F238E27FC236}">
-                <a16:creationId xmlns:a16="http://schemas.microsoft.com/office/drawing/2014/main" id="{49E81010-8480-418D-878C-B58E1E39DE4F}"/>
+                <a16:creationId xmlns:a16="http://schemas.microsoft.com/office/drawing/2014/main" id="{5DD4C8ED-366F-46EA-8420-634B84B78E94}"/>
               </a:ext>
             </a:extLst>
           </p:cNvPr>
@@ -8900,8 +8394,8 @@
         </p:blipFill>
         <p:spPr>
           <a:xfrm>
-            <a:off x="1322194" y="2176315"/>
-            <a:ext cx="4405291" cy="2477976"/>
+            <a:off x="1322194" y="1763319"/>
+            <a:ext cx="4405291" cy="3303968"/>
           </a:xfrm>
           <a:prstGeom prst="rect">
             <a:avLst/>
@@ -8910,7 +8404,7 @@
       </p:pic>
       <p:sp>
         <p:nvSpPr>
-          <p:cNvPr id="58" name="Rectangle 57">
+          <p:cNvPr id="78" name="Rectangle 77">
             <a:extLst>
               <a:ext uri="{FF2B5EF4-FFF2-40B4-BE49-F238E27FC236}">
                 <a16:creationId xmlns:a16="http://schemas.microsoft.com/office/drawing/2014/main" id="{584170D1-B32B-4D7D-AA30-9D84747A0574}"/>
@@ -8973,10 +8467,10 @@
       </p:sp>
       <p:pic>
         <p:nvPicPr>
-          <p:cNvPr id="3" name="Imagem 2" descr="Uma imagem com Lego, brinquedo&#10;&#10;Descrição gerada automaticamente">
+          <p:cNvPr id="2" name="Imagem 1">
             <a:extLst>
               <a:ext uri="{FF2B5EF4-FFF2-40B4-BE49-F238E27FC236}">
-                <a16:creationId xmlns:a16="http://schemas.microsoft.com/office/drawing/2014/main" id="{5DD4C8ED-366F-46EA-8420-634B84B78E94}"/>
+                <a16:creationId xmlns:a16="http://schemas.microsoft.com/office/drawing/2014/main" id="{F2DD2B2D-31A0-4A76-834B-8DF7DD9B1FBC}"/>
               </a:ext>
             </a:extLst>
           </p:cNvPr>
@@ -8993,8 +8487,8 @@
         </p:blipFill>
         <p:spPr>
           <a:xfrm>
-            <a:off x="6453003" y="1763320"/>
-            <a:ext cx="4405288" cy="3303966"/>
+            <a:off x="6131270" y="1021951"/>
+            <a:ext cx="5048756" cy="4917729"/>
           </a:xfrm>
           <a:prstGeom prst="rect">
             <a:avLst/>
@@ -9450,249 +8944,6 @@
       </p:grpSpPr>
       <p:sp>
         <p:nvSpPr>
-          <p:cNvPr id="18" name="Rectangle 7">
-            <a:extLst>
-              <a:ext uri="{FF2B5EF4-FFF2-40B4-BE49-F238E27FC236}">
-                <a16:creationId xmlns:a16="http://schemas.microsoft.com/office/drawing/2014/main" id="{3362DFFC-4DCC-48EE-B781-94D04B95F1E8}"/>
-              </a:ext>
-              <a:ext uri="{C183D7F6-B498-43B3-948B-1728B52AA6E4}">
-                <adec:decorative xmlns:adec="http://schemas.microsoft.com/office/drawing/2017/decorative" val="1"/>
-              </a:ext>
-            </a:extLst>
-          </p:cNvPr>
-          <p:cNvSpPr>
-            <a:spLocks noGrp="1" noRot="1" noChangeAspect="1" noMove="1" noResize="1" noEditPoints="1" noAdjustHandles="1" noChangeArrowheads="1" noChangeShapeType="1" noTextEdit="1"/>
-          </p:cNvSpPr>
-          <p:nvPr>
-            <p:extLst>
-              <p:ext uri="{386F3935-93C4-4BCD-93E2-E3B085C9AB24}">
-                <p16:designElem xmlns:p16="http://schemas.microsoft.com/office/powerpoint/2015/main" val="1"/>
-              </p:ext>
-            </p:extLst>
-          </p:nvPr>
-        </p:nvSpPr>
-        <p:spPr>
-          <a:xfrm>
-            <a:off x="0" y="376"/>
-            <a:ext cx="5303520" cy="6857624"/>
-          </a:xfrm>
-          <a:prstGeom prst="rect">
-            <a:avLst/>
-          </a:prstGeom>
-          <a:solidFill>
-            <a:schemeClr val="tx2"/>
-          </a:solidFill>
-          <a:ln>
-            <a:noFill/>
-          </a:ln>
-        </p:spPr>
-        <p:style>
-          <a:lnRef idx="2">
-            <a:schemeClr val="accent1">
-              <a:shade val="50000"/>
-            </a:schemeClr>
-          </a:lnRef>
-          <a:fillRef idx="1">
-            <a:schemeClr val="accent1"/>
-          </a:fillRef>
-          <a:effectRef idx="0">
-            <a:schemeClr val="accent1"/>
-          </a:effectRef>
-          <a:fontRef idx="minor">
-            <a:schemeClr val="lt1"/>
-          </a:fontRef>
-        </p:style>
-      </p:sp>
-      <p:sp>
-        <p:nvSpPr>
-          <p:cNvPr id="2" name="Título 1">
-            <a:extLst>
-              <a:ext uri="{FF2B5EF4-FFF2-40B4-BE49-F238E27FC236}">
-                <a16:creationId xmlns:a16="http://schemas.microsoft.com/office/drawing/2014/main" id="{01F05E39-43FA-4DEB-BCD8-1FF7AE399AEE}"/>
-              </a:ext>
-            </a:extLst>
-          </p:cNvPr>
-          <p:cNvSpPr>
-            <a:spLocks noGrp="1"/>
-          </p:cNvSpPr>
-          <p:nvPr>
-            <p:ph type="title"/>
-          </p:nvPr>
-        </p:nvSpPr>
-        <p:spPr>
-          <a:xfrm>
-            <a:off x="1" y="0"/>
-            <a:ext cx="5303520" cy="6857624"/>
-          </a:xfrm>
-        </p:spPr>
-        <p:txBody>
-          <a:bodyPr anchor="ctr">
-            <a:normAutofit/>
-          </a:bodyPr>
-          <a:lstStyle/>
-          <a:p>
-            <a:pPr algn="r"/>
-            <a:r>
-              <a:rPr lang="pt-PT" sz="6600" dirty="0">
-                <a:solidFill>
-                  <a:schemeClr val="bg2"/>
-                </a:solidFill>
-              </a:rPr>
-              <a:t>Ferramentas e aplicações semelhantes</a:t>
-            </a:r>
-          </a:p>
-        </p:txBody>
-      </p:sp>
-      <p:sp>
-        <p:nvSpPr>
-          <p:cNvPr id="19" name="Rectangle 9">
-            <a:extLst>
-              <a:ext uri="{FF2B5EF4-FFF2-40B4-BE49-F238E27FC236}">
-                <a16:creationId xmlns:a16="http://schemas.microsoft.com/office/drawing/2014/main" id="{18B8B265-E68C-4B64-9238-781F0102C57B}"/>
-              </a:ext>
-              <a:ext uri="{C183D7F6-B498-43B3-948B-1728B52AA6E4}">
-                <adec:decorative xmlns:adec="http://schemas.microsoft.com/office/drawing/2017/decorative" val="1"/>
-              </a:ext>
-            </a:extLst>
-          </p:cNvPr>
-          <p:cNvSpPr>
-            <a:spLocks noGrp="1" noRot="1" noChangeAspect="1" noMove="1" noResize="1" noEditPoints="1" noAdjustHandles="1" noChangeArrowheads="1" noChangeShapeType="1" noTextEdit="1"/>
-          </p:cNvSpPr>
-          <p:nvPr>
-            <p:extLst>
-              <p:ext uri="{386F3935-93C4-4BCD-93E2-E3B085C9AB24}">
-                <p16:designElem xmlns:p16="http://schemas.microsoft.com/office/powerpoint/2015/main" val="1"/>
-              </p:ext>
-            </p:extLst>
-          </p:nvPr>
-        </p:nvSpPr>
-        <p:spPr>
-          <a:xfrm>
-            <a:off x="5303520" y="376"/>
-            <a:ext cx="228600" cy="6858000"/>
-          </a:xfrm>
-          <a:prstGeom prst="rect">
-            <a:avLst/>
-          </a:prstGeom>
-          <a:solidFill>
-            <a:schemeClr val="accent1">
-              <a:lumMod val="75000"/>
-            </a:schemeClr>
-          </a:solidFill>
-          <a:ln>
-            <a:noFill/>
-          </a:ln>
-        </p:spPr>
-        <p:style>
-          <a:lnRef idx="2">
-            <a:schemeClr val="accent1">
-              <a:shade val="50000"/>
-            </a:schemeClr>
-          </a:lnRef>
-          <a:fillRef idx="1">
-            <a:schemeClr val="accent1"/>
-          </a:fillRef>
-          <a:effectRef idx="0">
-            <a:schemeClr val="accent1"/>
-          </a:effectRef>
-          <a:fontRef idx="minor">
-            <a:schemeClr val="lt1"/>
-          </a:fontRef>
-        </p:style>
-      </p:sp>
-      <p:sp>
-        <p:nvSpPr>
-          <p:cNvPr id="3" name="Marcador de Posição de Conteúdo 2">
-            <a:extLst>
-              <a:ext uri="{FF2B5EF4-FFF2-40B4-BE49-F238E27FC236}">
-                <a16:creationId xmlns:a16="http://schemas.microsoft.com/office/drawing/2014/main" id="{F9CF1B74-CF36-4816-9F1D-897F96944E06}"/>
-              </a:ext>
-            </a:extLst>
-          </p:cNvPr>
-          <p:cNvSpPr>
-            <a:spLocks noGrp="1"/>
-          </p:cNvSpPr>
-          <p:nvPr>
-            <p:ph idx="1"/>
-          </p:nvPr>
-        </p:nvSpPr>
-        <p:spPr>
-          <a:xfrm>
-            <a:off x="5532120" y="0"/>
-            <a:ext cx="6659880" cy="6857624"/>
-          </a:xfrm>
-        </p:spPr>
-        <p:txBody>
-          <a:bodyPr anchor="ctr">
-            <a:normAutofit/>
-          </a:bodyPr>
-          <a:lstStyle/>
-          <a:p>
-            <a:endParaRPr lang="pt-PT" sz="1800" dirty="0"/>
-          </a:p>
-          <a:p>
-            <a:r>
-              <a:rPr lang="pt-PT" sz="2800" b="1" dirty="0"/>
-              <a:t>Wikinight</a:t>
-            </a:r>
-            <a:r>
-              <a:rPr lang="pt-PT" sz="2800" dirty="0"/>
-              <a:t> - A Wikinight é uma plataforma de vida noturna que reúne de forma gratuita informação sobre eventos, discotecas, bares e artigos com novidades e sugestões. A aplicação também permite realizar todos os pagamentos necessários ao longo do processo de forma virtual, desde a pré-reserva ao pagamento de consumos através de MB </a:t>
-            </a:r>
-            <a:r>
-              <a:rPr lang="pt-PT" sz="2800" dirty="0" err="1"/>
-              <a:t>Way</a:t>
-            </a:r>
-            <a:r>
-              <a:rPr lang="pt-PT" sz="2800" dirty="0"/>
-              <a:t> ou Multibanco.</a:t>
-            </a:r>
-          </a:p>
-          <a:p>
-            <a:endParaRPr lang="pt-PT" sz="1800" dirty="0"/>
-          </a:p>
-        </p:txBody>
-      </p:sp>
-    </p:spTree>
-    <p:extLst>
-      <p:ext uri="{BB962C8B-B14F-4D97-AF65-F5344CB8AC3E}">
-        <p14:creationId xmlns:p14="http://schemas.microsoft.com/office/powerpoint/2010/main" val="284310885"/>
-      </p:ext>
-    </p:extLst>
-  </p:cSld>
-  <p:clrMapOvr>
-    <a:masterClrMapping/>
-  </p:clrMapOvr>
-</p:sld>
-</file>
-
-<file path=ppt/slides/slide6.xml><?xml version="1.0" encoding="utf-8"?>
-<p:sld xmlns:a="http://schemas.openxmlformats.org/drawingml/2006/main" xmlns:r="http://schemas.openxmlformats.org/officeDocument/2006/relationships" xmlns:p="http://schemas.openxmlformats.org/presentationml/2006/main">
-  <p:cSld>
-    <p:bg>
-      <p:bgPr>
-        <a:solidFill>
-          <a:schemeClr val="bg2"/>
-        </a:solidFill>
-        <a:effectLst/>
-      </p:bgPr>
-    </p:bg>
-    <p:spTree>
-      <p:nvGrpSpPr>
-        <p:cNvPr id="1" name=""/>
-        <p:cNvGrpSpPr/>
-        <p:nvPr/>
-      </p:nvGrpSpPr>
-      <p:grpSpPr>
-        <a:xfrm>
-          <a:off x="0" y="0"/>
-          <a:ext cx="0" cy="0"/>
-          <a:chOff x="0" y="0"/>
-          <a:chExt cx="0" cy="0"/>
-        </a:xfrm>
-      </p:grpSpPr>
-      <p:sp>
-        <p:nvSpPr>
           <p:cNvPr id="24" name="Rectangle 17">
             <a:extLst>
               <a:ext uri="{FF2B5EF4-FFF2-40B4-BE49-F238E27FC236}">
@@ -9887,7 +9138,7 @@
 </p:sld>
 </file>
 
-<file path=ppt/slides/slide7.xml><?xml version="1.0" encoding="utf-8"?>
+<file path=ppt/slides/slide6.xml><?xml version="1.0" encoding="utf-8"?>
 <p:sld xmlns:a="http://schemas.openxmlformats.org/drawingml/2006/main" xmlns:r="http://schemas.openxmlformats.org/officeDocument/2006/relationships" xmlns:p="http://schemas.openxmlformats.org/presentationml/2006/main">
   <p:cSld>
     <p:bg>
@@ -11309,7 +10560,7 @@
 </p:sld>
 </file>
 
-<file path=ppt/slides/slide8.xml><?xml version="1.0" encoding="utf-8"?>
+<file path=ppt/slides/slide7.xml><?xml version="1.0" encoding="utf-8"?>
 <p:sld xmlns:a="http://schemas.openxmlformats.org/drawingml/2006/main" xmlns:r="http://schemas.openxmlformats.org/officeDocument/2006/relationships" xmlns:p="http://schemas.openxmlformats.org/presentationml/2006/main">
   <p:cSld>
     <p:bg>
@@ -12238,7 +11489,7 @@
 </p:sld>
 </file>
 
-<file path=ppt/slides/slide9.xml><?xml version="1.0" encoding="utf-8"?>
+<file path=ppt/slides/slide8.xml><?xml version="1.0" encoding="utf-8"?>
 <p:sld xmlns:a="http://schemas.openxmlformats.org/drawingml/2006/main" xmlns:r="http://schemas.openxmlformats.org/officeDocument/2006/relationships" xmlns:p="http://schemas.openxmlformats.org/presentationml/2006/main">
   <p:cSld>
     <p:spTree>
@@ -12493,6 +11744,511 @@
     <p:extLst>
       <p:ext uri="{BB962C8B-B14F-4D97-AF65-F5344CB8AC3E}">
         <p14:creationId xmlns:p14="http://schemas.microsoft.com/office/powerpoint/2010/main" val="2591545204"/>
+      </p:ext>
+    </p:extLst>
+  </p:cSld>
+  <p:clrMapOvr>
+    <a:masterClrMapping/>
+  </p:clrMapOvr>
+</p:sld>
+</file>
+
+<file path=ppt/slides/slide9.xml><?xml version="1.0" encoding="utf-8"?>
+<p:sld xmlns:a="http://schemas.openxmlformats.org/drawingml/2006/main" xmlns:r="http://schemas.openxmlformats.org/officeDocument/2006/relationships" xmlns:p="http://schemas.openxmlformats.org/presentationml/2006/main">
+  <p:cSld>
+    <p:spTree>
+      <p:nvGrpSpPr>
+        <p:cNvPr id="1" name=""/>
+        <p:cNvGrpSpPr/>
+        <p:nvPr/>
+      </p:nvGrpSpPr>
+      <p:grpSpPr>
+        <a:xfrm>
+          <a:off x="0" y="0"/>
+          <a:ext cx="0" cy="0"/>
+          <a:chOff x="0" y="0"/>
+          <a:chExt cx="0" cy="0"/>
+        </a:xfrm>
+      </p:grpSpPr>
+      <p:sp>
+        <p:nvSpPr>
+          <p:cNvPr id="2" name="Título 1">
+            <a:extLst>
+              <a:ext uri="{FF2B5EF4-FFF2-40B4-BE49-F238E27FC236}">
+                <a16:creationId xmlns:a16="http://schemas.microsoft.com/office/drawing/2014/main" id="{DFE134D2-1247-4CA3-B831-2F62056BD57E}"/>
+              </a:ext>
+            </a:extLst>
+          </p:cNvPr>
+          <p:cNvSpPr>
+            <a:spLocks noGrp="1"/>
+          </p:cNvSpPr>
+          <p:nvPr>
+            <p:ph type="title"/>
+          </p:nvPr>
+        </p:nvSpPr>
+        <p:spPr>
+          <a:xfrm>
+            <a:off x="0" y="5606418"/>
+            <a:ext cx="5318979" cy="567197"/>
+          </a:xfrm>
+        </p:spPr>
+        <p:txBody>
+          <a:bodyPr vert="horz" lIns="91440" tIns="45720" rIns="91440" bIns="45720" rtlCol="0" anchor="t">
+            <a:normAutofit fontScale="90000"/>
+          </a:bodyPr>
+          <a:lstStyle/>
+          <a:p>
+            <a:r>
+              <a:rPr lang="en-US" sz="3600" b="1" dirty="0">
+                <a:solidFill>
+                  <a:schemeClr val="tx1"/>
+                </a:solidFill>
+              </a:rPr>
+              <a:t>Heroku – Custom Queries</a:t>
+            </a:r>
+          </a:p>
+        </p:txBody>
+      </p:sp>
+      <p:sp>
+        <p:nvSpPr>
+          <p:cNvPr id="6" name="CaixaDeTexto 5">
+            <a:extLst>
+              <a:ext uri="{FF2B5EF4-FFF2-40B4-BE49-F238E27FC236}">
+                <a16:creationId xmlns:a16="http://schemas.microsoft.com/office/drawing/2014/main" id="{436B44CB-E9E5-4058-877C-AC4851D4EFD1}"/>
+              </a:ext>
+            </a:extLst>
+          </p:cNvPr>
+          <p:cNvSpPr txBox="1"/>
+          <p:nvPr/>
+        </p:nvSpPr>
+        <p:spPr>
+          <a:xfrm>
+            <a:off x="2772" y="0"/>
+            <a:ext cx="12189228" cy="5324535"/>
+          </a:xfrm>
+          <a:prstGeom prst="rect">
+            <a:avLst/>
+          </a:prstGeom>
+          <a:noFill/>
+        </p:spPr>
+        <p:txBody>
+          <a:bodyPr wrap="square">
+            <a:spAutoFit/>
+          </a:bodyPr>
+          <a:lstStyle/>
+          <a:p>
+            <a:r>
+              <a:rPr lang="pt-PT" sz="2000" b="1" dirty="0">
+                <a:effectLst/>
+                <a:latin typeface="Consolas" panose="020B0609020204030204" pitchFamily="49" charset="0"/>
+              </a:rPr>
+              <a:t>	SELECT </a:t>
+            </a:r>
+            <a:r>
+              <a:rPr lang="pt-PT" sz="2000" b="1" dirty="0" err="1">
+                <a:effectLst/>
+                <a:latin typeface="Consolas" panose="020B0609020204030204" pitchFamily="49" charset="0"/>
+              </a:rPr>
+              <a:t>infospot.spot_name</a:t>
+            </a:r>
+            <a:r>
+              <a:rPr lang="pt-PT" sz="2000" b="1" dirty="0">
+                <a:effectLst/>
+                <a:latin typeface="Consolas" panose="020B0609020204030204" pitchFamily="49" charset="0"/>
+              </a:rPr>
+              <a:t> AS </a:t>
+            </a:r>
+            <a:r>
+              <a:rPr lang="pt-PT" sz="2000" b="1" dirty="0" err="1">
+                <a:effectLst/>
+                <a:latin typeface="Consolas" panose="020B0609020204030204" pitchFamily="49" charset="0"/>
+              </a:rPr>
+              <a:t>sptName</a:t>
+            </a:r>
+            <a:r>
+              <a:rPr lang="pt-PT" sz="2000" b="1" dirty="0">
+                <a:effectLst/>
+                <a:latin typeface="Consolas" panose="020B0609020204030204" pitchFamily="49" charset="0"/>
+              </a:rPr>
+              <a:t>, </a:t>
+            </a:r>
+            <a:r>
+              <a:rPr lang="pt-PT" sz="2000" b="1" dirty="0" err="1">
+                <a:effectLst/>
+                <a:latin typeface="Consolas" panose="020B0609020204030204" pitchFamily="49" charset="0"/>
+              </a:rPr>
+              <a:t>infospot.spot_lat</a:t>
+            </a:r>
+            <a:r>
+              <a:rPr lang="pt-PT" sz="2000" b="1" dirty="0">
+                <a:effectLst/>
+                <a:latin typeface="Consolas" panose="020B0609020204030204" pitchFamily="49" charset="0"/>
+              </a:rPr>
+              <a:t> AS </a:t>
+            </a:r>
+            <a:r>
+              <a:rPr lang="pt-PT" sz="2000" b="1" dirty="0" err="1">
+                <a:effectLst/>
+                <a:latin typeface="Consolas" panose="020B0609020204030204" pitchFamily="49" charset="0"/>
+              </a:rPr>
+              <a:t>lat</a:t>
+            </a:r>
+            <a:r>
+              <a:rPr lang="pt-PT" sz="2000" b="1" dirty="0">
+                <a:effectLst/>
+                <a:latin typeface="Consolas" panose="020B0609020204030204" pitchFamily="49" charset="0"/>
+              </a:rPr>
+              <a:t>, </a:t>
+            </a:r>
+            <a:r>
+              <a:rPr lang="pt-PT" sz="2000" b="1" dirty="0" err="1">
+                <a:effectLst/>
+                <a:latin typeface="Consolas" panose="020B0609020204030204" pitchFamily="49" charset="0"/>
+              </a:rPr>
+              <a:t>infospot.spot_long</a:t>
+            </a:r>
+            <a:r>
+              <a:rPr lang="pt-PT" sz="2000" b="1" dirty="0">
+                <a:effectLst/>
+                <a:latin typeface="Consolas" panose="020B0609020204030204" pitchFamily="49" charset="0"/>
+              </a:rPr>
+              <a:t> AS </a:t>
+            </a:r>
+            <a:r>
+              <a:rPr lang="pt-PT" sz="2000" b="1" dirty="0" err="1">
+                <a:effectLst/>
+                <a:latin typeface="Consolas" panose="020B0609020204030204" pitchFamily="49" charset="0"/>
+              </a:rPr>
+              <a:t>long</a:t>
+            </a:r>
+            <a:r>
+              <a:rPr lang="pt-PT" sz="2000" b="1" dirty="0">
+                <a:effectLst/>
+                <a:latin typeface="Consolas" panose="020B0609020204030204" pitchFamily="49" charset="0"/>
+              </a:rPr>
+              <a:t> FROM </a:t>
+            </a:r>
+            <a:r>
+              <a:rPr lang="pt-PT" sz="2000" b="1" dirty="0" err="1">
+                <a:effectLst/>
+                <a:latin typeface="Consolas" panose="020B0609020204030204" pitchFamily="49" charset="0"/>
+              </a:rPr>
+              <a:t>infospot</a:t>
+            </a:r>
+            <a:endParaRPr lang="pt-PT" sz="2000" b="1" dirty="0">
+              <a:effectLst/>
+              <a:latin typeface="Consolas" panose="020B0609020204030204" pitchFamily="49" charset="0"/>
+            </a:endParaRPr>
+          </a:p>
+          <a:p>
+            <a:r>
+              <a:rPr lang="en-US" sz="2000" b="1" dirty="0">
+                <a:effectLst/>
+                <a:latin typeface="Consolas" panose="020B0609020204030204" pitchFamily="49" charset="0"/>
+              </a:rPr>
+              <a:t>WHERE </a:t>
+            </a:r>
+            <a:r>
+              <a:rPr lang="en-US" sz="2000" b="1" dirty="0" err="1">
+                <a:effectLst/>
+                <a:latin typeface="Consolas" panose="020B0609020204030204" pitchFamily="49" charset="0"/>
+              </a:rPr>
+              <a:t>infospot.spot_id</a:t>
+            </a:r>
+            <a:r>
+              <a:rPr lang="en-US" sz="2000" b="1" dirty="0">
+                <a:effectLst/>
+                <a:latin typeface="Consolas" panose="020B0609020204030204" pitchFamily="49" charset="0"/>
+              </a:rPr>
+              <a:t> = 4</a:t>
+            </a:r>
+            <a:endParaRPr lang="pt-PT" sz="2000" b="1" dirty="0">
+              <a:effectLst/>
+              <a:latin typeface="Consolas" panose="020B0609020204030204" pitchFamily="49" charset="0"/>
+            </a:endParaRPr>
+          </a:p>
+          <a:p>
+            <a:endParaRPr lang="pt-PT" sz="2000" b="1" dirty="0">
+              <a:effectLst/>
+              <a:latin typeface="Consolas" panose="020B0609020204030204" pitchFamily="49" charset="0"/>
+            </a:endParaRPr>
+          </a:p>
+          <a:p>
+            <a:endParaRPr lang="pt-PT" sz="2000" b="1" dirty="0">
+              <a:effectLst/>
+              <a:latin typeface="Consolas" panose="020B0609020204030204" pitchFamily="49" charset="0"/>
+            </a:endParaRPr>
+          </a:p>
+          <a:p>
+            <a:endParaRPr lang="pt-PT" sz="2000" b="1" dirty="0">
+              <a:latin typeface="Consolas" panose="020B0609020204030204" pitchFamily="49" charset="0"/>
+            </a:endParaRPr>
+          </a:p>
+          <a:p>
+            <a:r>
+              <a:rPr lang="pt-PT" sz="2000" b="1" dirty="0">
+                <a:latin typeface="Consolas" panose="020B0609020204030204" pitchFamily="49" charset="0"/>
+              </a:rPr>
+              <a:t>	</a:t>
+            </a:r>
+          </a:p>
+          <a:p>
+            <a:r>
+              <a:rPr lang="pt-PT" sz="2000" b="1" dirty="0">
+                <a:effectLst/>
+                <a:latin typeface="Consolas" panose="020B0609020204030204" pitchFamily="49" charset="0"/>
+              </a:rPr>
+              <a:t>SELECT </a:t>
+            </a:r>
+            <a:r>
+              <a:rPr lang="pt-PT" sz="2000" b="1" dirty="0" err="1">
+                <a:effectLst/>
+                <a:latin typeface="Consolas" panose="020B0609020204030204" pitchFamily="49" charset="0"/>
+              </a:rPr>
+              <a:t>spot_name</a:t>
+            </a:r>
+            <a:r>
+              <a:rPr lang="pt-PT" sz="2000" b="1" dirty="0">
+                <a:effectLst/>
+                <a:latin typeface="Consolas" panose="020B0609020204030204" pitchFamily="49" charset="0"/>
+              </a:rPr>
+              <a:t> AS </a:t>
+            </a:r>
+            <a:r>
+              <a:rPr lang="pt-PT" sz="2000" b="1" dirty="0" err="1">
+                <a:effectLst/>
+                <a:latin typeface="Consolas" panose="020B0609020204030204" pitchFamily="49" charset="0"/>
+              </a:rPr>
+              <a:t>sptName</a:t>
+            </a:r>
+            <a:r>
+              <a:rPr lang="pt-PT" sz="2000" b="1" dirty="0">
+                <a:effectLst/>
+                <a:latin typeface="Consolas" panose="020B0609020204030204" pitchFamily="49" charset="0"/>
+              </a:rPr>
+              <a:t>, </a:t>
+            </a:r>
+            <a:r>
+              <a:rPr lang="pt-PT" sz="2000" b="1" dirty="0" err="1">
+                <a:effectLst/>
+                <a:latin typeface="Consolas" panose="020B0609020204030204" pitchFamily="49" charset="0"/>
+              </a:rPr>
+              <a:t>spot_address</a:t>
+            </a:r>
+            <a:r>
+              <a:rPr lang="pt-PT" sz="2000" b="1" dirty="0">
+                <a:effectLst/>
+                <a:latin typeface="Consolas" panose="020B0609020204030204" pitchFamily="49" charset="0"/>
+              </a:rPr>
+              <a:t> AS </a:t>
+            </a:r>
+            <a:r>
+              <a:rPr lang="pt-PT" sz="2000" b="1" dirty="0" err="1">
+                <a:effectLst/>
+                <a:latin typeface="Consolas" panose="020B0609020204030204" pitchFamily="49" charset="0"/>
+              </a:rPr>
+              <a:t>sptAddress</a:t>
+            </a:r>
+            <a:r>
+              <a:rPr lang="pt-PT" sz="2000" b="1" dirty="0">
+                <a:effectLst/>
+                <a:latin typeface="Consolas" panose="020B0609020204030204" pitchFamily="49" charset="0"/>
+              </a:rPr>
+              <a:t>, </a:t>
+            </a:r>
+            <a:r>
+              <a:rPr lang="pt-PT" sz="2000" b="1" dirty="0" err="1">
+                <a:effectLst/>
+                <a:latin typeface="Consolas" panose="020B0609020204030204" pitchFamily="49" charset="0"/>
+              </a:rPr>
+              <a:t>contact_info</a:t>
+            </a:r>
+            <a:r>
+              <a:rPr lang="pt-PT" sz="2000" b="1" dirty="0">
+                <a:effectLst/>
+                <a:latin typeface="Consolas" panose="020B0609020204030204" pitchFamily="49" charset="0"/>
+              </a:rPr>
+              <a:t> AS </a:t>
+            </a:r>
+            <a:r>
+              <a:rPr lang="pt-PT" sz="2000" b="1" dirty="0" err="1">
+                <a:effectLst/>
+                <a:latin typeface="Consolas" panose="020B0609020204030204" pitchFamily="49" charset="0"/>
+              </a:rPr>
+              <a:t>sptContactInfo</a:t>
+            </a:r>
+            <a:r>
+              <a:rPr lang="pt-PT" sz="2000" b="1" dirty="0">
+                <a:effectLst/>
+                <a:latin typeface="Consolas" panose="020B0609020204030204" pitchFamily="49" charset="0"/>
+              </a:rPr>
+              <a:t> FROM </a:t>
+            </a:r>
+            <a:r>
+              <a:rPr lang="pt-PT" sz="2000" b="1" dirty="0" err="1">
+                <a:effectLst/>
+                <a:latin typeface="Consolas" panose="020B0609020204030204" pitchFamily="49" charset="0"/>
+              </a:rPr>
+              <a:t>infospot</a:t>
+            </a:r>
+            <a:endParaRPr lang="pt-PT" sz="2000" b="1" dirty="0">
+              <a:effectLst/>
+              <a:latin typeface="Consolas" panose="020B0609020204030204" pitchFamily="49" charset="0"/>
+            </a:endParaRPr>
+          </a:p>
+          <a:p>
+            <a:r>
+              <a:rPr lang="en-US" sz="2000" b="1" dirty="0">
+                <a:effectLst/>
+                <a:latin typeface="Consolas" panose="020B0609020204030204" pitchFamily="49" charset="0"/>
+              </a:rPr>
+              <a:t>WHERE </a:t>
+            </a:r>
+            <a:r>
+              <a:rPr lang="en-US" sz="2000" b="1" dirty="0" err="1">
+                <a:effectLst/>
+                <a:latin typeface="Consolas" panose="020B0609020204030204" pitchFamily="49" charset="0"/>
+              </a:rPr>
+              <a:t>infospot.spot_name</a:t>
+            </a:r>
+            <a:r>
+              <a:rPr lang="en-US" sz="2000" b="1" dirty="0">
+                <a:effectLst/>
+                <a:latin typeface="Consolas" panose="020B0609020204030204" pitchFamily="49" charset="0"/>
+              </a:rPr>
+              <a:t> ='</a:t>
+            </a:r>
+            <a:r>
+              <a:rPr lang="en-US" sz="2000" b="1" dirty="0" err="1">
+                <a:effectLst/>
+                <a:latin typeface="Consolas" panose="020B0609020204030204" pitchFamily="49" charset="0"/>
+              </a:rPr>
+              <a:t>Epur</a:t>
+            </a:r>
+            <a:r>
+              <a:rPr lang="en-US" sz="2000" b="1" dirty="0">
+                <a:effectLst/>
+                <a:latin typeface="Consolas" panose="020B0609020204030204" pitchFamily="49" charset="0"/>
+              </a:rPr>
+              <a:t>’</a:t>
+            </a:r>
+          </a:p>
+          <a:p>
+            <a:endParaRPr lang="en-US" sz="2000" b="1" dirty="0">
+              <a:effectLst/>
+              <a:latin typeface="Consolas" panose="020B0609020204030204" pitchFamily="49" charset="0"/>
+            </a:endParaRPr>
+          </a:p>
+          <a:p>
+            <a:endParaRPr lang="en-US" sz="2000" b="1" dirty="0">
+              <a:latin typeface="Consolas" panose="020B0609020204030204" pitchFamily="49" charset="0"/>
+            </a:endParaRPr>
+          </a:p>
+          <a:p>
+            <a:endParaRPr lang="en-US" sz="2000" b="1" dirty="0">
+              <a:effectLst/>
+              <a:latin typeface="Consolas" panose="020B0609020204030204" pitchFamily="49" charset="0"/>
+            </a:endParaRPr>
+          </a:p>
+          <a:p>
+            <a:endParaRPr lang="pt-PT" sz="2000" b="1" dirty="0">
+              <a:effectLst/>
+              <a:latin typeface="Consolas" panose="020B0609020204030204" pitchFamily="49" charset="0"/>
+            </a:endParaRPr>
+          </a:p>
+          <a:p>
+            <a:r>
+              <a:rPr lang="pt-PT" sz="2000" b="1" dirty="0">
+                <a:effectLst/>
+                <a:latin typeface="Consolas" panose="020B0609020204030204" pitchFamily="49" charset="0"/>
+              </a:rPr>
+              <a:t>	</a:t>
+            </a:r>
+          </a:p>
+          <a:p>
+            <a:endParaRPr lang="pt-PT" sz="2000" b="1" dirty="0">
+              <a:effectLst/>
+              <a:latin typeface="Consolas" panose="020B0609020204030204" pitchFamily="49" charset="0"/>
+            </a:endParaRPr>
+          </a:p>
+          <a:p>
+            <a:r>
+              <a:rPr lang="pt-PT" sz="2000" b="1" dirty="0">
+                <a:latin typeface="Consolas" panose="020B0609020204030204" pitchFamily="49" charset="0"/>
+              </a:rPr>
+              <a:t>	</a:t>
+            </a:r>
+            <a:endParaRPr lang="pt-PT" sz="2000" b="1" dirty="0">
+              <a:effectLst/>
+              <a:latin typeface="Consolas" panose="020B0609020204030204" pitchFamily="49" charset="0"/>
+            </a:endParaRPr>
+          </a:p>
+        </p:txBody>
+      </p:sp>
+      <p:pic>
+        <p:nvPicPr>
+          <p:cNvPr id="7" name="Imagem 6">
+            <a:extLst>
+              <a:ext uri="{FF2B5EF4-FFF2-40B4-BE49-F238E27FC236}">
+                <a16:creationId xmlns:a16="http://schemas.microsoft.com/office/drawing/2014/main" id="{9A629B18-06ED-467B-ACBA-6701E40451D3}"/>
+              </a:ext>
+            </a:extLst>
+          </p:cNvPr>
+          <p:cNvPicPr>
+            <a:picLocks noChangeAspect="1"/>
+          </p:cNvPicPr>
+          <p:nvPr/>
+        </p:nvPicPr>
+        <p:blipFill>
+          <a:blip r:embed="rId2"/>
+          <a:stretch>
+            <a:fillRect/>
+          </a:stretch>
+        </p:blipFill>
+        <p:spPr>
+          <a:xfrm>
+            <a:off x="3890356" y="684385"/>
+            <a:ext cx="7564583" cy="1292511"/>
+          </a:xfrm>
+          <a:prstGeom prst="rect">
+            <a:avLst/>
+          </a:prstGeom>
+        </p:spPr>
+      </p:pic>
+      <p:pic>
+        <p:nvPicPr>
+          <p:cNvPr id="10" name="Imagem 9">
+            <a:extLst>
+              <a:ext uri="{FF2B5EF4-FFF2-40B4-BE49-F238E27FC236}">
+                <a16:creationId xmlns:a16="http://schemas.microsoft.com/office/drawing/2014/main" id="{6BF7231D-64F6-41C6-AC8D-9C9350B7906A}"/>
+              </a:ext>
+            </a:extLst>
+          </p:cNvPr>
+          <p:cNvPicPr>
+            <a:picLocks noChangeAspect="1"/>
+          </p:cNvPicPr>
+          <p:nvPr/>
+        </p:nvPicPr>
+        <p:blipFill>
+          <a:blip r:embed="rId3"/>
+          <a:stretch>
+            <a:fillRect/>
+          </a:stretch>
+        </p:blipFill>
+        <p:spPr>
+          <a:xfrm>
+            <a:off x="3890355" y="3429000"/>
+            <a:ext cx="7564583" cy="1237611"/>
+          </a:xfrm>
+          <a:prstGeom prst="rect">
+            <a:avLst/>
+          </a:prstGeom>
+        </p:spPr>
+      </p:pic>
+    </p:spTree>
+    <p:extLst>
+      <p:ext uri="{BB962C8B-B14F-4D97-AF65-F5344CB8AC3E}">
+        <p14:creationId xmlns:p14="http://schemas.microsoft.com/office/powerpoint/2010/main" val="2060116962"/>
       </p:ext>
     </p:extLst>
   </p:cSld>
